--- a/문서/졸업작품 게임 기획서 초안 (김하윤 이동규 이득유).pptx
+++ b/문서/졸업작품 게임 기획서 초안 (김하윤 이동규 이득유).pptx
@@ -5,7 +5,7 @@
     <p:sldMasterId id="2147483661" r:id="rId1"/>
   </p:sldMasterIdLst>
   <p:notesMasterIdLst>
-    <p:notesMasterId r:id="rId22"/>
+    <p:notesMasterId r:id="rId21"/>
   </p:notesMasterIdLst>
   <p:sldIdLst>
     <p:sldId id="256" r:id="rId2"/>
@@ -20,14 +20,13 @@
     <p:sldId id="265" r:id="rId11"/>
     <p:sldId id="275" r:id="rId12"/>
     <p:sldId id="266" r:id="rId13"/>
-    <p:sldId id="267" r:id="rId14"/>
-    <p:sldId id="268" r:id="rId15"/>
-    <p:sldId id="269" r:id="rId16"/>
-    <p:sldId id="270" r:id="rId17"/>
-    <p:sldId id="271" r:id="rId18"/>
-    <p:sldId id="272" r:id="rId19"/>
-    <p:sldId id="273" r:id="rId20"/>
-    <p:sldId id="274" r:id="rId21"/>
+    <p:sldId id="268" r:id="rId14"/>
+    <p:sldId id="269" r:id="rId15"/>
+    <p:sldId id="270" r:id="rId16"/>
+    <p:sldId id="271" r:id="rId17"/>
+    <p:sldId id="272" r:id="rId18"/>
+    <p:sldId id="273" r:id="rId19"/>
+    <p:sldId id="274" r:id="rId20"/>
   </p:sldIdLst>
   <p:sldSz cx="12192000" cy="6858000"/>
   <p:notesSz cx="6858000" cy="9144000"/>
@@ -236,7 +235,7 @@
               <a:pPr lvl="0">
                 <a:defRPr/>
               </a:pPr>
-              <a:t>2019-12-02</a:t>
+              <a:t>2019-12-03</a:t>
             </a:fld>
             <a:endParaRPr lang="ko-KR" altLang="en-US"/>
           </a:p>
@@ -668,7 +667,7 @@
           <a:p>
             <a:fld id="{733DF88E-EEC7-4590-8394-8F97695D91F0}" type="datetimeFigureOut">
               <a:rPr lang="ko-KR" altLang="en-US" smtClean="0"/>
-              <a:t>2019-12-02</a:t>
+              <a:t>2019-12-03</a:t>
             </a:fld>
             <a:endParaRPr lang="ko-KR" altLang="en-US"/>
           </a:p>
@@ -866,7 +865,7 @@
           <a:p>
             <a:fld id="{733DF88E-EEC7-4590-8394-8F97695D91F0}" type="datetimeFigureOut">
               <a:rPr lang="ko-KR" altLang="en-US" smtClean="0"/>
-              <a:t>2019-12-02</a:t>
+              <a:t>2019-12-03</a:t>
             </a:fld>
             <a:endParaRPr lang="ko-KR" altLang="en-US"/>
           </a:p>
@@ -1074,7 +1073,7 @@
           <a:p>
             <a:fld id="{733DF88E-EEC7-4590-8394-8F97695D91F0}" type="datetimeFigureOut">
               <a:rPr lang="ko-KR" altLang="en-US" smtClean="0"/>
-              <a:t>2019-12-02</a:t>
+              <a:t>2019-12-03</a:t>
             </a:fld>
             <a:endParaRPr lang="ko-KR" altLang="en-US"/>
           </a:p>
@@ -1272,7 +1271,7 @@
           <a:p>
             <a:fld id="{733DF88E-EEC7-4590-8394-8F97695D91F0}" type="datetimeFigureOut">
               <a:rPr lang="ko-KR" altLang="en-US" smtClean="0"/>
-              <a:t>2019-12-02</a:t>
+              <a:t>2019-12-03</a:t>
             </a:fld>
             <a:endParaRPr lang="ko-KR" altLang="en-US"/>
           </a:p>
@@ -1547,7 +1546,7 @@
           <a:p>
             <a:fld id="{733DF88E-EEC7-4590-8394-8F97695D91F0}" type="datetimeFigureOut">
               <a:rPr lang="ko-KR" altLang="en-US" smtClean="0"/>
-              <a:t>2019-12-02</a:t>
+              <a:t>2019-12-03</a:t>
             </a:fld>
             <a:endParaRPr lang="ko-KR" altLang="en-US"/>
           </a:p>
@@ -1812,7 +1811,7 @@
           <a:p>
             <a:fld id="{733DF88E-EEC7-4590-8394-8F97695D91F0}" type="datetimeFigureOut">
               <a:rPr lang="ko-KR" altLang="en-US" smtClean="0"/>
-              <a:t>2019-12-02</a:t>
+              <a:t>2019-12-03</a:t>
             </a:fld>
             <a:endParaRPr lang="ko-KR" altLang="en-US"/>
           </a:p>
@@ -2224,7 +2223,7 @@
           <a:p>
             <a:fld id="{733DF88E-EEC7-4590-8394-8F97695D91F0}" type="datetimeFigureOut">
               <a:rPr lang="ko-KR" altLang="en-US" smtClean="0"/>
-              <a:t>2019-12-02</a:t>
+              <a:t>2019-12-03</a:t>
             </a:fld>
             <a:endParaRPr lang="ko-KR" altLang="en-US"/>
           </a:p>
@@ -2365,7 +2364,7 @@
           <a:p>
             <a:fld id="{733DF88E-EEC7-4590-8394-8F97695D91F0}" type="datetimeFigureOut">
               <a:rPr lang="ko-KR" altLang="en-US" smtClean="0"/>
-              <a:t>2019-12-02</a:t>
+              <a:t>2019-12-03</a:t>
             </a:fld>
             <a:endParaRPr lang="ko-KR" altLang="en-US"/>
           </a:p>
@@ -2478,7 +2477,7 @@
           <a:p>
             <a:fld id="{733DF88E-EEC7-4590-8394-8F97695D91F0}" type="datetimeFigureOut">
               <a:rPr lang="ko-KR" altLang="en-US" smtClean="0"/>
-              <a:t>2019-12-02</a:t>
+              <a:t>2019-12-03</a:t>
             </a:fld>
             <a:endParaRPr lang="ko-KR" altLang="en-US"/>
           </a:p>
@@ -2789,7 +2788,7 @@
           <a:p>
             <a:fld id="{733DF88E-EEC7-4590-8394-8F97695D91F0}" type="datetimeFigureOut">
               <a:rPr lang="ko-KR" altLang="en-US" smtClean="0"/>
-              <a:t>2019-12-02</a:t>
+              <a:t>2019-12-03</a:t>
             </a:fld>
             <a:endParaRPr lang="ko-KR" altLang="en-US"/>
           </a:p>
@@ -3077,7 +3076,7 @@
           <a:p>
             <a:fld id="{733DF88E-EEC7-4590-8394-8F97695D91F0}" type="datetimeFigureOut">
               <a:rPr lang="ko-KR" altLang="en-US" smtClean="0"/>
-              <a:t>2019-12-02</a:t>
+              <a:t>2019-12-03</a:t>
             </a:fld>
             <a:endParaRPr lang="ko-KR" altLang="en-US"/>
           </a:p>
@@ -3318,7 +3317,7 @@
           <a:p>
             <a:fld id="{733DF88E-EEC7-4590-8394-8F97695D91F0}" type="datetimeFigureOut">
               <a:rPr lang="ko-KR" altLang="en-US" smtClean="0"/>
-              <a:t>2019-12-02</a:t>
+              <a:t>2019-12-03</a:t>
             </a:fld>
             <a:endParaRPr lang="ko-KR" altLang="en-US"/>
           </a:p>
@@ -3912,6 +3911,59 @@
           </a:fontRef>
         </p:style>
       </p:cxnSp>
+      <p:sp>
+        <p:nvSpPr>
+          <p:cNvPr id="6" name="TextBox 5">
+            <a:extLst>
+              <a:ext uri="{FF2B5EF4-FFF2-40B4-BE49-F238E27FC236}">
+                <a16:creationId xmlns:a16="http://schemas.microsoft.com/office/drawing/2014/main" id="{69967AC5-27C4-4C6F-9132-9E3CE1763FFC}"/>
+              </a:ext>
+            </a:extLst>
+          </p:cNvPr>
+          <p:cNvSpPr txBox="1"/>
+          <p:nvPr/>
+        </p:nvSpPr>
+        <p:spPr>
+          <a:xfrm>
+            <a:off x="7511087" y="3019067"/>
+            <a:ext cx="3185488" cy="400110"/>
+          </a:xfrm>
+          <a:prstGeom prst="rect">
+            <a:avLst/>
+          </a:prstGeom>
+          <a:noFill/>
+        </p:spPr>
+        <p:txBody>
+          <a:bodyPr wrap="none" rtlCol="0">
+            <a:spAutoFit/>
+          </a:bodyPr>
+          <a:lstStyle/>
+          <a:p>
+            <a:pPr algn="r"/>
+            <a:r>
+              <a:rPr lang="ko-KR" altLang="en-US" sz="2000" dirty="0">
+                <a:latin typeface="HY견고딕" panose="02030600000101010101" pitchFamily="18" charset="-127"/>
+                <a:ea typeface="HY견고딕" panose="02030600000101010101" pitchFamily="18" charset="-127"/>
+              </a:rPr>
+              <a:t>지도 교수 </a:t>
+            </a:r>
+            <a:r>
+              <a:rPr lang="en-US" altLang="ko-KR" sz="2000" dirty="0">
+                <a:latin typeface="HY견고딕" panose="02030600000101010101" pitchFamily="18" charset="-127"/>
+                <a:ea typeface="HY견고딕" panose="02030600000101010101" pitchFamily="18" charset="-127"/>
+              </a:rPr>
+              <a:t>: </a:t>
+            </a:r>
+            <a:r>
+              <a:rPr lang="ko-KR" altLang="en-US" sz="2000" dirty="0">
+                <a:latin typeface="HY견고딕" panose="02030600000101010101" pitchFamily="18" charset="-127"/>
+                <a:ea typeface="HY견고딕" panose="02030600000101010101" pitchFamily="18" charset="-127"/>
+              </a:rPr>
+              <a:t>이형구 교수님</a:t>
+            </a:r>
+          </a:p>
+        </p:txBody>
+      </p:sp>
     </p:spTree>
     <p:extLst>
       <p:ext uri="{BB962C8B-B14F-4D97-AF65-F5344CB8AC3E}">
@@ -5620,16 +5672,8 @@
       </p:grpSpPr>
       <p:cxnSp>
         <p:nvCxnSpPr>
-          <p:cNvPr id="2" name="직선 연결선 1">
-            <a:extLst>
-              <a:ext uri="{FF2B5EF4-FFF2-40B4-BE49-F238E27FC236}">
-                <a16:creationId xmlns:a16="http://schemas.microsoft.com/office/drawing/2014/main" id="{F489D314-C637-4E9E-947D-448763FA3CE1}"/>
-              </a:ext>
-            </a:extLst>
-          </p:cNvPr>
-          <p:cNvCxnSpPr>
-            <a:cxnSpLocks/>
-          </p:cNvCxnSpPr>
+          <p:cNvPr id="2" name="직선 연결선 1"/>
+          <p:cNvCxnSpPr/>
           <p:nvPr/>
         </p:nvCxnSpPr>
         <p:spPr>
@@ -5663,20 +5707,14 @@
       </p:cxnSp>
       <p:sp>
         <p:nvSpPr>
-          <p:cNvPr id="3" name="TextBox 2">
-            <a:extLst>
-              <a:ext uri="{FF2B5EF4-FFF2-40B4-BE49-F238E27FC236}">
-                <a16:creationId xmlns:a16="http://schemas.microsoft.com/office/drawing/2014/main" id="{D5266936-5F5A-4942-B5DC-638A5ECB4501}"/>
-              </a:ext>
-            </a:extLst>
-          </p:cNvPr>
+          <p:cNvPr id="3" name="TextBox 2"/>
           <p:cNvSpPr txBox="1"/>
           <p:nvPr/>
         </p:nvSpPr>
         <p:spPr>
           <a:xfrm>
             <a:off x="1347787" y="876597"/>
-            <a:ext cx="4972836" cy="707886"/>
+            <a:ext cx="3433953" cy="707886"/>
           </a:xfrm>
           <a:prstGeom prst="rect">
             <a:avLst/>
@@ -5684,30 +5722,27 @@
           <a:noFill/>
         </p:spPr>
         <p:txBody>
-          <a:bodyPr wrap="none" rtlCol="0">
+          <a:bodyPr wrap="none">
             <a:spAutoFit/>
           </a:bodyPr>
           <a:lstStyle/>
           <a:p>
-            <a:r>
-              <a:rPr lang="ko-KR" altLang="en-US" sz="4000" dirty="0">
-                <a:latin typeface="HY헤드라인M" panose="02030600000101010101" pitchFamily="18" charset="-127"/>
-                <a:ea typeface="HY헤드라인M" panose="02030600000101010101" pitchFamily="18" charset="-127"/>
-              </a:rPr>
-              <a:t>클라이언트 기술요소</a:t>
+            <a:pPr lvl="0">
+              <a:defRPr/>
+            </a:pPr>
+            <a:r>
+              <a:rPr lang="ko-KR" altLang="en-US" sz="4000">
+                <a:latin typeface="HY헤드라인M"/>
+                <a:ea typeface="HY헤드라인M"/>
+              </a:rPr>
+              <a:t>서버 기술요소</a:t>
             </a:r>
           </a:p>
         </p:txBody>
       </p:sp>
       <p:sp>
         <p:nvSpPr>
-          <p:cNvPr id="4" name="TextBox 3">
-            <a:extLst>
-              <a:ext uri="{FF2B5EF4-FFF2-40B4-BE49-F238E27FC236}">
-                <a16:creationId xmlns:a16="http://schemas.microsoft.com/office/drawing/2014/main" id="{BF07602F-6AE9-44B4-BE0F-55FE2EDFDD1C}"/>
-              </a:ext>
-            </a:extLst>
-          </p:cNvPr>
+          <p:cNvPr id="4" name="TextBox 3"/>
           <p:cNvSpPr txBox="1"/>
           <p:nvPr/>
         </p:nvSpPr>
@@ -5722,34 +5757,31 @@
           <a:noFill/>
         </p:spPr>
         <p:txBody>
-          <a:bodyPr wrap="none" rtlCol="0">
+          <a:bodyPr wrap="none">
             <a:spAutoFit/>
           </a:bodyPr>
           <a:lstStyle/>
           <a:p>
+            <a:pPr lvl="0">
+              <a:defRPr/>
+            </a:pPr>
             <a:r>
               <a:rPr lang="en-US" altLang="ko-KR" sz="2800" dirty="0">
-                <a:latin typeface="HY헤드라인M" panose="02030600000101010101" pitchFamily="18" charset="-127"/>
-                <a:ea typeface="HY헤드라인M" panose="02030600000101010101" pitchFamily="18" charset="-127"/>
+                <a:latin typeface="HY헤드라인M"/>
+                <a:ea typeface="HY헤드라인M"/>
               </a:rPr>
               <a:t>The Island</a:t>
             </a:r>
             <a:endParaRPr lang="ko-KR" altLang="en-US" sz="2800" dirty="0">
-              <a:latin typeface="HY헤드라인M" panose="02030600000101010101" pitchFamily="18" charset="-127"/>
-              <a:ea typeface="HY헤드라인M" panose="02030600000101010101" pitchFamily="18" charset="-127"/>
+              <a:latin typeface="HY헤드라인M"/>
+              <a:ea typeface="HY헤드라인M"/>
             </a:endParaRPr>
           </a:p>
         </p:txBody>
       </p:sp>
       <p:sp>
         <p:nvSpPr>
-          <p:cNvPr id="5" name="TextBox 4">
-            <a:extLst>
-              <a:ext uri="{FF2B5EF4-FFF2-40B4-BE49-F238E27FC236}">
-                <a16:creationId xmlns:a16="http://schemas.microsoft.com/office/drawing/2014/main" id="{8B8A36FB-13F6-49E8-A86D-6CF420F297BC}"/>
-              </a:ext>
-            </a:extLst>
-          </p:cNvPr>
+          <p:cNvPr id="5" name="TextBox 4"/>
           <p:cNvSpPr txBox="1"/>
           <p:nvPr/>
         </p:nvSpPr>
@@ -5764,40 +5796,37 @@
           <a:noFill/>
         </p:spPr>
         <p:txBody>
-          <a:bodyPr wrap="none" rtlCol="0">
+          <a:bodyPr wrap="none">
             <a:spAutoFit/>
           </a:bodyPr>
           <a:lstStyle/>
           <a:p>
-            <a:r>
-              <a:rPr lang="en-US" altLang="ko-KR" sz="4400" dirty="0">
+            <a:pPr lvl="0">
+              <a:defRPr/>
+            </a:pPr>
+            <a:r>
+              <a:rPr lang="en-US" altLang="ko-KR" sz="4400">
                 <a:solidFill>
                   <a:schemeClr val="accent1"/>
                 </a:solidFill>
-                <a:latin typeface="HY헤드라인M" panose="02030600000101010101" pitchFamily="18" charset="-127"/>
-                <a:ea typeface="HY헤드라인M" panose="02030600000101010101" pitchFamily="18" charset="-127"/>
+                <a:latin typeface="HY헤드라인M"/>
+                <a:ea typeface="HY헤드라인M"/>
               </a:rPr>
               <a:t>HOW</a:t>
             </a:r>
-            <a:endParaRPr lang="ko-KR" altLang="en-US" sz="4400" dirty="0">
+            <a:endParaRPr lang="ko-KR" altLang="en-US" sz="4400">
               <a:solidFill>
                 <a:schemeClr val="accent1"/>
               </a:solidFill>
-              <a:latin typeface="HY헤드라인M" panose="02030600000101010101" pitchFamily="18" charset="-127"/>
-              <a:ea typeface="HY헤드라인M" panose="02030600000101010101" pitchFamily="18" charset="-127"/>
+              <a:latin typeface="HY헤드라인M"/>
+              <a:ea typeface="HY헤드라인M"/>
             </a:endParaRPr>
           </a:p>
         </p:txBody>
       </p:sp>
       <p:sp>
         <p:nvSpPr>
-          <p:cNvPr id="6" name="TextBox 5">
-            <a:extLst>
-              <a:ext uri="{FF2B5EF4-FFF2-40B4-BE49-F238E27FC236}">
-                <a16:creationId xmlns:a16="http://schemas.microsoft.com/office/drawing/2014/main" id="{30644E1A-CD8E-4E97-B44E-498BA04E0B37}"/>
-              </a:ext>
-            </a:extLst>
-          </p:cNvPr>
+          <p:cNvPr id="6" name="TextBox 5"/>
           <p:cNvSpPr txBox="1"/>
           <p:nvPr/>
         </p:nvSpPr>
@@ -5812,37 +5841,32 @@
           <a:noFill/>
         </p:spPr>
         <p:txBody>
-          <a:bodyPr wrap="none" rtlCol="0">
+          <a:bodyPr wrap="none">
             <a:spAutoFit/>
           </a:bodyPr>
           <a:lstStyle/>
           <a:p>
+            <a:pPr lvl="0">
+              <a:defRPr/>
+            </a:pPr>
             <a:r>
               <a:rPr lang="en-US" altLang="ko-KR" dirty="0">
-                <a:latin typeface="HY헤드라인M" panose="02030600000101010101" pitchFamily="18" charset="-127"/>
-                <a:ea typeface="HY헤드라인M" panose="02030600000101010101" pitchFamily="18" charset="-127"/>
-              </a:rPr>
-              <a:t>13/18</a:t>
+                <a:latin typeface="HY헤드라인M"/>
+                <a:ea typeface="HY헤드라인M"/>
+              </a:rPr>
+              <a:t>14/18</a:t>
             </a:r>
             <a:endParaRPr lang="ko-KR" altLang="en-US" dirty="0">
-              <a:latin typeface="HY헤드라인M" panose="02030600000101010101" pitchFamily="18" charset="-127"/>
-              <a:ea typeface="HY헤드라인M" panose="02030600000101010101" pitchFamily="18" charset="-127"/>
+              <a:latin typeface="HY헤드라인M"/>
+              <a:ea typeface="HY헤드라인M"/>
             </a:endParaRPr>
           </a:p>
         </p:txBody>
       </p:sp>
       <p:cxnSp>
         <p:nvCxnSpPr>
-          <p:cNvPr id="7" name="직선 연결선 6">
-            <a:extLst>
-              <a:ext uri="{FF2B5EF4-FFF2-40B4-BE49-F238E27FC236}">
-                <a16:creationId xmlns:a16="http://schemas.microsoft.com/office/drawing/2014/main" id="{1213C020-10BD-47FA-8004-EF392DA9F117}"/>
-              </a:ext>
-            </a:extLst>
-          </p:cNvPr>
-          <p:cNvCxnSpPr>
-            <a:cxnSpLocks/>
-          </p:cNvCxnSpPr>
+          <p:cNvPr id="7" name="직선 연결선 6"/>
+          <p:cNvCxnSpPr/>
           <p:nvPr/>
         </p:nvCxnSpPr>
         <p:spPr>
@@ -5876,213 +5900,325 @@
       </p:cxnSp>
       <p:sp>
         <p:nvSpPr>
-          <p:cNvPr id="13" name="TextBox 12">
-            <a:extLst>
-              <a:ext uri="{FF2B5EF4-FFF2-40B4-BE49-F238E27FC236}">
-                <a16:creationId xmlns:a16="http://schemas.microsoft.com/office/drawing/2014/main" id="{B2D26FAC-DBA9-4053-A0B0-631DF7F75641}"/>
-              </a:ext>
-            </a:extLst>
-          </p:cNvPr>
+          <p:cNvPr id="8" name="TextBox 7"/>
           <p:cNvSpPr txBox="1"/>
           <p:nvPr/>
         </p:nvSpPr>
         <p:spPr>
           <a:xfrm>
-            <a:off x="5040625" y="1822948"/>
-            <a:ext cx="1893468" cy="400110"/>
+            <a:off x="1504730" y="1997901"/>
+            <a:ext cx="9491580" cy="523220"/>
           </a:xfrm>
           <a:prstGeom prst="rect">
             <a:avLst/>
           </a:prstGeom>
-          <a:noFill/>
         </p:spPr>
         <p:txBody>
-          <a:bodyPr wrap="none" rtlCol="0">
+          <a:bodyPr wrap="square">
             <a:spAutoFit/>
           </a:bodyPr>
           <a:lstStyle/>
           <a:p>
-            <a:pPr algn="ctr"/>
-            <a:r>
-              <a:rPr lang="en-US" altLang="ko-KR" sz="2000" dirty="0">
+            <a:pPr marL="0" indent="0" algn="l" defTabSz="914400" rtl="0" eaLnBrk="1" latinLnBrk="1" hangingPunct="1">
+              <a:lnSpc>
+                <a:spcPct val="100000"/>
+              </a:lnSpc>
+              <a:spcBef>
+                <a:spcPct val="0"/>
+              </a:spcBef>
+              <a:spcAft>
+                <a:spcPts val="0"/>
+              </a:spcAft>
+              <a:buNone/>
+              <a:defRPr/>
+            </a:pPr>
+            <a:r>
+              <a:rPr kumimoji="0" lang="ko-KR" altLang="en-US" sz="2800" i="0" u="none" strike="noStrike" kern="1200" cap="none" spc="0" normalizeH="0" baseline="0" dirty="0">
+                <a:solidFill>
+                  <a:srgbClr val="000000"/>
+                </a:solidFill>
                 <a:latin typeface="HY견고딕" panose="02030600000101010101" pitchFamily="18" charset="-127"/>
                 <a:ea typeface="HY견고딕" panose="02030600000101010101" pitchFamily="18" charset="-127"/>
-              </a:rPr>
-              <a:t>6. </a:t>
-            </a:r>
-            <a:r>
-              <a:rPr lang="ko-KR" altLang="en-US" sz="2000" dirty="0" err="1">
+                <a:cs typeface="맑은 고딕"/>
+              </a:rPr>
+              <a:t>· </a:t>
+            </a:r>
+            <a:r>
+              <a:rPr lang="en-US" altLang="ko-KR" sz="2800" dirty="0">
                 <a:latin typeface="HY견고딕" panose="02030600000101010101" pitchFamily="18" charset="-127"/>
                 <a:ea typeface="HY견고딕" panose="02030600000101010101" pitchFamily="18" charset="-127"/>
               </a:rPr>
-              <a:t>데칼</a:t>
-            </a:r>
-            <a:r>
-              <a:rPr lang="ko-KR" altLang="en-US" sz="2000" dirty="0">
+              <a:t>3D</a:t>
+            </a:r>
+            <a:r>
+              <a:rPr lang="ko-KR" altLang="en-US" sz="2800" dirty="0">
                 <a:latin typeface="HY견고딕" panose="02030600000101010101" pitchFamily="18" charset="-127"/>
                 <a:ea typeface="HY견고딕" panose="02030600000101010101" pitchFamily="18" charset="-127"/>
               </a:rPr>
-              <a:t> 이미지</a:t>
+              <a:t> 환경의 클라이언트</a:t>
+            </a:r>
+            <a:r>
+              <a:rPr lang="en-US" altLang="ko-KR" sz="2800" dirty="0">
+                <a:latin typeface="HY견고딕" panose="02030600000101010101" pitchFamily="18" charset="-127"/>
+                <a:ea typeface="HY견고딕" panose="02030600000101010101" pitchFamily="18" charset="-127"/>
+              </a:rPr>
+              <a:t>,</a:t>
+            </a:r>
+            <a:r>
+              <a:rPr lang="ko-KR" altLang="en-US" sz="2800" dirty="0">
+                <a:latin typeface="HY견고딕" panose="02030600000101010101" pitchFamily="18" charset="-127"/>
+                <a:ea typeface="HY견고딕" panose="02030600000101010101" pitchFamily="18" charset="-127"/>
+              </a:rPr>
+              <a:t> 서버간 네트워크 기능 숙달</a:t>
             </a:r>
           </a:p>
         </p:txBody>
       </p:sp>
       <p:sp>
         <p:nvSpPr>
-          <p:cNvPr id="17" name="TextBox 16">
-            <a:extLst>
-              <a:ext uri="{FF2B5EF4-FFF2-40B4-BE49-F238E27FC236}">
-                <a16:creationId xmlns:a16="http://schemas.microsoft.com/office/drawing/2014/main" id="{7D8FF188-A240-47A9-9C4C-4140A11442ED}"/>
-              </a:ext>
-            </a:extLst>
-          </p:cNvPr>
+          <p:cNvPr id="9" name="TextBox 8"/>
           <p:cNvSpPr txBox="1"/>
           <p:nvPr/>
         </p:nvSpPr>
         <p:spPr>
           <a:xfrm>
-            <a:off x="2656597" y="4761256"/>
-            <a:ext cx="6878806" cy="646331"/>
+            <a:off x="1504730" y="2977360"/>
+            <a:ext cx="9525001" cy="523220"/>
           </a:xfrm>
           <a:prstGeom prst="rect">
             <a:avLst/>
           </a:prstGeom>
-          <a:noFill/>
         </p:spPr>
         <p:txBody>
-          <a:bodyPr wrap="none" rtlCol="0">
+          <a:bodyPr wrap="square">
             <a:spAutoFit/>
           </a:bodyPr>
           <a:lstStyle/>
           <a:p>
-            <a:pPr algn="ctr"/>
-            <a:r>
-              <a:rPr lang="ko-KR" altLang="en-US" dirty="0" err="1">
+            <a:pPr marL="0" indent="0" algn="l" defTabSz="914400" rtl="0" eaLnBrk="1" latinLnBrk="1" hangingPunct="1">
+              <a:lnSpc>
+                <a:spcPct val="100000"/>
+              </a:lnSpc>
+              <a:spcBef>
+                <a:spcPct val="0"/>
+              </a:spcBef>
+              <a:spcAft>
+                <a:spcPts val="0"/>
+              </a:spcAft>
+              <a:buNone/>
+              <a:defRPr/>
+            </a:pPr>
+            <a:r>
+              <a:rPr kumimoji="0" lang="ko-KR" altLang="en-US" sz="2800" i="0" u="none" strike="noStrike" kern="1200" cap="none" spc="0" normalizeH="0" baseline="0" dirty="0">
+                <a:solidFill>
+                  <a:srgbClr val="000000"/>
+                </a:solidFill>
                 <a:latin typeface="HY견고딕" panose="02030600000101010101" pitchFamily="18" charset="-127"/>
                 <a:ea typeface="HY견고딕" panose="02030600000101010101" pitchFamily="18" charset="-127"/>
-              </a:rPr>
-              <a:t>데칼</a:t>
-            </a:r>
-            <a:r>
-              <a:rPr lang="ko-KR" altLang="en-US" dirty="0">
+                <a:cs typeface="맑은 고딕"/>
+              </a:rPr>
+              <a:t>· </a:t>
+            </a:r>
+            <a:r>
+              <a:rPr kumimoji="0" lang="en-US" altLang="ko-KR" sz="2800" i="0" u="none" strike="noStrike" kern="1200" cap="none" spc="0" normalizeH="0" baseline="0" dirty="0">
+                <a:solidFill>
+                  <a:srgbClr val="000000"/>
+                </a:solidFill>
                 <a:latin typeface="HY견고딕" panose="02030600000101010101" pitchFamily="18" charset="-127"/>
                 <a:ea typeface="HY견고딕" panose="02030600000101010101" pitchFamily="18" charset="-127"/>
-              </a:rPr>
-              <a:t> 이미지를 통하여 지형 오브젝트 등에 </a:t>
-            </a:r>
-            <a:r>
-              <a:rPr lang="ko-KR" altLang="en-US" dirty="0" err="1">
+                <a:cs typeface="맑은 고딕"/>
+              </a:rPr>
+              <a:t>‘IOCP</a:t>
+            </a:r>
+            <a:r>
+              <a:rPr kumimoji="0" lang="ko-KR" altLang="en-US" sz="2800" i="0" u="none" strike="noStrike" kern="1200" cap="none" spc="0" normalizeH="0" baseline="0" dirty="0">
+                <a:solidFill>
+                  <a:srgbClr val="000000"/>
+                </a:solidFill>
                 <a:latin typeface="HY견고딕" panose="02030600000101010101" pitchFamily="18" charset="-127"/>
                 <a:ea typeface="HY견고딕" panose="02030600000101010101" pitchFamily="18" charset="-127"/>
-              </a:rPr>
-              <a:t>음푹</a:t>
-            </a:r>
-            <a:r>
-              <a:rPr lang="ko-KR" altLang="en-US" dirty="0">
+                <a:cs typeface="맑은 고딕"/>
+              </a:rPr>
+              <a:t> 소켓 입출력 모델</a:t>
+            </a:r>
+            <a:r>
+              <a:rPr kumimoji="0" lang="en-US" altLang="ko-KR" sz="2800" i="0" u="none" strike="noStrike" kern="1200" cap="none" spc="0" normalizeH="0" baseline="0" dirty="0">
+                <a:solidFill>
+                  <a:srgbClr val="000000"/>
+                </a:solidFill>
                 <a:latin typeface="HY견고딕" panose="02030600000101010101" pitchFamily="18" charset="-127"/>
                 <a:ea typeface="HY견고딕" panose="02030600000101010101" pitchFamily="18" charset="-127"/>
-              </a:rPr>
-              <a:t> 패인 이미지 등을</a:t>
-            </a:r>
-            <a:endParaRPr lang="en-US" altLang="ko-KR" dirty="0">
-              <a:latin typeface="HY견고딕" panose="02030600000101010101" pitchFamily="18" charset="-127"/>
-              <a:ea typeface="HY견고딕" panose="02030600000101010101" pitchFamily="18" charset="-127"/>
-            </a:endParaRPr>
-          </a:p>
-          <a:p>
-            <a:pPr algn="ctr"/>
-            <a:r>
-              <a:rPr lang="ko-KR" altLang="en-US" dirty="0">
+                <a:cs typeface="맑은 고딕"/>
+              </a:rPr>
+              <a:t>’</a:t>
+            </a:r>
+            <a:r>
+              <a:rPr kumimoji="0" lang="ko-KR" altLang="en-US" sz="2800" i="0" u="none" strike="noStrike" kern="1200" cap="none" spc="0" normalizeH="0" baseline="0" dirty="0">
+                <a:solidFill>
+                  <a:srgbClr val="000000"/>
+                </a:solidFill>
                 <a:latin typeface="HY견고딕" panose="02030600000101010101" pitchFamily="18" charset="-127"/>
                 <a:ea typeface="HY견고딕" panose="02030600000101010101" pitchFamily="18" charset="-127"/>
-              </a:rPr>
-              <a:t>추가하여 플레이어에게 좀더 명확한 피드백을 제공</a:t>
+                <a:cs typeface="맑은 고딕"/>
+              </a:rPr>
+              <a:t>을 통한 다중 접속 서버</a:t>
             </a:r>
           </a:p>
         </p:txBody>
       </p:sp>
-      <p:pic>
-        <p:nvPicPr>
-          <p:cNvPr id="11" name="그림 10" descr="실내, 검은색, 대형, 방이(가) 표시된 사진&#10;&#10;자동 생성된 설명">
-            <a:extLst>
-              <a:ext uri="{FF2B5EF4-FFF2-40B4-BE49-F238E27FC236}">
-                <a16:creationId xmlns:a16="http://schemas.microsoft.com/office/drawing/2014/main" id="{D141A138-F042-4668-8D3E-01965F00DD70}"/>
-              </a:ext>
-            </a:extLst>
-          </p:cNvPr>
-          <p:cNvPicPr>
-            <a:picLocks noChangeAspect="1"/>
-          </p:cNvPicPr>
+      <p:sp>
+        <p:nvSpPr>
+          <p:cNvPr id="10" name="TextBox 9"/>
+          <p:cNvSpPr txBox="1"/>
           <p:nvPr/>
-        </p:nvPicPr>
-        <p:blipFill>
-          <a:blip r:embed="rId2">
-            <a:extLst>
-              <a:ext uri="{28A0092B-C50C-407E-A947-70E740481C1C}">
-                <a14:useLocalDpi xmlns:a14="http://schemas.microsoft.com/office/drawing/2010/main" val="0"/>
-              </a:ext>
-            </a:extLst>
-          </a:blip>
-          <a:stretch>
-            <a:fillRect/>
-          </a:stretch>
-        </p:blipFill>
-        <p:spPr>
-          <a:xfrm>
-            <a:off x="6095999" y="2396663"/>
-            <a:ext cx="3586426" cy="1996218"/>
+        </p:nvSpPr>
+        <p:spPr>
+          <a:xfrm>
+            <a:off x="1504730" y="4923078"/>
+            <a:ext cx="8338555" cy="523220"/>
           </a:xfrm>
           <a:prstGeom prst="rect">
             <a:avLst/>
           </a:prstGeom>
         </p:spPr>
-      </p:pic>
-      <p:pic>
-        <p:nvPicPr>
-          <p:cNvPr id="18" name="그림 17" descr="실내, 바닥, 테이블, 카페트이(가) 표시된 사진&#10;&#10;자동 생성된 설명">
-            <a:extLst>
-              <a:ext uri="{FF2B5EF4-FFF2-40B4-BE49-F238E27FC236}">
-                <a16:creationId xmlns:a16="http://schemas.microsoft.com/office/drawing/2014/main" id="{83824680-4944-4312-909C-535D61E724FB}"/>
-              </a:ext>
-            </a:extLst>
-          </p:cNvPr>
-          <p:cNvPicPr>
-            <a:picLocks noChangeAspect="1"/>
-          </p:cNvPicPr>
+        <p:txBody>
+          <a:bodyPr wrap="square">
+            <a:spAutoFit/>
+          </a:bodyPr>
+          <a:lstStyle/>
+          <a:p>
+            <a:pPr marL="0" indent="0" algn="l" defTabSz="914400" rtl="0" eaLnBrk="1" latinLnBrk="1" hangingPunct="1">
+              <a:lnSpc>
+                <a:spcPct val="100000"/>
+              </a:lnSpc>
+              <a:spcBef>
+                <a:spcPct val="0"/>
+              </a:spcBef>
+              <a:spcAft>
+                <a:spcPts val="0"/>
+              </a:spcAft>
+              <a:buNone/>
+              <a:defRPr/>
+            </a:pPr>
+            <a:r>
+              <a:rPr kumimoji="0" lang="ko-KR" altLang="en-US" sz="2800" i="0" u="none" strike="noStrike" kern="1200" cap="none" spc="0" normalizeH="0" baseline="0">
+                <a:solidFill>
+                  <a:srgbClr val="000000"/>
+                </a:solidFill>
+                <a:latin typeface="HY견고딕" panose="02030600000101010101" pitchFamily="18" charset="-127"/>
+                <a:ea typeface="HY견고딕" panose="02030600000101010101" pitchFamily="18" charset="-127"/>
+                <a:cs typeface="맑은 고딕"/>
+              </a:rPr>
+              <a:t>· 플레이어 간의 시야 처리 및 충돌 처리</a:t>
+            </a:r>
+          </a:p>
+        </p:txBody>
+      </p:sp>
+      <p:sp>
+        <p:nvSpPr>
+          <p:cNvPr id="11" name="TextBox 10"/>
+          <p:cNvSpPr txBox="1"/>
           <p:nvPr/>
-        </p:nvPicPr>
-        <p:blipFill>
-          <a:blip r:embed="rId3">
-            <a:extLst>
-              <a:ext uri="{28A0092B-C50C-407E-A947-70E740481C1C}">
-                <a14:useLocalDpi xmlns:a14="http://schemas.microsoft.com/office/drawing/2010/main" val="0"/>
-              </a:ext>
-            </a:extLst>
-          </a:blip>
-          <a:stretch>
-            <a:fillRect/>
-          </a:stretch>
-        </p:blipFill>
-        <p:spPr>
-          <a:xfrm>
-            <a:off x="2729899" y="2392335"/>
-            <a:ext cx="3106969" cy="2004874"/>
+        </p:nvSpPr>
+        <p:spPr>
+          <a:xfrm>
+            <a:off x="1504730" y="3949968"/>
+            <a:ext cx="8338555" cy="523220"/>
           </a:xfrm>
           <a:prstGeom prst="rect">
             <a:avLst/>
           </a:prstGeom>
         </p:spPr>
-      </p:pic>
+        <p:txBody>
+          <a:bodyPr wrap="square">
+            <a:spAutoFit/>
+          </a:bodyPr>
+          <a:lstStyle/>
+          <a:p>
+            <a:pPr marL="0" indent="0" algn="l" defTabSz="914400" rtl="0" eaLnBrk="1" latinLnBrk="1" hangingPunct="1">
+              <a:lnSpc>
+                <a:spcPct val="100000"/>
+              </a:lnSpc>
+              <a:spcBef>
+                <a:spcPct val="0"/>
+              </a:spcBef>
+              <a:spcAft>
+                <a:spcPts val="0"/>
+              </a:spcAft>
+              <a:buNone/>
+              <a:defRPr/>
+            </a:pPr>
+            <a:r>
+              <a:rPr kumimoji="0" lang="ko-KR" altLang="en-US" sz="2800" i="0" u="none" strike="noStrike" kern="1200" cap="none" spc="0" normalizeH="0" baseline="0" dirty="0">
+                <a:solidFill>
+                  <a:srgbClr val="000000"/>
+                </a:solidFill>
+                <a:latin typeface="HY견고딕" panose="02030600000101010101" pitchFamily="18" charset="-127"/>
+                <a:ea typeface="HY견고딕" panose="02030600000101010101" pitchFamily="18" charset="-127"/>
+                <a:cs typeface="맑은 고딕"/>
+              </a:rPr>
+              <a:t>· </a:t>
+            </a:r>
+            <a:r>
+              <a:rPr kumimoji="0" lang="en-US" altLang="ko-KR" sz="2800" i="0" u="none" strike="noStrike" kern="1200" cap="none" spc="0" normalizeH="0" baseline="0" dirty="0">
+                <a:solidFill>
+                  <a:srgbClr val="000000"/>
+                </a:solidFill>
+                <a:latin typeface="HY견고딕" panose="02030600000101010101" pitchFamily="18" charset="-127"/>
+                <a:ea typeface="HY견고딕" panose="02030600000101010101" pitchFamily="18" charset="-127"/>
+                <a:cs typeface="맑은 고딕"/>
+              </a:rPr>
+              <a:t>‘</a:t>
+            </a:r>
+            <a:r>
+              <a:rPr kumimoji="0" lang="ko-KR" altLang="en-US" sz="2800" i="0" u="none" strike="noStrike" kern="1200" cap="none" spc="0" normalizeH="0" baseline="0" dirty="0" err="1">
+                <a:solidFill>
+                  <a:srgbClr val="000000"/>
+                </a:solidFill>
+                <a:latin typeface="HY견고딕" panose="02030600000101010101" pitchFamily="18" charset="-127"/>
+                <a:ea typeface="HY견고딕" panose="02030600000101010101" pitchFamily="18" charset="-127"/>
+                <a:cs typeface="맑은 고딕"/>
+              </a:rPr>
+              <a:t>데드레커닝</a:t>
+            </a:r>
+            <a:r>
+              <a:rPr kumimoji="0" lang="en-US" altLang="ko-KR" sz="2800" i="0" u="none" strike="noStrike" kern="1200" cap="none" spc="0" normalizeH="0" baseline="0" dirty="0">
+                <a:solidFill>
+                  <a:srgbClr val="000000"/>
+                </a:solidFill>
+                <a:latin typeface="HY견고딕" panose="02030600000101010101" pitchFamily="18" charset="-127"/>
+                <a:ea typeface="HY견고딕" panose="02030600000101010101" pitchFamily="18" charset="-127"/>
+                <a:cs typeface="맑은 고딕"/>
+              </a:rPr>
+              <a:t>’</a:t>
+            </a:r>
+            <a:r>
+              <a:rPr kumimoji="0" lang="ko-KR" altLang="en-US" sz="2800" i="0" u="none" strike="noStrike" kern="1200" cap="none" spc="0" normalizeH="0" baseline="0" dirty="0">
+                <a:solidFill>
+                  <a:srgbClr val="000000"/>
+                </a:solidFill>
+                <a:latin typeface="HY견고딕" panose="02030600000101010101" pitchFamily="18" charset="-127"/>
+                <a:ea typeface="HY견고딕" panose="02030600000101010101" pitchFamily="18" charset="-127"/>
+                <a:cs typeface="맑은 고딕"/>
+              </a:rPr>
+              <a:t>기법을 적용한 이동</a:t>
+            </a:r>
+          </a:p>
+        </p:txBody>
+      </p:sp>
     </p:spTree>
-    <p:extLst>
-      <p:ext uri="{BB962C8B-B14F-4D97-AF65-F5344CB8AC3E}">
-        <p14:creationId xmlns:p14="http://schemas.microsoft.com/office/powerpoint/2010/main" val="3299542492"/>
-      </p:ext>
-    </p:extLst>
   </p:cSld>
   <p:clrMapOvr>
     <a:masterClrMapping/>
   </p:clrMapOvr>
+  <mc:AlternateContent xmlns:mc="http://schemas.openxmlformats.org/markup-compatibility/2006" xmlns:p14="http://schemas.microsoft.com/office/powerpoint/2010/main">
+    <mc:Choice Requires="p14">
+      <p:transition/>
+    </mc:Choice>
+    <mc:Fallback xmlns:dsp="http://schemas.microsoft.com/office/drawing/2008/diagram" xmlns:dgm="http://schemas.openxmlformats.org/drawingml/2006/diagram" xmlns:c="http://schemas.openxmlformats.org/drawingml/2006/chart" xmlns="">
+      <p:transition/>
+    </mc:Fallback>
+  </mc:AlternateContent>
 </p:sld>
 </file>
 
@@ -6147,7 +6283,7 @@
         <p:spPr>
           <a:xfrm>
             <a:off x="1347787" y="876597"/>
-            <a:ext cx="3433953" cy="707886"/>
+            <a:ext cx="4118435" cy="707886"/>
           </a:xfrm>
           <a:prstGeom prst="rect">
             <a:avLst/>
@@ -6168,7 +6304,7 @@
                 <a:latin typeface="HY헤드라인M"/>
                 <a:ea typeface="HY헤드라인M"/>
               </a:rPr>
-              <a:t>서버 기술요소</a:t>
+              <a:t>개인별 준비 현황</a:t>
             </a:r>
           </a:p>
         </p:txBody>
@@ -6287,7 +6423,7 @@
                 <a:latin typeface="HY헤드라인M"/>
                 <a:ea typeface="HY헤드라인M"/>
               </a:rPr>
-              <a:t>14/18</a:t>
+              <a:t>15/18</a:t>
             </a:r>
             <a:endParaRPr lang="ko-KR" altLang="en-US" dirty="0">
               <a:latin typeface="HY헤드라인M"/>
@@ -6339,70 +6475,29 @@
         </p:nvSpPr>
         <p:spPr>
           <a:xfrm>
-            <a:off x="1504730" y="1997901"/>
-            <a:ext cx="9491580" cy="523220"/>
+            <a:off x="2729897" y="2143002"/>
+            <a:ext cx="954107" cy="400110"/>
           </a:xfrm>
           <a:prstGeom prst="rect">
             <a:avLst/>
           </a:prstGeom>
+          <a:noFill/>
         </p:spPr>
         <p:txBody>
-          <a:bodyPr wrap="square">
+          <a:bodyPr wrap="none">
             <a:spAutoFit/>
           </a:bodyPr>
           <a:lstStyle/>
           <a:p>
-            <a:pPr marL="0" indent="0" algn="l" defTabSz="914400" rtl="0" eaLnBrk="1" latinLnBrk="1" hangingPunct="1">
-              <a:lnSpc>
-                <a:spcPct val="100000"/>
-              </a:lnSpc>
-              <a:spcBef>
-                <a:spcPct val="0"/>
-              </a:spcBef>
-              <a:spcAft>
-                <a:spcPts val="0"/>
-              </a:spcAft>
-              <a:buNone/>
+            <a:pPr algn="ctr">
               <a:defRPr/>
             </a:pPr>
             <a:r>
-              <a:rPr kumimoji="0" lang="ko-KR" altLang="en-US" sz="2800" i="0" u="none" strike="noStrike" kern="1200" cap="none" spc="0" normalizeH="0" baseline="0" dirty="0">
-                <a:solidFill>
-                  <a:srgbClr val="000000"/>
-                </a:solidFill>
-                <a:latin typeface="HY견고딕" panose="02030600000101010101" pitchFamily="18" charset="-127"/>
-                <a:ea typeface="HY견고딕" panose="02030600000101010101" pitchFamily="18" charset="-127"/>
-                <a:cs typeface="맑은 고딕"/>
-              </a:rPr>
-              <a:t>· </a:t>
-            </a:r>
-            <a:r>
-              <a:rPr lang="en-US" altLang="ko-KR" sz="2800" dirty="0">
-                <a:latin typeface="HY견고딕" panose="02030600000101010101" pitchFamily="18" charset="-127"/>
-                <a:ea typeface="HY견고딕" panose="02030600000101010101" pitchFamily="18" charset="-127"/>
-              </a:rPr>
-              <a:t>3D</a:t>
-            </a:r>
-            <a:r>
-              <a:rPr lang="ko-KR" altLang="en-US" sz="2800" dirty="0">
-                <a:latin typeface="HY견고딕" panose="02030600000101010101" pitchFamily="18" charset="-127"/>
-                <a:ea typeface="HY견고딕" panose="02030600000101010101" pitchFamily="18" charset="-127"/>
-              </a:rPr>
-              <a:t> 환경의 클라이언트</a:t>
-            </a:r>
-            <a:r>
-              <a:rPr lang="en-US" altLang="ko-KR" sz="2800" dirty="0">
-                <a:latin typeface="HY견고딕" panose="02030600000101010101" pitchFamily="18" charset="-127"/>
-                <a:ea typeface="HY견고딕" panose="02030600000101010101" pitchFamily="18" charset="-127"/>
-              </a:rPr>
-              <a:t>,</a:t>
-            </a:r>
-            <a:r>
-              <a:rPr lang="ko-KR" altLang="en-US" sz="2800" dirty="0">
-                <a:latin typeface="HY견고딕" panose="02030600000101010101" pitchFamily="18" charset="-127"/>
-                <a:ea typeface="HY견고딕" panose="02030600000101010101" pitchFamily="18" charset="-127"/>
-              </a:rPr>
-              <a:t> 서버간 네트워크 기능 숙달</a:t>
+              <a:rPr lang="ko-KR" altLang="en-US" sz="2000">
+                <a:latin typeface="HY견고딕"/>
+                <a:ea typeface="HY견고딕"/>
+              </a:rPr>
+              <a:t>김하윤</a:t>
             </a:r>
           </a:p>
         </p:txBody>
@@ -6415,86 +6510,29 @@
         </p:nvSpPr>
         <p:spPr>
           <a:xfrm>
-            <a:off x="1504730" y="2977360"/>
-            <a:ext cx="9525001" cy="523220"/>
+            <a:off x="5675370" y="2143002"/>
+            <a:ext cx="954107" cy="400110"/>
           </a:xfrm>
           <a:prstGeom prst="rect">
             <a:avLst/>
           </a:prstGeom>
+          <a:noFill/>
         </p:spPr>
         <p:txBody>
-          <a:bodyPr wrap="square">
+          <a:bodyPr wrap="none">
             <a:spAutoFit/>
           </a:bodyPr>
           <a:lstStyle/>
           <a:p>
-            <a:pPr marL="0" indent="0" algn="l" defTabSz="914400" rtl="0" eaLnBrk="1" latinLnBrk="1" hangingPunct="1">
-              <a:lnSpc>
-                <a:spcPct val="100000"/>
-              </a:lnSpc>
-              <a:spcBef>
-                <a:spcPct val="0"/>
-              </a:spcBef>
-              <a:spcAft>
-                <a:spcPts val="0"/>
-              </a:spcAft>
-              <a:buNone/>
+            <a:pPr algn="ctr">
               <a:defRPr/>
             </a:pPr>
             <a:r>
-              <a:rPr kumimoji="0" lang="ko-KR" altLang="en-US" sz="2800" i="0" u="none" strike="noStrike" kern="1200" cap="none" spc="0" normalizeH="0" baseline="0" dirty="0">
-                <a:solidFill>
-                  <a:srgbClr val="000000"/>
-                </a:solidFill>
-                <a:latin typeface="HY견고딕" panose="02030600000101010101" pitchFamily="18" charset="-127"/>
-                <a:ea typeface="HY견고딕" panose="02030600000101010101" pitchFamily="18" charset="-127"/>
-                <a:cs typeface="맑은 고딕"/>
-              </a:rPr>
-              <a:t>· </a:t>
-            </a:r>
-            <a:r>
-              <a:rPr kumimoji="0" lang="en-US" altLang="ko-KR" sz="2800" i="0" u="none" strike="noStrike" kern="1200" cap="none" spc="0" normalizeH="0" baseline="0" dirty="0">
-                <a:solidFill>
-                  <a:srgbClr val="000000"/>
-                </a:solidFill>
-                <a:latin typeface="HY견고딕" panose="02030600000101010101" pitchFamily="18" charset="-127"/>
-                <a:ea typeface="HY견고딕" panose="02030600000101010101" pitchFamily="18" charset="-127"/>
-                <a:cs typeface="맑은 고딕"/>
-              </a:rPr>
-              <a:t>‘IOCP</a:t>
-            </a:r>
-            <a:r>
-              <a:rPr kumimoji="0" lang="ko-KR" altLang="en-US" sz="2800" i="0" u="none" strike="noStrike" kern="1200" cap="none" spc="0" normalizeH="0" baseline="0" dirty="0">
-                <a:solidFill>
-                  <a:srgbClr val="000000"/>
-                </a:solidFill>
-                <a:latin typeface="HY견고딕" panose="02030600000101010101" pitchFamily="18" charset="-127"/>
-                <a:ea typeface="HY견고딕" panose="02030600000101010101" pitchFamily="18" charset="-127"/>
-                <a:cs typeface="맑은 고딕"/>
-              </a:rPr>
-              <a:t> 소켓 입출력 모델</a:t>
-            </a:r>
-            <a:r>
-              <a:rPr kumimoji="0" lang="en-US" altLang="ko-KR" sz="2800" i="0" u="none" strike="noStrike" kern="1200" cap="none" spc="0" normalizeH="0" baseline="0" dirty="0">
-                <a:solidFill>
-                  <a:srgbClr val="000000"/>
-                </a:solidFill>
-                <a:latin typeface="HY견고딕" panose="02030600000101010101" pitchFamily="18" charset="-127"/>
-                <a:ea typeface="HY견고딕" panose="02030600000101010101" pitchFamily="18" charset="-127"/>
-                <a:cs typeface="맑은 고딕"/>
-              </a:rPr>
-              <a:t>’</a:t>
-            </a:r>
-            <a:r>
-              <a:rPr kumimoji="0" lang="ko-KR" altLang="en-US" sz="2800" i="0" u="none" strike="noStrike" kern="1200" cap="none" spc="0" normalizeH="0" baseline="0" dirty="0">
-                <a:solidFill>
-                  <a:srgbClr val="000000"/>
-                </a:solidFill>
-                <a:latin typeface="HY견고딕" panose="02030600000101010101" pitchFamily="18" charset="-127"/>
-                <a:ea typeface="HY견고딕" panose="02030600000101010101" pitchFamily="18" charset="-127"/>
-                <a:cs typeface="맑은 고딕"/>
-              </a:rPr>
-              <a:t>을 통한 다중 접속 서버</a:t>
+              <a:rPr lang="ko-KR" altLang="en-US" sz="2000">
+                <a:latin typeface="HY견고딕"/>
+                <a:ea typeface="HY견고딕"/>
+              </a:rPr>
+              <a:t>이동규</a:t>
             </a:r>
           </a:p>
         </p:txBody>
@@ -6507,134 +6545,846 @@
         </p:nvSpPr>
         <p:spPr>
           <a:xfrm>
-            <a:off x="1504730" y="4923078"/>
-            <a:ext cx="8338555" cy="523220"/>
+            <a:off x="8620843" y="2143002"/>
+            <a:ext cx="954107" cy="400110"/>
           </a:xfrm>
           <a:prstGeom prst="rect">
             <a:avLst/>
           </a:prstGeom>
+          <a:noFill/>
         </p:spPr>
         <p:txBody>
-          <a:bodyPr wrap="square">
+          <a:bodyPr wrap="none">
             <a:spAutoFit/>
           </a:bodyPr>
           <a:lstStyle/>
           <a:p>
-            <a:pPr marL="0" indent="0" algn="l" defTabSz="914400" rtl="0" eaLnBrk="1" latinLnBrk="1" hangingPunct="1">
-              <a:lnSpc>
-                <a:spcPct val="100000"/>
-              </a:lnSpc>
-              <a:spcBef>
-                <a:spcPct val="0"/>
-              </a:spcBef>
-              <a:spcAft>
-                <a:spcPts val="0"/>
-              </a:spcAft>
-              <a:buNone/>
+            <a:pPr algn="ctr">
               <a:defRPr/>
             </a:pPr>
             <a:r>
-              <a:rPr kumimoji="0" lang="ko-KR" altLang="en-US" sz="2800" i="0" u="none" strike="noStrike" kern="1200" cap="none" spc="0" normalizeH="0" baseline="0">
-                <a:solidFill>
-                  <a:srgbClr val="000000"/>
-                </a:solidFill>
-                <a:latin typeface="HY견고딕" panose="02030600000101010101" pitchFamily="18" charset="-127"/>
-                <a:ea typeface="HY견고딕" panose="02030600000101010101" pitchFamily="18" charset="-127"/>
-                <a:cs typeface="맑은 고딕"/>
-              </a:rPr>
-              <a:t>· 플레이어 간의 시야 처리 및 충돌 처리</a:t>
+              <a:rPr lang="ko-KR" altLang="en-US" sz="2000">
+                <a:latin typeface="HY견고딕"/>
+                <a:ea typeface="HY견고딕"/>
+              </a:rPr>
+              <a:t>이득유</a:t>
             </a:r>
           </a:p>
         </p:txBody>
       </p:sp>
       <p:sp>
         <p:nvSpPr>
-          <p:cNvPr id="11" name="TextBox 10"/>
+          <p:cNvPr id="15" name="사각형: 둥근 모서리 14"/>
+          <p:cNvSpPr/>
+          <p:nvPr/>
+        </p:nvSpPr>
+        <p:spPr>
+          <a:xfrm>
+            <a:off x="1736738" y="1882588"/>
+            <a:ext cx="2940423" cy="3830032"/>
+          </a:xfrm>
+          <a:prstGeom prst="roundRect">
+            <a:avLst>
+              <a:gd name="adj" fmla="val 16667"/>
+            </a:avLst>
+          </a:prstGeom>
+          <a:noFill/>
+          <a:ln w="25400" cmpd="sng">
+            <a:solidFill>
+              <a:schemeClr val="tx1"/>
+            </a:solidFill>
+          </a:ln>
+        </p:spPr>
+        <p:style>
+          <a:lnRef idx="2">
+            <a:schemeClr val="accent1">
+              <a:shade val="50000"/>
+            </a:schemeClr>
+          </a:lnRef>
+          <a:fillRef idx="1">
+            <a:schemeClr val="accent1"/>
+          </a:fillRef>
+          <a:effectRef idx="0">
+            <a:schemeClr val="accent1"/>
+          </a:effectRef>
+          <a:fontRef idx="minor">
+            <a:schemeClr val="lt1"/>
+          </a:fontRef>
+        </p:style>
+        <p:txBody>
+          <a:bodyPr anchor="ctr"/>
+          <a:lstStyle/>
+          <a:p>
+            <a:pPr algn="ctr">
+              <a:defRPr/>
+            </a:pPr>
+            <a:endParaRPr lang="ko-KR" altLang="en-US"/>
+          </a:p>
+        </p:txBody>
+      </p:sp>
+      <p:sp>
+        <p:nvSpPr>
+          <p:cNvPr id="16" name="사각형: 둥근 모서리 15"/>
+          <p:cNvSpPr/>
+          <p:nvPr/>
+        </p:nvSpPr>
+        <p:spPr>
+          <a:xfrm>
+            <a:off x="4682211" y="1882588"/>
+            <a:ext cx="2940423" cy="3830032"/>
+          </a:xfrm>
+          <a:prstGeom prst="roundRect">
+            <a:avLst>
+              <a:gd name="adj" fmla="val 16667"/>
+            </a:avLst>
+          </a:prstGeom>
+          <a:noFill/>
+          <a:ln w="25400" cmpd="sng">
+            <a:solidFill>
+              <a:schemeClr val="tx1"/>
+            </a:solidFill>
+          </a:ln>
+        </p:spPr>
+        <p:style>
+          <a:lnRef idx="2">
+            <a:schemeClr val="accent1">
+              <a:shade val="50000"/>
+            </a:schemeClr>
+          </a:lnRef>
+          <a:fillRef idx="1">
+            <a:schemeClr val="accent1"/>
+          </a:fillRef>
+          <a:effectRef idx="0">
+            <a:schemeClr val="accent1"/>
+          </a:effectRef>
+          <a:fontRef idx="minor">
+            <a:schemeClr val="lt1"/>
+          </a:fontRef>
+        </p:style>
+        <p:txBody>
+          <a:bodyPr anchor="ctr"/>
+          <a:lstStyle/>
+          <a:p>
+            <a:pPr algn="ctr">
+              <a:defRPr/>
+            </a:pPr>
+            <a:endParaRPr lang="ko-KR" altLang="en-US"/>
+          </a:p>
+        </p:txBody>
+      </p:sp>
+      <p:sp>
+        <p:nvSpPr>
+          <p:cNvPr id="17" name="사각형: 둥근 모서리 16"/>
+          <p:cNvSpPr/>
+          <p:nvPr/>
+        </p:nvSpPr>
+        <p:spPr>
+          <a:xfrm>
+            <a:off x="7627684" y="1882588"/>
+            <a:ext cx="2940423" cy="3830032"/>
+          </a:xfrm>
+          <a:prstGeom prst="roundRect">
+            <a:avLst>
+              <a:gd name="adj" fmla="val 16667"/>
+            </a:avLst>
+          </a:prstGeom>
+          <a:noFill/>
+          <a:ln w="25400" cmpd="sng">
+            <a:solidFill>
+              <a:schemeClr val="tx1"/>
+            </a:solidFill>
+          </a:ln>
+        </p:spPr>
+        <p:style>
+          <a:lnRef idx="2">
+            <a:schemeClr val="accent1">
+              <a:shade val="50000"/>
+            </a:schemeClr>
+          </a:lnRef>
+          <a:fillRef idx="1">
+            <a:schemeClr val="accent1"/>
+          </a:fillRef>
+          <a:effectRef idx="0">
+            <a:schemeClr val="accent1"/>
+          </a:effectRef>
+          <a:fontRef idx="minor">
+            <a:schemeClr val="lt1"/>
+          </a:fontRef>
+        </p:style>
+        <p:txBody>
+          <a:bodyPr anchor="ctr"/>
+          <a:lstStyle/>
+          <a:p>
+            <a:pPr algn="ctr">
+              <a:defRPr/>
+            </a:pPr>
+            <a:endParaRPr lang="ko-KR" altLang="en-US"/>
+          </a:p>
+        </p:txBody>
+      </p:sp>
+      <p:sp>
+        <p:nvSpPr>
+          <p:cNvPr id="14" name="TextBox 13"/>
           <p:cNvSpPr txBox="1"/>
           <p:nvPr/>
         </p:nvSpPr>
         <p:spPr>
           <a:xfrm>
-            <a:off x="1504730" y="3949968"/>
-            <a:ext cx="8338555" cy="523220"/>
+            <a:off x="5193669" y="2803526"/>
+            <a:ext cx="1917512" cy="2677656"/>
           </a:xfrm>
           <a:prstGeom prst="rect">
             <a:avLst/>
           </a:prstGeom>
+          <a:noFill/>
         </p:spPr>
         <p:txBody>
-          <a:bodyPr wrap="square">
+          <a:bodyPr wrap="none">
             <a:spAutoFit/>
           </a:bodyPr>
           <a:lstStyle/>
           <a:p>
-            <a:pPr marL="0" indent="0" algn="l" defTabSz="914400" rtl="0" eaLnBrk="1" latinLnBrk="1" hangingPunct="1">
-              <a:lnSpc>
-                <a:spcPct val="100000"/>
-              </a:lnSpc>
-              <a:spcBef>
-                <a:spcPct val="0"/>
-              </a:spcBef>
-              <a:spcAft>
-                <a:spcPts val="0"/>
-              </a:spcAft>
-              <a:buNone/>
+            <a:pPr algn="ctr">
               <a:defRPr/>
             </a:pPr>
             <a:r>
-              <a:rPr kumimoji="0" lang="ko-KR" altLang="en-US" sz="2800" i="0" u="none" strike="noStrike" kern="1200" cap="none" spc="0" normalizeH="0" baseline="0" dirty="0">
-                <a:solidFill>
-                  <a:srgbClr val="000000"/>
-                </a:solidFill>
-                <a:latin typeface="HY견고딕" panose="02030600000101010101" pitchFamily="18" charset="-127"/>
-                <a:ea typeface="HY견고딕" panose="02030600000101010101" pitchFamily="18" charset="-127"/>
-                <a:cs typeface="맑은 고딕"/>
-              </a:rPr>
-              <a:t>· </a:t>
-            </a:r>
-            <a:r>
-              <a:rPr kumimoji="0" lang="en-US" altLang="ko-KR" sz="2800" i="0" u="none" strike="noStrike" kern="1200" cap="none" spc="0" normalizeH="0" baseline="0" dirty="0">
-                <a:solidFill>
-                  <a:srgbClr val="000000"/>
-                </a:solidFill>
-                <a:latin typeface="HY견고딕" panose="02030600000101010101" pitchFamily="18" charset="-127"/>
-                <a:ea typeface="HY견고딕" panose="02030600000101010101" pitchFamily="18" charset="-127"/>
-                <a:cs typeface="맑은 고딕"/>
-              </a:rPr>
-              <a:t>‘</a:t>
-            </a:r>
-            <a:r>
-              <a:rPr kumimoji="0" lang="ko-KR" altLang="en-US" sz="2800" i="0" u="none" strike="noStrike" kern="1200" cap="none" spc="0" normalizeH="0" baseline="0" dirty="0" err="1">
-                <a:solidFill>
-                  <a:srgbClr val="000000"/>
-                </a:solidFill>
-                <a:latin typeface="HY견고딕" panose="02030600000101010101" pitchFamily="18" charset="-127"/>
-                <a:ea typeface="HY견고딕" panose="02030600000101010101" pitchFamily="18" charset="-127"/>
-                <a:cs typeface="맑은 고딕"/>
-              </a:rPr>
-              <a:t>데드레커닝</a:t>
-            </a:r>
-            <a:r>
-              <a:rPr kumimoji="0" lang="en-US" altLang="ko-KR" sz="2800" i="0" u="none" strike="noStrike" kern="1200" cap="none" spc="0" normalizeH="0" baseline="0" dirty="0">
-                <a:solidFill>
-                  <a:srgbClr val="000000"/>
-                </a:solidFill>
-                <a:latin typeface="HY견고딕" panose="02030600000101010101" pitchFamily="18" charset="-127"/>
-                <a:ea typeface="HY견고딕" panose="02030600000101010101" pitchFamily="18" charset="-127"/>
-                <a:cs typeface="맑은 고딕"/>
-              </a:rPr>
-              <a:t>’</a:t>
-            </a:r>
-            <a:r>
-              <a:rPr kumimoji="0" lang="ko-KR" altLang="en-US" sz="2800" i="0" u="none" strike="noStrike" kern="1200" cap="none" spc="0" normalizeH="0" baseline="0" dirty="0">
-                <a:solidFill>
-                  <a:srgbClr val="000000"/>
-                </a:solidFill>
-                <a:latin typeface="HY견고딕" panose="02030600000101010101" pitchFamily="18" charset="-127"/>
-                <a:ea typeface="HY견고딕" panose="02030600000101010101" pitchFamily="18" charset="-127"/>
-                <a:cs typeface="맑은 고딕"/>
-              </a:rPr>
-              <a:t>기법을 적용한 이동</a:t>
+              <a:rPr lang="en-US" altLang="ko-KR" sz="1400" dirty="0">
+                <a:latin typeface="HY헤드라인M"/>
+                <a:ea typeface="HY헤드라인M"/>
+              </a:rPr>
+              <a:t>C/C++</a:t>
+            </a:r>
+          </a:p>
+          <a:p>
+            <a:pPr algn="ctr">
+              <a:defRPr/>
+            </a:pPr>
+            <a:r>
+              <a:rPr lang="en-US" altLang="ko-KR" sz="1400" dirty="0">
+                <a:latin typeface="HY헤드라인M"/>
+                <a:ea typeface="HY헤드라인M"/>
+              </a:rPr>
+              <a:t>WIN API</a:t>
+            </a:r>
+          </a:p>
+          <a:p>
+            <a:pPr algn="ctr">
+              <a:defRPr/>
+            </a:pPr>
+            <a:r>
+              <a:rPr lang="ko-KR" altLang="en-US" sz="1400" dirty="0">
+                <a:latin typeface="HY헤드라인M"/>
+                <a:ea typeface="HY헤드라인M"/>
+              </a:rPr>
+              <a:t>자료구조</a:t>
+            </a:r>
+            <a:r>
+              <a:rPr lang="en-US" altLang="ko-KR" sz="1400" dirty="0">
+                <a:latin typeface="HY헤드라인M"/>
+                <a:ea typeface="HY헤드라인M"/>
+              </a:rPr>
+              <a:t>/</a:t>
+            </a:r>
+            <a:r>
+              <a:rPr lang="ko-KR" altLang="en-US" sz="1400" dirty="0">
+                <a:latin typeface="HY헤드라인M"/>
+                <a:ea typeface="HY헤드라인M"/>
+              </a:rPr>
+              <a:t>알고리즘</a:t>
+            </a:r>
+          </a:p>
+          <a:p>
+            <a:pPr algn="ctr">
+              <a:defRPr/>
+            </a:pPr>
+            <a:r>
+              <a:rPr lang="en-US" altLang="ko-KR" sz="1400" dirty="0">
+                <a:latin typeface="HY헤드라인M"/>
+                <a:ea typeface="HY헤드라인M"/>
+              </a:rPr>
+              <a:t>OpenGL</a:t>
+            </a:r>
+          </a:p>
+          <a:p>
+            <a:pPr algn="ctr">
+              <a:defRPr/>
+            </a:pPr>
+            <a:r>
+              <a:rPr lang="en-US" altLang="ko-KR" sz="1400" dirty="0">
+                <a:latin typeface="HY헤드라인M"/>
+                <a:ea typeface="HY헤드라인M"/>
+              </a:rPr>
+              <a:t>STL</a:t>
+            </a:r>
+          </a:p>
+          <a:p>
+            <a:pPr algn="ctr">
+              <a:defRPr/>
+            </a:pPr>
+            <a:r>
+              <a:rPr lang="en-US" altLang="ko-KR" sz="1400" dirty="0">
+                <a:latin typeface="HY헤드라인M"/>
+                <a:ea typeface="HY헤드라인M"/>
+              </a:rPr>
+              <a:t>DirectX 12</a:t>
+            </a:r>
+          </a:p>
+          <a:p>
+            <a:pPr algn="ctr">
+              <a:defRPr/>
+            </a:pPr>
+            <a:endParaRPr lang="en-US" altLang="ko-KR" sz="1400" dirty="0">
+              <a:latin typeface="HY헤드라인M"/>
+              <a:ea typeface="HY헤드라인M"/>
+            </a:endParaRPr>
+          </a:p>
+          <a:p>
+            <a:pPr algn="ctr">
+              <a:defRPr/>
+            </a:pPr>
+            <a:r>
+              <a:rPr lang="en-US" altLang="ko-KR" sz="1400" dirty="0">
+                <a:latin typeface="HY헤드라인M"/>
+                <a:ea typeface="HY헤드라인M"/>
+              </a:rPr>
+              <a:t>TCP/IP </a:t>
+            </a:r>
+            <a:r>
+              <a:rPr lang="ko-KR" altLang="en-US" sz="1400" dirty="0">
+                <a:latin typeface="HY헤드라인M"/>
+                <a:ea typeface="HY헤드라인M"/>
+              </a:rPr>
+              <a:t>사용 경험</a:t>
+            </a:r>
+            <a:endParaRPr lang="en-US" altLang="ko-KR" sz="1400" dirty="0">
+              <a:latin typeface="HY헤드라인M"/>
+              <a:ea typeface="HY헤드라인M"/>
+            </a:endParaRPr>
+          </a:p>
+          <a:p>
+            <a:pPr algn="ctr">
+              <a:defRPr/>
+            </a:pPr>
+            <a:r>
+              <a:rPr lang="en-US" altLang="ko-KR" sz="1400" dirty="0">
+                <a:latin typeface="HY헤드라인M"/>
+                <a:ea typeface="HY헤드라인M"/>
+              </a:rPr>
+              <a:t>DirectX 2D </a:t>
+            </a:r>
+            <a:r>
+              <a:rPr lang="ko-KR" altLang="en-US" sz="1400" dirty="0">
+                <a:latin typeface="HY헤드라인M"/>
+                <a:ea typeface="HY헤드라인M"/>
+              </a:rPr>
+              <a:t>제작 경험</a:t>
+            </a:r>
+          </a:p>
+          <a:p>
+            <a:pPr algn="ctr">
+              <a:defRPr/>
+            </a:pPr>
+            <a:r>
+              <a:rPr lang="en-US" altLang="ko-KR" sz="1400" dirty="0">
+                <a:latin typeface="HY헤드라인M"/>
+                <a:ea typeface="HY헤드라인M"/>
+              </a:rPr>
+              <a:t>DirectX12 </a:t>
+            </a:r>
+            <a:r>
+              <a:rPr lang="ko-KR" altLang="en-US" sz="1400" dirty="0" err="1">
+                <a:latin typeface="HY헤드라인M"/>
+                <a:ea typeface="HY헤드라인M"/>
+              </a:rPr>
+              <a:t>피킹</a:t>
+            </a:r>
+            <a:r>
+              <a:rPr lang="ko-KR" altLang="en-US" sz="1400" dirty="0">
+                <a:latin typeface="HY헤드라인M"/>
+                <a:ea typeface="HY헤드라인M"/>
+              </a:rPr>
+              <a:t> 구현</a:t>
+            </a:r>
+          </a:p>
+          <a:p>
+            <a:pPr algn="ctr">
+              <a:defRPr/>
+            </a:pPr>
+            <a:r>
+              <a:rPr lang="en-US" altLang="ko-KR" sz="1400" dirty="0">
+                <a:latin typeface="HY헤드라인M"/>
+                <a:ea typeface="HY헤드라인M"/>
+              </a:rPr>
+              <a:t>UNITY</a:t>
+            </a:r>
+            <a:r>
+              <a:rPr lang="ko-KR" altLang="en-US" sz="1400" dirty="0">
+                <a:latin typeface="HY헤드라인M"/>
+                <a:ea typeface="HY헤드라인M"/>
+              </a:rPr>
+              <a:t> 제작 경험</a:t>
+            </a:r>
+          </a:p>
+          <a:p>
+            <a:pPr algn="ctr">
+              <a:defRPr/>
+            </a:pPr>
+            <a:endParaRPr lang="en-US" altLang="ko-KR" sz="1400" dirty="0">
+              <a:latin typeface="HY헤드라인M"/>
+              <a:ea typeface="HY헤드라인M"/>
+            </a:endParaRPr>
+          </a:p>
+        </p:txBody>
+      </p:sp>
+      <p:sp>
+        <p:nvSpPr>
+          <p:cNvPr id="29" name="직사각형 28"/>
+          <p:cNvSpPr/>
+          <p:nvPr/>
+        </p:nvSpPr>
+        <p:spPr>
+          <a:xfrm>
+            <a:off x="4371046" y="2332541"/>
+            <a:ext cx="558443" cy="2913424"/>
+          </a:xfrm>
+          <a:prstGeom prst="rect">
+            <a:avLst/>
+          </a:prstGeom>
+          <a:solidFill>
+            <a:schemeClr val="bg1"/>
+          </a:solidFill>
+          <a:ln>
+            <a:solidFill>
+              <a:schemeClr val="bg1"/>
+            </a:solidFill>
+          </a:ln>
+        </p:spPr>
+        <p:style>
+          <a:lnRef idx="2">
+            <a:schemeClr val="accent1">
+              <a:shade val="50000"/>
+            </a:schemeClr>
+          </a:lnRef>
+          <a:fillRef idx="1">
+            <a:schemeClr val="accent1"/>
+          </a:fillRef>
+          <a:effectRef idx="0">
+            <a:schemeClr val="accent1"/>
+          </a:effectRef>
+          <a:fontRef idx="minor">
+            <a:schemeClr val="lt1"/>
+          </a:fontRef>
+        </p:style>
+        <p:txBody>
+          <a:bodyPr anchor="ctr"/>
+          <a:lstStyle/>
+          <a:p>
+            <a:pPr algn="ctr">
+              <a:defRPr/>
+            </a:pPr>
+            <a:endParaRPr lang="ko-KR" altLang="en-US"/>
+          </a:p>
+        </p:txBody>
+      </p:sp>
+      <p:sp>
+        <p:nvSpPr>
+          <p:cNvPr id="30" name="직사각형 29"/>
+          <p:cNvSpPr/>
+          <p:nvPr/>
+        </p:nvSpPr>
+        <p:spPr>
+          <a:xfrm>
+            <a:off x="7319044" y="2332539"/>
+            <a:ext cx="558443" cy="2913426"/>
+          </a:xfrm>
+          <a:prstGeom prst="rect">
+            <a:avLst/>
+          </a:prstGeom>
+          <a:solidFill>
+            <a:schemeClr val="bg1"/>
+          </a:solidFill>
+          <a:ln>
+            <a:solidFill>
+              <a:schemeClr val="bg1"/>
+            </a:solidFill>
+          </a:ln>
+        </p:spPr>
+        <p:style>
+          <a:lnRef idx="2">
+            <a:schemeClr val="accent1">
+              <a:shade val="50000"/>
+            </a:schemeClr>
+          </a:lnRef>
+          <a:fillRef idx="1">
+            <a:schemeClr val="accent1"/>
+          </a:fillRef>
+          <a:effectRef idx="0">
+            <a:schemeClr val="accent1"/>
+          </a:effectRef>
+          <a:fontRef idx="minor">
+            <a:schemeClr val="lt1"/>
+          </a:fontRef>
+        </p:style>
+        <p:txBody>
+          <a:bodyPr anchor="ctr"/>
+          <a:lstStyle/>
+          <a:p>
+            <a:pPr algn="ctr">
+              <a:defRPr/>
+            </a:pPr>
+            <a:endParaRPr lang="ko-KR" altLang="en-US"/>
+          </a:p>
+        </p:txBody>
+      </p:sp>
+      <p:sp>
+        <p:nvSpPr>
+          <p:cNvPr id="21" name="TextBox 20"/>
+          <p:cNvSpPr txBox="1"/>
+          <p:nvPr/>
+        </p:nvSpPr>
+        <p:spPr>
+          <a:xfrm>
+            <a:off x="7880983" y="2841217"/>
+            <a:ext cx="2278382" cy="2224178"/>
+          </a:xfrm>
+          <a:prstGeom prst="rect">
+            <a:avLst/>
+          </a:prstGeom>
+          <a:noFill/>
+        </p:spPr>
+        <p:txBody>
+          <a:bodyPr wrap="none">
+            <a:spAutoFit/>
+          </a:bodyPr>
+          <a:lstStyle/>
+          <a:p>
+            <a:pPr algn="ctr">
+              <a:defRPr/>
+            </a:pPr>
+            <a:r>
+              <a:rPr lang="en-US" altLang="ko-KR" sz="1400">
+                <a:latin typeface="HY헤드라인M"/>
+                <a:ea typeface="HY헤드라인M"/>
+              </a:rPr>
+              <a:t>C/C++</a:t>
+            </a:r>
+          </a:p>
+          <a:p>
+            <a:pPr algn="ctr">
+              <a:defRPr/>
+            </a:pPr>
+            <a:r>
+              <a:rPr lang="en-US" altLang="ko-KR" sz="1400">
+                <a:latin typeface="HY헤드라인M"/>
+                <a:ea typeface="HY헤드라인M"/>
+              </a:rPr>
+              <a:t>WIN API</a:t>
+            </a:r>
+          </a:p>
+          <a:p>
+            <a:pPr algn="ctr">
+              <a:defRPr/>
+            </a:pPr>
+            <a:r>
+              <a:rPr lang="ko-KR" altLang="en-US" sz="1400">
+                <a:latin typeface="HY헤드라인M"/>
+                <a:ea typeface="HY헤드라인M"/>
+              </a:rPr>
+              <a:t>자료구조</a:t>
+            </a:r>
+            <a:r>
+              <a:rPr lang="en-US" altLang="ko-KR" sz="1400">
+                <a:latin typeface="HY헤드라인M"/>
+                <a:ea typeface="HY헤드라인M"/>
+              </a:rPr>
+              <a:t>/</a:t>
+            </a:r>
+            <a:r>
+              <a:rPr lang="ko-KR" altLang="en-US" sz="1400">
+                <a:latin typeface="HY헤드라인M"/>
+                <a:ea typeface="HY헤드라인M"/>
+              </a:rPr>
+              <a:t>알고리즘</a:t>
+            </a:r>
+          </a:p>
+          <a:p>
+            <a:pPr algn="ctr">
+              <a:defRPr/>
+            </a:pPr>
+            <a:r>
+              <a:rPr lang="en-US" altLang="ko-KR" sz="1400">
+                <a:latin typeface="HY헤드라인M"/>
+                <a:ea typeface="HY헤드라인M"/>
+              </a:rPr>
+              <a:t>OpenGL</a:t>
+            </a:r>
+          </a:p>
+          <a:p>
+            <a:pPr algn="ctr">
+              <a:defRPr/>
+            </a:pPr>
+            <a:r>
+              <a:rPr lang="en-US" altLang="ko-KR" sz="1400">
+                <a:latin typeface="HY헤드라인M"/>
+                <a:ea typeface="HY헤드라인M"/>
+              </a:rPr>
+              <a:t>STL</a:t>
+            </a:r>
+          </a:p>
+          <a:p>
+            <a:pPr algn="ctr">
+              <a:defRPr/>
+            </a:pPr>
+            <a:r>
+              <a:rPr lang="en-US" altLang="ko-KR" sz="1400">
+                <a:latin typeface="HY헤드라인M"/>
+                <a:ea typeface="HY헤드라인M"/>
+              </a:rPr>
+              <a:t>IOCP</a:t>
+            </a:r>
+          </a:p>
+          <a:p>
+            <a:pPr algn="ctr">
+              <a:defRPr/>
+            </a:pPr>
+            <a:r>
+              <a:rPr lang="en-US" altLang="ko-KR" sz="1400">
+                <a:latin typeface="HY헤드라인M"/>
+                <a:ea typeface="HY헤드라인M"/>
+              </a:rPr>
+              <a:t>Multi-Core Programming</a:t>
+            </a:r>
+          </a:p>
+          <a:p>
+            <a:pPr algn="ctr">
+              <a:defRPr/>
+            </a:pPr>
+            <a:endParaRPr lang="en-US" altLang="ko-KR" sz="1400">
+              <a:latin typeface="HY헤드라인M"/>
+              <a:ea typeface="HY헤드라인M"/>
+            </a:endParaRPr>
+          </a:p>
+          <a:p>
+            <a:pPr algn="ctr">
+              <a:defRPr/>
+            </a:pPr>
+            <a:r>
+              <a:rPr lang="en-US" altLang="ko-KR" sz="1400">
+                <a:latin typeface="HY헤드라인M"/>
+                <a:ea typeface="HY헤드라인M"/>
+              </a:rPr>
+              <a:t>IOCP Server</a:t>
+            </a:r>
+            <a:r>
+              <a:rPr lang="ko-KR" altLang="en-US" sz="1400">
+                <a:latin typeface="HY헤드라인M"/>
+                <a:ea typeface="HY헤드라인M"/>
+              </a:rPr>
+              <a:t> 제작 경험</a:t>
+            </a:r>
+          </a:p>
+          <a:p>
+            <a:pPr algn="ctr">
+              <a:defRPr/>
+            </a:pPr>
+            <a:r>
+              <a:rPr lang="en-US" altLang="ko-KR" sz="1400">
+                <a:latin typeface="HY헤드라인M"/>
+                <a:ea typeface="HY헤드라인M"/>
+              </a:rPr>
+              <a:t>UNITY</a:t>
+            </a:r>
+            <a:r>
+              <a:rPr lang="ko-KR" altLang="en-US" sz="1400">
+                <a:latin typeface="HY헤드라인M"/>
+                <a:ea typeface="HY헤드라인M"/>
+              </a:rPr>
+              <a:t> 제작 경험</a:t>
+            </a:r>
+          </a:p>
+        </p:txBody>
+      </p:sp>
+      <p:sp>
+        <p:nvSpPr>
+          <p:cNvPr id="19" name="TextBox 18">
+            <a:extLst>
+              <a:ext uri="{FF2B5EF4-FFF2-40B4-BE49-F238E27FC236}">
+                <a16:creationId xmlns:a16="http://schemas.microsoft.com/office/drawing/2014/main" id="{7BC4A763-8396-43A1-9B10-BA4FAFE695A2}"/>
+              </a:ext>
+            </a:extLst>
+          </p:cNvPr>
+          <p:cNvSpPr txBox="1"/>
+          <p:nvPr/>
+        </p:nvSpPr>
+        <p:spPr>
+          <a:xfrm>
+            <a:off x="2218782" y="2803526"/>
+            <a:ext cx="1986441" cy="2246769"/>
+          </a:xfrm>
+          <a:prstGeom prst="rect">
+            <a:avLst/>
+          </a:prstGeom>
+          <a:noFill/>
+        </p:spPr>
+        <p:txBody>
+          <a:bodyPr wrap="none">
+            <a:spAutoFit/>
+          </a:bodyPr>
+          <a:lstStyle/>
+          <a:p>
+            <a:pPr algn="ctr">
+              <a:defRPr/>
+            </a:pPr>
+            <a:r>
+              <a:rPr lang="en-US" altLang="ko-KR" sz="1400" dirty="0">
+                <a:latin typeface="HY헤드라인M"/>
+                <a:ea typeface="HY헤드라인M"/>
+              </a:rPr>
+              <a:t>C/C++</a:t>
+            </a:r>
+          </a:p>
+          <a:p>
+            <a:pPr algn="ctr">
+              <a:defRPr/>
+            </a:pPr>
+            <a:r>
+              <a:rPr lang="en-US" altLang="ko-KR" sz="1400" dirty="0">
+                <a:latin typeface="HY헤드라인M"/>
+                <a:ea typeface="HY헤드라인M"/>
+              </a:rPr>
+              <a:t>WIN API</a:t>
+            </a:r>
+          </a:p>
+          <a:p>
+            <a:pPr algn="ctr">
+              <a:defRPr/>
+            </a:pPr>
+            <a:r>
+              <a:rPr lang="ko-KR" altLang="en-US" sz="1400" dirty="0">
+                <a:latin typeface="HY헤드라인M"/>
+                <a:ea typeface="HY헤드라인M"/>
+              </a:rPr>
+              <a:t>자료구조</a:t>
+            </a:r>
+            <a:r>
+              <a:rPr lang="en-US" altLang="ko-KR" sz="1400" dirty="0">
+                <a:latin typeface="HY헤드라인M"/>
+                <a:ea typeface="HY헤드라인M"/>
+              </a:rPr>
+              <a:t>/</a:t>
+            </a:r>
+            <a:r>
+              <a:rPr lang="ko-KR" altLang="en-US" sz="1400" dirty="0">
+                <a:latin typeface="HY헤드라인M"/>
+                <a:ea typeface="HY헤드라인M"/>
+              </a:rPr>
+              <a:t>알고리즘</a:t>
+            </a:r>
+          </a:p>
+          <a:p>
+            <a:pPr algn="ctr">
+              <a:defRPr/>
+            </a:pPr>
+            <a:r>
+              <a:rPr lang="en-US" altLang="ko-KR" sz="1400" dirty="0">
+                <a:latin typeface="HY헤드라인M"/>
+                <a:ea typeface="HY헤드라인M"/>
+              </a:rPr>
+              <a:t>OpenGL</a:t>
+            </a:r>
+          </a:p>
+          <a:p>
+            <a:pPr algn="ctr">
+              <a:defRPr/>
+            </a:pPr>
+            <a:r>
+              <a:rPr lang="en-US" altLang="ko-KR" sz="1400" dirty="0">
+                <a:latin typeface="HY헤드라인M"/>
+                <a:ea typeface="HY헤드라인M"/>
+              </a:rPr>
+              <a:t>STL</a:t>
+            </a:r>
+          </a:p>
+          <a:p>
+            <a:pPr algn="ctr">
+              <a:defRPr/>
+            </a:pPr>
+            <a:endParaRPr lang="en-US" altLang="ko-KR" sz="1400" dirty="0">
+              <a:latin typeface="HY헤드라인M"/>
+              <a:ea typeface="HY헤드라인M"/>
+            </a:endParaRPr>
+          </a:p>
+          <a:p>
+            <a:pPr algn="ctr">
+              <a:defRPr/>
+            </a:pPr>
+            <a:r>
+              <a:rPr lang="en-US" altLang="ko-KR" sz="1400" dirty="0">
+                <a:latin typeface="HY헤드라인M"/>
+                <a:ea typeface="HY헤드라인M"/>
+              </a:rPr>
+              <a:t>DirectX 11</a:t>
+            </a:r>
+          </a:p>
+          <a:p>
+            <a:pPr algn="ctr">
+              <a:defRPr/>
+            </a:pPr>
+            <a:r>
+              <a:rPr lang="en-US" altLang="ko-KR" sz="1400" dirty="0">
+                <a:latin typeface="HY헤드라인M"/>
+                <a:ea typeface="HY헤드라인M"/>
+              </a:rPr>
+              <a:t>DirectX 2D </a:t>
+            </a:r>
+            <a:r>
+              <a:rPr lang="ko-KR" altLang="en-US" sz="1400" dirty="0">
+                <a:latin typeface="HY헤드라인M"/>
+                <a:ea typeface="HY헤드라인M"/>
+              </a:rPr>
+              <a:t>제작 경험</a:t>
+            </a:r>
+          </a:p>
+          <a:p>
+            <a:pPr algn="ctr">
+              <a:defRPr/>
+            </a:pPr>
+            <a:r>
+              <a:rPr lang="en-US" altLang="ko-KR" sz="1400" dirty="0">
+                <a:latin typeface="HY헤드라인M"/>
+                <a:ea typeface="HY헤드라인M"/>
+              </a:rPr>
+              <a:t>UNITY</a:t>
+            </a:r>
+            <a:r>
+              <a:rPr lang="ko-KR" altLang="en-US" sz="1400" dirty="0">
+                <a:latin typeface="HY헤드라인M"/>
+                <a:ea typeface="HY헤드라인M"/>
+              </a:rPr>
+              <a:t> 제작 경험</a:t>
+            </a:r>
+            <a:endParaRPr lang="en-US" altLang="ko-KR" sz="1400" dirty="0">
+              <a:latin typeface="HY헤드라인M"/>
+              <a:ea typeface="HY헤드라인M"/>
+            </a:endParaRPr>
+          </a:p>
+          <a:p>
+            <a:pPr algn="ctr">
+              <a:defRPr/>
+            </a:pPr>
+            <a:r>
+              <a:rPr lang="en-US" altLang="ko-KR" sz="1400" dirty="0">
+                <a:latin typeface="HY헤드라인M"/>
+                <a:ea typeface="HY헤드라인M"/>
+              </a:rPr>
+              <a:t>TCP/IP, IOCP </a:t>
+            </a:r>
+            <a:r>
+              <a:rPr lang="ko-KR" altLang="en-US" sz="1400" dirty="0">
+                <a:latin typeface="HY헤드라인M"/>
+                <a:ea typeface="HY헤드라인M"/>
+              </a:rPr>
+              <a:t>사용 경험</a:t>
             </a:r>
           </a:p>
         </p:txBody>
@@ -6716,7 +7466,7 @@
         <p:spPr>
           <a:xfrm>
             <a:off x="1347787" y="876597"/>
-            <a:ext cx="4118435" cy="707886"/>
+            <a:ext cx="3605474" cy="707886"/>
           </a:xfrm>
           <a:prstGeom prst="rect">
             <a:avLst/>
@@ -6737,7 +7487,7 @@
                 <a:latin typeface="HY헤드라인M"/>
                 <a:ea typeface="HY헤드라인M"/>
               </a:rPr>
-              <a:t>개인별 준비 현황</a:t>
+              <a:t>중점 연구 분야</a:t>
             </a:r>
           </a:p>
         </p:txBody>
@@ -6856,7 +7606,7 @@
                 <a:latin typeface="HY헤드라인M"/>
                 <a:ea typeface="HY헤드라인M"/>
               </a:rPr>
-              <a:t>15/18</a:t>
+              <a:t>16/18</a:t>
             </a:r>
             <a:endParaRPr lang="ko-KR" altLang="en-US" dirty="0">
               <a:latin typeface="HY헤드라인M"/>
@@ -6926,11 +7676,11 @@
               <a:defRPr/>
             </a:pPr>
             <a:r>
-              <a:rPr lang="ko-KR" altLang="en-US" sz="2000">
+              <a:rPr lang="ko-KR" altLang="en-US" sz="2000" dirty="0">
                 <a:latin typeface="HY견고딕"/>
                 <a:ea typeface="HY견고딕"/>
               </a:rPr>
-              <a:t>김하윤</a:t>
+              <a:t>이동규</a:t>
             </a:r>
           </a:p>
         </p:txBody>
@@ -6961,12 +7711,16 @@
               <a:defRPr/>
             </a:pPr>
             <a:r>
-              <a:rPr lang="ko-KR" altLang="en-US" sz="2000">
+              <a:rPr lang="ko-KR" altLang="en-US" sz="2000" dirty="0" err="1">
                 <a:latin typeface="HY견고딕"/>
                 <a:ea typeface="HY견고딕"/>
               </a:rPr>
-              <a:t>이동규</a:t>
-            </a:r>
+              <a:t>김하윤</a:t>
+            </a:r>
+            <a:endParaRPr lang="ko-KR" altLang="en-US" sz="2000" dirty="0">
+              <a:latin typeface="HY견고딕"/>
+              <a:ea typeface="HY견고딕"/>
+            </a:endParaRPr>
           </a:p>
         </p:txBody>
       </p:sp>
@@ -7157,14 +7911,14 @@
       </p:sp>
       <p:sp>
         <p:nvSpPr>
-          <p:cNvPr id="14" name="TextBox 13"/>
+          <p:cNvPr id="18" name="TextBox 17"/>
           <p:cNvSpPr txBox="1"/>
           <p:nvPr/>
         </p:nvSpPr>
         <p:spPr>
           <a:xfrm>
-            <a:off x="5193669" y="2803526"/>
-            <a:ext cx="1917512" cy="2677656"/>
+            <a:off x="7874018" y="2803526"/>
+            <a:ext cx="2425664" cy="1477328"/>
           </a:xfrm>
           <a:prstGeom prst="rect">
             <a:avLst/>
@@ -7181,191 +7935,61 @@
               <a:defRPr/>
             </a:pPr>
             <a:r>
-              <a:rPr lang="en-US" altLang="ko-KR" sz="1400" dirty="0">
-                <a:latin typeface="HY헤드라인M"/>
-                <a:ea typeface="HY헤드라인M"/>
-              </a:rPr>
-              <a:t>C/C++</a:t>
+              <a:rPr lang="en-US" altLang="ko-KR" dirty="0">
+                <a:latin typeface="HY견고딕"/>
+                <a:ea typeface="HY견고딕"/>
+              </a:rPr>
+              <a:t>IOCP </a:t>
+            </a:r>
+            <a:r>
+              <a:rPr lang="ko-KR" altLang="en-US" dirty="0">
+                <a:latin typeface="HY견고딕"/>
+                <a:ea typeface="HY견고딕"/>
+              </a:rPr>
+              <a:t>다중 접속 서버</a:t>
             </a:r>
           </a:p>
           <a:p>
             <a:pPr algn="ctr">
               <a:defRPr/>
             </a:pPr>
-            <a:r>
-              <a:rPr lang="en-US" altLang="ko-KR" sz="1400" dirty="0">
-                <a:latin typeface="HY헤드라인M"/>
-                <a:ea typeface="HY헤드라인M"/>
-              </a:rPr>
-              <a:t>WIN API</a:t>
-            </a:r>
+            <a:endParaRPr lang="en-US" altLang="ko-KR" dirty="0">
+              <a:latin typeface="HY견고딕"/>
+              <a:ea typeface="HY견고딕"/>
+            </a:endParaRPr>
           </a:p>
           <a:p>
             <a:pPr algn="ctr">
               <a:defRPr/>
             </a:pPr>
             <a:r>
-              <a:rPr lang="ko-KR" altLang="en-US" sz="1400" dirty="0">
-                <a:latin typeface="HY헤드라인M"/>
-                <a:ea typeface="HY헤드라인M"/>
-              </a:rPr>
-              <a:t>자료구조</a:t>
-            </a:r>
-            <a:r>
-              <a:rPr lang="en-US" altLang="ko-KR" sz="1400" dirty="0">
-                <a:latin typeface="HY헤드라인M"/>
-                <a:ea typeface="HY헤드라인M"/>
-              </a:rPr>
-              <a:t>/</a:t>
-            </a:r>
-            <a:r>
-              <a:rPr lang="ko-KR" altLang="en-US" sz="1400" dirty="0">
-                <a:latin typeface="HY헤드라인M"/>
-                <a:ea typeface="HY헤드라인M"/>
-              </a:rPr>
-              <a:t>알고리즘</a:t>
+              <a:rPr lang="ko-KR" altLang="en-US" dirty="0">
+                <a:latin typeface="HY견고딕"/>
+                <a:ea typeface="HY견고딕"/>
+              </a:rPr>
+              <a:t>서버 프레임워크</a:t>
             </a:r>
           </a:p>
           <a:p>
             <a:pPr algn="ctr">
               <a:defRPr/>
             </a:pPr>
-            <a:r>
-              <a:rPr lang="en-US" altLang="ko-KR" sz="1400" dirty="0">
-                <a:latin typeface="HY헤드라인M"/>
-                <a:ea typeface="HY헤드라인M"/>
-              </a:rPr>
-              <a:t>OpenGL</a:t>
-            </a:r>
+            <a:endParaRPr lang="ko-KR" altLang="en-US" dirty="0">
+              <a:latin typeface="HY견고딕"/>
+              <a:ea typeface="HY견고딕"/>
+            </a:endParaRPr>
           </a:p>
           <a:p>
             <a:pPr algn="ctr">
               <a:defRPr/>
             </a:pPr>
             <a:r>
-              <a:rPr lang="en-US" altLang="ko-KR" sz="1400" dirty="0">
-                <a:latin typeface="HY헤드라인M"/>
-                <a:ea typeface="HY헤드라인M"/>
-              </a:rPr>
-              <a:t>STL</a:t>
-            </a:r>
-          </a:p>
-          <a:p>
-            <a:pPr algn="ctr">
-              <a:defRPr/>
-            </a:pPr>
-            <a:r>
-              <a:rPr lang="en-US" altLang="ko-KR" sz="1400" dirty="0">
-                <a:latin typeface="HY헤드라인M"/>
-                <a:ea typeface="HY헤드라인M"/>
-              </a:rPr>
-              <a:t>DirectX 12</a:t>
-            </a:r>
-          </a:p>
-          <a:p>
-            <a:pPr algn="ctr">
-              <a:defRPr/>
-            </a:pPr>
-            <a:endParaRPr lang="en-US" altLang="ko-KR" sz="1400" dirty="0">
-              <a:latin typeface="HY헤드라인M"/>
-              <a:ea typeface="HY헤드라인M"/>
-            </a:endParaRPr>
-          </a:p>
-          <a:p>
-            <a:pPr algn="ctr">
-              <a:defRPr/>
-            </a:pPr>
-            <a:r>
-              <a:rPr lang="en-US" altLang="ko-KR" sz="1400" dirty="0">
-                <a:latin typeface="HY헤드라인M"/>
-                <a:ea typeface="HY헤드라인M"/>
-              </a:rPr>
-              <a:t>TCP/IP </a:t>
-            </a:r>
-            <a:r>
-              <a:rPr lang="ko-KR" altLang="en-US" sz="1400" dirty="0">
-                <a:latin typeface="HY헤드라인M"/>
-                <a:ea typeface="HY헤드라인M"/>
-              </a:rPr>
-              <a:t>사용 경험</a:t>
-            </a:r>
-            <a:endParaRPr lang="en-US" altLang="ko-KR" sz="1400" dirty="0">
-              <a:latin typeface="HY헤드라인M"/>
-              <a:ea typeface="HY헤드라인M"/>
-            </a:endParaRPr>
-          </a:p>
-          <a:p>
-            <a:pPr algn="ctr">
-              <a:defRPr/>
-            </a:pPr>
-            <a:r>
-              <a:rPr lang="en-US" altLang="ko-KR" sz="1400" dirty="0">
-                <a:latin typeface="HY헤드라인M"/>
-                <a:ea typeface="HY헤드라인M"/>
-              </a:rPr>
-              <a:t>DirectX 2D </a:t>
-            </a:r>
-            <a:r>
-              <a:rPr lang="ko-KR" altLang="en-US" sz="1400" dirty="0">
-                <a:latin typeface="HY헤드라인M"/>
-                <a:ea typeface="HY헤드라인M"/>
-              </a:rPr>
-              <a:t>제작 경험</a:t>
-            </a:r>
-          </a:p>
-          <a:p>
-            <a:pPr algn="ctr">
-              <a:defRPr/>
-            </a:pPr>
-            <a:r>
-              <a:rPr lang="en-US" altLang="ko-KR" sz="1400" dirty="0">
-                <a:latin typeface="HY헤드라인M"/>
-                <a:ea typeface="HY헤드라인M"/>
-              </a:rPr>
-              <a:t>DirectX12 </a:t>
-            </a:r>
-            <a:r>
-              <a:rPr lang="ko-KR" altLang="en-US" sz="1400" dirty="0" err="1">
-                <a:latin typeface="HY헤드라인M"/>
-                <a:ea typeface="HY헤드라인M"/>
-              </a:rPr>
-              <a:t>피킹</a:t>
-            </a:r>
-            <a:r>
-              <a:rPr lang="ko-KR" altLang="en-US" sz="1400" dirty="0">
-                <a:latin typeface="HY헤드라인M"/>
-                <a:ea typeface="HY헤드라인M"/>
-              </a:rPr>
-              <a:t> 구현</a:t>
-            </a:r>
-          </a:p>
-          <a:p>
-            <a:pPr algn="ctr">
-              <a:defRPr/>
-            </a:pPr>
-            <a:r>
-              <a:rPr lang="en-US" altLang="ko-KR" sz="1400" dirty="0">
-                <a:latin typeface="HY헤드라인M"/>
-                <a:ea typeface="HY헤드라인M"/>
-              </a:rPr>
-              <a:t>UNITY</a:t>
-            </a:r>
-            <a:r>
-              <a:rPr lang="ko-KR" altLang="en-US" sz="1400" dirty="0">
-                <a:latin typeface="HY헤드라인M"/>
-                <a:ea typeface="HY헤드라인M"/>
-              </a:rPr>
-              <a:t> 제작 경험</a:t>
-            </a:r>
-          </a:p>
-          <a:p>
-            <a:pPr algn="ctr">
-              <a:defRPr/>
-            </a:pPr>
-            <a:endParaRPr lang="en-US" altLang="ko-KR" sz="1400" dirty="0">
-              <a:latin typeface="HY헤드라인M"/>
-              <a:ea typeface="HY헤드라인M"/>
-            </a:endParaRPr>
+              <a:rPr lang="ko-KR" altLang="en-US" dirty="0">
+                <a:latin typeface="HY견고딕"/>
+                <a:ea typeface="HY견고딕"/>
+              </a:rPr>
+              <a:t>서버 최적화</a:t>
+            </a:r>
           </a:p>
         </p:txBody>
       </p:sp>
@@ -7427,7 +8051,7 @@
         </p:nvSpPr>
         <p:spPr>
           <a:xfrm>
-            <a:off x="7319044" y="2332539"/>
+            <a:off x="7206556" y="2330110"/>
             <a:ext cx="558443" cy="2913426"/>
           </a:xfrm>
           <a:prstGeom prst="rect">
@@ -7471,22 +8095,26 @@
       </p:sp>
       <p:sp>
         <p:nvSpPr>
-          <p:cNvPr id="21" name="TextBox 20"/>
+          <p:cNvPr id="19" name="TextBox 18"/>
           <p:cNvSpPr txBox="1"/>
           <p:nvPr/>
         </p:nvSpPr>
         <p:spPr>
           <a:xfrm>
-            <a:off x="7880983" y="2841217"/>
-            <a:ext cx="2278382" cy="2224178"/>
+            <a:off x="2157866" y="2543112"/>
+            <a:ext cx="5048690" cy="2585323"/>
           </a:xfrm>
           <a:prstGeom prst="rect">
             <a:avLst/>
           </a:prstGeom>
           <a:noFill/>
+          <a:ln w="12700">
+            <a:noFill/>
+            <a:prstDash val="sysDot"/>
+          </a:ln>
         </p:spPr>
         <p:txBody>
-          <a:bodyPr wrap="none">
+          <a:bodyPr wrap="square">
             <a:spAutoFit/>
           </a:bodyPr>
           <a:lstStyle/>
@@ -7495,85 +8123,136 @@
               <a:defRPr/>
             </a:pPr>
             <a:r>
-              <a:rPr lang="en-US" altLang="ko-KR" sz="1400">
-                <a:latin typeface="HY헤드라인M"/>
-                <a:ea typeface="HY헤드라인M"/>
-              </a:rPr>
-              <a:t>C/C++</a:t>
-            </a:r>
+              <a:rPr lang="ko-KR" altLang="en-US" dirty="0">
+                <a:latin typeface="HY견고딕"/>
+                <a:ea typeface="HY견고딕"/>
+              </a:rPr>
+              <a:t>클라이언트 프레임워크</a:t>
+            </a:r>
+            <a:endParaRPr lang="en-US" altLang="ko-KR" dirty="0">
+              <a:latin typeface="HY견고딕"/>
+              <a:ea typeface="HY견고딕"/>
+            </a:endParaRPr>
           </a:p>
           <a:p>
             <a:pPr algn="ctr">
               <a:defRPr/>
             </a:pPr>
-            <a:r>
-              <a:rPr lang="en-US" altLang="ko-KR" sz="1400">
-                <a:latin typeface="HY헤드라인M"/>
-                <a:ea typeface="HY헤드라인M"/>
-              </a:rPr>
-              <a:t>WIN API</a:t>
-            </a:r>
+            <a:endParaRPr lang="en-US" altLang="ko-KR" dirty="0">
+              <a:latin typeface="HY견고딕"/>
+              <a:ea typeface="HY견고딕"/>
+            </a:endParaRPr>
           </a:p>
           <a:p>
             <a:pPr algn="ctr">
               <a:defRPr/>
             </a:pPr>
             <a:r>
-              <a:rPr lang="ko-KR" altLang="en-US" sz="1400">
-                <a:latin typeface="HY헤드라인M"/>
-                <a:ea typeface="HY헤드라인M"/>
-              </a:rPr>
-              <a:t>자료구조</a:t>
-            </a:r>
-            <a:r>
-              <a:rPr lang="en-US" altLang="ko-KR" sz="1400">
-                <a:latin typeface="HY헤드라인M"/>
-                <a:ea typeface="HY헤드라인M"/>
-              </a:rPr>
-              <a:t>/</a:t>
-            </a:r>
-            <a:r>
-              <a:rPr lang="ko-KR" altLang="en-US" sz="1400">
-                <a:latin typeface="HY헤드라인M"/>
-                <a:ea typeface="HY헤드라인M"/>
-              </a:rPr>
-              <a:t>알고리즘</a:t>
+              <a:rPr lang="ko-KR" altLang="en-US" dirty="0">
+                <a:latin typeface="HY견고딕"/>
+                <a:ea typeface="HY견고딕"/>
+              </a:rPr>
+              <a:t>애니메이션</a:t>
             </a:r>
           </a:p>
           <a:p>
             <a:pPr algn="ctr">
               <a:defRPr/>
             </a:pPr>
-            <a:r>
-              <a:rPr lang="en-US" altLang="ko-KR" sz="1400">
-                <a:latin typeface="HY헤드라인M"/>
-                <a:ea typeface="HY헤드라인M"/>
-              </a:rPr>
-              <a:t>OpenGL</a:t>
-            </a:r>
+            <a:endParaRPr lang="en-US" altLang="ko-KR" dirty="0">
+              <a:latin typeface="HY견고딕"/>
+              <a:ea typeface="HY견고딕"/>
+            </a:endParaRPr>
           </a:p>
           <a:p>
             <a:pPr algn="ctr">
               <a:defRPr/>
             </a:pPr>
             <a:r>
-              <a:rPr lang="en-US" altLang="ko-KR" sz="1400">
-                <a:latin typeface="HY헤드라인M"/>
-                <a:ea typeface="HY헤드라인M"/>
-              </a:rPr>
-              <a:t>STL</a:t>
-            </a:r>
+              <a:rPr lang="ko-KR" altLang="en-US" dirty="0">
+                <a:latin typeface="HY견고딕"/>
+                <a:ea typeface="HY견고딕"/>
+              </a:rPr>
+              <a:t>그림자 </a:t>
+            </a:r>
+            <a:r>
+              <a:rPr lang="en-US" altLang="ko-KR" dirty="0">
+                <a:latin typeface="HY견고딕"/>
+                <a:ea typeface="HY견고딕"/>
+              </a:rPr>
+              <a:t>&amp; </a:t>
+            </a:r>
+            <a:r>
+              <a:rPr lang="ko-KR" altLang="en-US" dirty="0">
+                <a:latin typeface="HY견고딕"/>
+                <a:ea typeface="HY견고딕"/>
+              </a:rPr>
+              <a:t>조명 </a:t>
+            </a:r>
+            <a:endParaRPr lang="en-US" altLang="ko-KR" dirty="0">
+              <a:latin typeface="HY견고딕"/>
+              <a:ea typeface="HY견고딕"/>
+            </a:endParaRPr>
           </a:p>
           <a:p>
             <a:pPr algn="ctr">
               <a:defRPr/>
             </a:pPr>
             <a:r>
-              <a:rPr lang="en-US" altLang="ko-KR" sz="1400">
-                <a:latin typeface="HY헤드라인M"/>
-                <a:ea typeface="HY헤드라인M"/>
-              </a:rPr>
-              <a:t>IOCP</a:t>
+              <a:rPr lang="ko-KR" altLang="en-US" dirty="0" err="1">
+                <a:latin typeface="HY견고딕"/>
+                <a:ea typeface="HY견고딕"/>
+              </a:rPr>
+              <a:t>환경매핑</a:t>
+            </a:r>
+            <a:r>
+              <a:rPr lang="en-US" altLang="ko-KR" dirty="0">
+                <a:latin typeface="HY견고딕"/>
+                <a:ea typeface="HY견고딕"/>
+              </a:rPr>
+              <a:t>(</a:t>
+            </a:r>
+            <a:r>
+              <a:rPr lang="ko-KR" altLang="en-US" dirty="0">
+                <a:latin typeface="HY견고딕"/>
+                <a:ea typeface="HY견고딕"/>
+              </a:rPr>
+              <a:t>물</a:t>
+            </a:r>
+            <a:r>
+              <a:rPr lang="en-US" altLang="ko-KR" dirty="0">
+                <a:latin typeface="HY견고딕"/>
+                <a:ea typeface="HY견고딕"/>
+              </a:rPr>
+              <a:t>) / </a:t>
+            </a:r>
+            <a:r>
+              <a:rPr lang="ko-KR" altLang="en-US" dirty="0" err="1">
+                <a:latin typeface="HY견고딕"/>
+                <a:ea typeface="HY견고딕"/>
+              </a:rPr>
+              <a:t>범프매핑</a:t>
+            </a:r>
+            <a:r>
+              <a:rPr lang="en-US" altLang="ko-KR" dirty="0">
+                <a:latin typeface="HY견고딕"/>
+                <a:ea typeface="HY견고딕"/>
+              </a:rPr>
+              <a:t>(</a:t>
+            </a:r>
+            <a:r>
+              <a:rPr lang="ko-KR" altLang="en-US" dirty="0" err="1">
+                <a:latin typeface="HY견고딕"/>
+                <a:ea typeface="HY견고딕"/>
+              </a:rPr>
+              <a:t>노멀매핑</a:t>
+            </a:r>
+            <a:r>
+              <a:rPr lang="en-US" altLang="ko-KR" dirty="0">
+                <a:latin typeface="HY견고딕"/>
+                <a:ea typeface="HY견고딕"/>
+              </a:rPr>
+              <a:t>)</a:t>
             </a:r>
           </a:p>
           <a:p>
@@ -7581,20 +8260,48 @@
               <a:defRPr/>
             </a:pPr>
             <a:r>
-              <a:rPr lang="en-US" altLang="ko-KR" sz="1400">
-                <a:latin typeface="HY헤드라인M"/>
-                <a:ea typeface="HY헤드라인M"/>
-              </a:rPr>
-              <a:t>Multi-Core Programming</a:t>
+              <a:rPr lang="ko-KR" altLang="en-US" dirty="0" err="1">
+                <a:latin typeface="HY견고딕"/>
+                <a:ea typeface="HY견고딕"/>
+              </a:rPr>
+              <a:t>쉐이더</a:t>
+            </a:r>
+            <a:r>
+              <a:rPr lang="ko-KR" altLang="en-US" dirty="0">
+                <a:latin typeface="HY견고딕"/>
+                <a:ea typeface="HY견고딕"/>
+              </a:rPr>
+              <a:t> 프로그래밍 </a:t>
+            </a:r>
+            <a:r>
+              <a:rPr lang="en-US" altLang="ko-KR" dirty="0">
+                <a:latin typeface="HY견고딕"/>
+                <a:ea typeface="HY견고딕"/>
+              </a:rPr>
+              <a:t>( </a:t>
+            </a:r>
+            <a:r>
+              <a:rPr lang="ko-KR" altLang="en-US" dirty="0">
+                <a:latin typeface="HY견고딕"/>
+                <a:ea typeface="HY견고딕"/>
+              </a:rPr>
+              <a:t>날씨 </a:t>
+            </a:r>
+            <a:r>
+              <a:rPr lang="en-US" altLang="ko-KR" dirty="0">
+                <a:latin typeface="HY견고딕"/>
+                <a:ea typeface="HY견고딕"/>
+              </a:rPr>
+              <a:t>)</a:t>
             </a:r>
           </a:p>
           <a:p>
             <a:pPr algn="ctr">
               <a:defRPr/>
             </a:pPr>
-            <a:endParaRPr lang="en-US" altLang="ko-KR" sz="1400">
-              <a:latin typeface="HY헤드라인M"/>
-              <a:ea typeface="HY헤드라인M"/>
+            <a:endParaRPr lang="en-US" altLang="ko-KR" dirty="0">
+              <a:latin typeface="HY견고딕"/>
+              <a:ea typeface="HY견고딕"/>
             </a:endParaRPr>
           </a:p>
           <a:p>
@@ -7602,222 +8309,11 @@
               <a:defRPr/>
             </a:pPr>
             <a:r>
-              <a:rPr lang="en-US" altLang="ko-KR" sz="1400">
-                <a:latin typeface="HY헤드라인M"/>
-                <a:ea typeface="HY헤드라인M"/>
-              </a:rPr>
-              <a:t>IOCP Server</a:t>
-            </a:r>
-            <a:r>
-              <a:rPr lang="ko-KR" altLang="en-US" sz="1400">
-                <a:latin typeface="HY헤드라인M"/>
-                <a:ea typeface="HY헤드라인M"/>
-              </a:rPr>
-              <a:t> 제작 경험</a:t>
-            </a:r>
-          </a:p>
-          <a:p>
-            <a:pPr algn="ctr">
-              <a:defRPr/>
-            </a:pPr>
-            <a:r>
-              <a:rPr lang="en-US" altLang="ko-KR" sz="1400">
-                <a:latin typeface="HY헤드라인M"/>
-                <a:ea typeface="HY헤드라인M"/>
-              </a:rPr>
-              <a:t>UNITY</a:t>
-            </a:r>
-            <a:r>
-              <a:rPr lang="ko-KR" altLang="en-US" sz="1400">
-                <a:latin typeface="HY헤드라인M"/>
-                <a:ea typeface="HY헤드라인M"/>
-              </a:rPr>
-              <a:t> 제작 경험</a:t>
-            </a:r>
-          </a:p>
-        </p:txBody>
-      </p:sp>
-      <p:sp>
-        <p:nvSpPr>
-          <p:cNvPr id="19" name="TextBox 18">
-            <a:extLst>
-              <a:ext uri="{FF2B5EF4-FFF2-40B4-BE49-F238E27FC236}">
-                <a16:creationId xmlns:a16="http://schemas.microsoft.com/office/drawing/2014/main" id="{7BC4A763-8396-43A1-9B10-BA4FAFE695A2}"/>
-              </a:ext>
-            </a:extLst>
-          </p:cNvPr>
-          <p:cNvSpPr txBox="1"/>
-          <p:nvPr/>
-        </p:nvSpPr>
-        <p:spPr>
-          <a:xfrm>
-            <a:off x="2218782" y="2803526"/>
-            <a:ext cx="1986441" cy="2246769"/>
-          </a:xfrm>
-          <a:prstGeom prst="rect">
-            <a:avLst/>
-          </a:prstGeom>
-          <a:noFill/>
-        </p:spPr>
-        <p:txBody>
-          <a:bodyPr wrap="none">
-            <a:spAutoFit/>
-          </a:bodyPr>
-          <a:lstStyle/>
-          <a:p>
-            <a:pPr algn="ctr">
-              <a:defRPr/>
-            </a:pPr>
-            <a:r>
-              <a:rPr lang="en-US" altLang="ko-KR" sz="1400" dirty="0">
-                <a:latin typeface="HY헤드라인M"/>
-                <a:ea typeface="HY헤드라인M"/>
-              </a:rPr>
-              <a:t>C/C++</a:t>
-            </a:r>
-          </a:p>
-          <a:p>
-            <a:pPr algn="ctr">
-              <a:defRPr/>
-            </a:pPr>
-            <a:r>
-              <a:rPr lang="en-US" altLang="ko-KR" sz="1400" dirty="0">
-                <a:latin typeface="HY헤드라인M"/>
-                <a:ea typeface="HY헤드라인M"/>
-              </a:rPr>
-              <a:t>WIN API</a:t>
-            </a:r>
-          </a:p>
-          <a:p>
-            <a:pPr algn="ctr">
-              <a:defRPr/>
-            </a:pPr>
-            <a:r>
-              <a:rPr lang="ko-KR" altLang="en-US" sz="1400" dirty="0">
-                <a:latin typeface="HY헤드라인M"/>
-                <a:ea typeface="HY헤드라인M"/>
-              </a:rPr>
-              <a:t>자료구조</a:t>
-            </a:r>
-            <a:r>
-              <a:rPr lang="en-US" altLang="ko-KR" sz="1400" dirty="0">
-                <a:latin typeface="HY헤드라인M"/>
-                <a:ea typeface="HY헤드라인M"/>
-              </a:rPr>
-              <a:t>/</a:t>
-            </a:r>
-            <a:r>
-              <a:rPr lang="ko-KR" altLang="en-US" sz="1400" dirty="0">
-                <a:latin typeface="HY헤드라인M"/>
-                <a:ea typeface="HY헤드라인M"/>
-              </a:rPr>
-              <a:t>알고리즘</a:t>
-            </a:r>
-          </a:p>
-          <a:p>
-            <a:pPr algn="ctr">
-              <a:defRPr/>
-            </a:pPr>
-            <a:r>
-              <a:rPr lang="en-US" altLang="ko-KR" sz="1400" dirty="0">
-                <a:latin typeface="HY헤드라인M"/>
-                <a:ea typeface="HY헤드라인M"/>
-              </a:rPr>
-              <a:t>OpenGL</a:t>
-            </a:r>
-          </a:p>
-          <a:p>
-            <a:pPr algn="ctr">
-              <a:defRPr/>
-            </a:pPr>
-            <a:r>
-              <a:rPr lang="en-US" altLang="ko-KR" sz="1400" dirty="0">
-                <a:latin typeface="HY헤드라인M"/>
-                <a:ea typeface="HY헤드라인M"/>
-              </a:rPr>
-              <a:t>STL</a:t>
-            </a:r>
-          </a:p>
-          <a:p>
-            <a:pPr algn="ctr">
-              <a:defRPr/>
-            </a:pPr>
-            <a:endParaRPr lang="en-US" altLang="ko-KR" sz="1400" dirty="0">
-              <a:latin typeface="HY헤드라인M"/>
-              <a:ea typeface="HY헤드라인M"/>
-            </a:endParaRPr>
-          </a:p>
-          <a:p>
-            <a:pPr algn="ctr">
-              <a:defRPr/>
-            </a:pPr>
-            <a:r>
-              <a:rPr lang="en-US" altLang="ko-KR" sz="1400" dirty="0">
-                <a:latin typeface="HY헤드라인M"/>
-                <a:ea typeface="HY헤드라인M"/>
-              </a:rPr>
-              <a:t>DirectX 11</a:t>
-            </a:r>
-          </a:p>
-          <a:p>
-            <a:pPr algn="ctr">
-              <a:defRPr/>
-            </a:pPr>
-            <a:r>
-              <a:rPr lang="en-US" altLang="ko-KR" sz="1400" dirty="0">
-                <a:latin typeface="HY헤드라인M"/>
-                <a:ea typeface="HY헤드라인M"/>
-              </a:rPr>
-              <a:t>DirectX 2D </a:t>
-            </a:r>
-            <a:r>
-              <a:rPr lang="ko-KR" altLang="en-US" sz="1400" dirty="0">
-                <a:latin typeface="HY헤드라인M"/>
-                <a:ea typeface="HY헤드라인M"/>
-              </a:rPr>
-              <a:t>제작 경험</a:t>
-            </a:r>
-          </a:p>
-          <a:p>
-            <a:pPr algn="ctr">
-              <a:defRPr/>
-            </a:pPr>
-            <a:r>
-              <a:rPr lang="en-US" altLang="ko-KR" sz="1400" dirty="0">
-                <a:latin typeface="HY헤드라인M"/>
-                <a:ea typeface="HY헤드라인M"/>
-              </a:rPr>
-              <a:t>UNITY</a:t>
-            </a:r>
-            <a:r>
-              <a:rPr lang="ko-KR" altLang="en-US" sz="1400" dirty="0">
-                <a:latin typeface="HY헤드라인M"/>
-                <a:ea typeface="HY헤드라인M"/>
-              </a:rPr>
-              <a:t> 제작 경험</a:t>
-            </a:r>
-            <a:endParaRPr lang="en-US" altLang="ko-KR" sz="1400" dirty="0">
-              <a:latin typeface="HY헤드라인M"/>
-              <a:ea typeface="HY헤드라인M"/>
-            </a:endParaRPr>
-          </a:p>
-          <a:p>
-            <a:pPr algn="ctr">
-              <a:defRPr/>
-            </a:pPr>
-            <a:r>
-              <a:rPr lang="en-US" altLang="ko-KR" sz="1400" dirty="0">
-                <a:latin typeface="HY헤드라인M"/>
-                <a:ea typeface="HY헤드라인M"/>
-              </a:rPr>
-              <a:t>TCP/IP, IOCP </a:t>
-            </a:r>
-            <a:r>
-              <a:rPr lang="ko-KR" altLang="en-US" sz="1400" dirty="0">
-                <a:latin typeface="HY헤드라인M"/>
-                <a:ea typeface="HY헤드라인M"/>
-              </a:rPr>
-              <a:t>사용 경험</a:t>
+              <a:rPr lang="ko-KR" altLang="en-US" dirty="0">
+                <a:latin typeface="HY견고딕"/>
+                <a:ea typeface="HY견고딕"/>
+              </a:rPr>
+              <a:t>하우징 컨텐츠</a:t>
             </a:r>
           </a:p>
         </p:txBody>
@@ -7831,7 +8327,7 @@
     <mc:Choice Requires="p14">
       <p:transition/>
     </mc:Choice>
-    <mc:Fallback xmlns:dsp="http://schemas.microsoft.com/office/drawing/2008/diagram" xmlns:dgm="http://schemas.openxmlformats.org/drawingml/2006/diagram" xmlns:c="http://schemas.openxmlformats.org/drawingml/2006/chart" xmlns="">
+    <mc:Fallback xmlns="" xmlns:c="http://schemas.openxmlformats.org/drawingml/2006/chart" xmlns:dgm="http://schemas.openxmlformats.org/drawingml/2006/diagram" xmlns:dsp="http://schemas.microsoft.com/office/drawing/2008/diagram">
       <p:transition/>
     </mc:Fallback>
   </mc:AlternateContent>
@@ -7899,942 +8395,6 @@
         <p:spPr>
           <a:xfrm>
             <a:off x="1347787" y="876597"/>
-            <a:ext cx="3605474" cy="707886"/>
-          </a:xfrm>
-          <a:prstGeom prst="rect">
-            <a:avLst/>
-          </a:prstGeom>
-          <a:noFill/>
-        </p:spPr>
-        <p:txBody>
-          <a:bodyPr wrap="none">
-            <a:spAutoFit/>
-          </a:bodyPr>
-          <a:lstStyle/>
-          <a:p>
-            <a:pPr lvl="0">
-              <a:defRPr/>
-            </a:pPr>
-            <a:r>
-              <a:rPr lang="ko-KR" altLang="en-US" sz="4000">
-                <a:latin typeface="HY헤드라인M"/>
-                <a:ea typeface="HY헤드라인M"/>
-              </a:rPr>
-              <a:t>중점 연구 분야</a:t>
-            </a:r>
-          </a:p>
-        </p:txBody>
-      </p:sp>
-      <p:sp>
-        <p:nvSpPr>
-          <p:cNvPr id="4" name="TextBox 3"/>
-          <p:cNvSpPr txBox="1"/>
-          <p:nvPr/>
-        </p:nvSpPr>
-        <p:spPr>
-          <a:xfrm>
-            <a:off x="8671112" y="443788"/>
-            <a:ext cx="1922321" cy="523220"/>
-          </a:xfrm>
-          <a:prstGeom prst="rect">
-            <a:avLst/>
-          </a:prstGeom>
-          <a:noFill/>
-        </p:spPr>
-        <p:txBody>
-          <a:bodyPr wrap="none">
-            <a:spAutoFit/>
-          </a:bodyPr>
-          <a:lstStyle/>
-          <a:p>
-            <a:pPr lvl="0">
-              <a:defRPr/>
-            </a:pPr>
-            <a:r>
-              <a:rPr lang="en-US" altLang="ko-KR" sz="2800" dirty="0">
-                <a:latin typeface="HY헤드라인M"/>
-                <a:ea typeface="HY헤드라인M"/>
-              </a:rPr>
-              <a:t>The Island</a:t>
-            </a:r>
-            <a:endParaRPr lang="ko-KR" altLang="en-US" sz="2800" dirty="0">
-              <a:latin typeface="HY헤드라인M"/>
-              <a:ea typeface="HY헤드라인M"/>
-            </a:endParaRPr>
-          </a:p>
-        </p:txBody>
-      </p:sp>
-      <p:sp>
-        <p:nvSpPr>
-          <p:cNvPr id="5" name="TextBox 4"/>
-          <p:cNvSpPr txBox="1"/>
-          <p:nvPr/>
-        </p:nvSpPr>
-        <p:spPr>
-          <a:xfrm>
-            <a:off x="1347787" y="59067"/>
-            <a:ext cx="1382110" cy="769441"/>
-          </a:xfrm>
-          <a:prstGeom prst="rect">
-            <a:avLst/>
-          </a:prstGeom>
-          <a:noFill/>
-        </p:spPr>
-        <p:txBody>
-          <a:bodyPr wrap="none">
-            <a:spAutoFit/>
-          </a:bodyPr>
-          <a:lstStyle/>
-          <a:p>
-            <a:pPr lvl="0">
-              <a:defRPr/>
-            </a:pPr>
-            <a:r>
-              <a:rPr lang="en-US" altLang="ko-KR" sz="4400">
-                <a:solidFill>
-                  <a:schemeClr val="accent1"/>
-                </a:solidFill>
-                <a:latin typeface="HY헤드라인M"/>
-                <a:ea typeface="HY헤드라인M"/>
-              </a:rPr>
-              <a:t>HOW</a:t>
-            </a:r>
-            <a:endParaRPr lang="ko-KR" altLang="en-US" sz="4400">
-              <a:solidFill>
-                <a:schemeClr val="accent1"/>
-              </a:solidFill>
-              <a:latin typeface="HY헤드라인M"/>
-              <a:ea typeface="HY헤드라인M"/>
-            </a:endParaRPr>
-          </a:p>
-        </p:txBody>
-      </p:sp>
-      <p:sp>
-        <p:nvSpPr>
-          <p:cNvPr id="6" name="TextBox 5"/>
-          <p:cNvSpPr txBox="1"/>
-          <p:nvPr/>
-        </p:nvSpPr>
-        <p:spPr>
-          <a:xfrm>
-            <a:off x="10207499" y="6283173"/>
-            <a:ext cx="809837" cy="369332"/>
-          </a:xfrm>
-          <a:prstGeom prst="rect">
-            <a:avLst/>
-          </a:prstGeom>
-          <a:noFill/>
-        </p:spPr>
-        <p:txBody>
-          <a:bodyPr wrap="none">
-            <a:spAutoFit/>
-          </a:bodyPr>
-          <a:lstStyle/>
-          <a:p>
-            <a:pPr lvl="0">
-              <a:defRPr/>
-            </a:pPr>
-            <a:r>
-              <a:rPr lang="en-US" altLang="ko-KR" dirty="0">
-                <a:latin typeface="HY헤드라인M"/>
-                <a:ea typeface="HY헤드라인M"/>
-              </a:rPr>
-              <a:t>16/18</a:t>
-            </a:r>
-            <a:endParaRPr lang="ko-KR" altLang="en-US" dirty="0">
-              <a:latin typeface="HY헤드라인M"/>
-              <a:ea typeface="HY헤드라인M"/>
-            </a:endParaRPr>
-          </a:p>
-        </p:txBody>
-      </p:sp>
-      <p:cxnSp>
-        <p:nvCxnSpPr>
-          <p:cNvPr id="7" name="직선 연결선 6"/>
-          <p:cNvCxnSpPr/>
-          <p:nvPr/>
-        </p:nvCxnSpPr>
-        <p:spPr>
-          <a:xfrm>
-            <a:off x="1347787" y="6263528"/>
-            <a:ext cx="9496425" cy="19645"/>
-          </a:xfrm>
-          <a:prstGeom prst="line">
-            <a:avLst/>
-          </a:prstGeom>
-          <a:ln w="25400">
-            <a:solidFill>
-              <a:schemeClr val="tx1"/>
-            </a:solidFill>
-          </a:ln>
-        </p:spPr>
-        <p:style>
-          <a:lnRef idx="1">
-            <a:schemeClr val="accent1"/>
-          </a:lnRef>
-          <a:fillRef idx="0">
-            <a:schemeClr val="accent1"/>
-          </a:fillRef>
-          <a:effectRef idx="0">
-            <a:schemeClr val="accent1"/>
-          </a:effectRef>
-          <a:fontRef idx="minor">
-            <a:schemeClr val="tx1"/>
-          </a:fontRef>
-        </p:style>
-      </p:cxnSp>
-      <p:sp>
-        <p:nvSpPr>
-          <p:cNvPr id="8" name="TextBox 7"/>
-          <p:cNvSpPr txBox="1"/>
-          <p:nvPr/>
-        </p:nvSpPr>
-        <p:spPr>
-          <a:xfrm>
-            <a:off x="2729897" y="2143002"/>
-            <a:ext cx="954107" cy="400110"/>
-          </a:xfrm>
-          <a:prstGeom prst="rect">
-            <a:avLst/>
-          </a:prstGeom>
-          <a:noFill/>
-        </p:spPr>
-        <p:txBody>
-          <a:bodyPr wrap="none">
-            <a:spAutoFit/>
-          </a:bodyPr>
-          <a:lstStyle/>
-          <a:p>
-            <a:pPr algn="ctr">
-              <a:defRPr/>
-            </a:pPr>
-            <a:r>
-              <a:rPr lang="ko-KR" altLang="en-US" sz="2000" dirty="0">
-                <a:latin typeface="HY견고딕"/>
-                <a:ea typeface="HY견고딕"/>
-              </a:rPr>
-              <a:t>이동규</a:t>
-            </a:r>
-          </a:p>
-        </p:txBody>
-      </p:sp>
-      <p:sp>
-        <p:nvSpPr>
-          <p:cNvPr id="9" name="TextBox 8"/>
-          <p:cNvSpPr txBox="1"/>
-          <p:nvPr/>
-        </p:nvSpPr>
-        <p:spPr>
-          <a:xfrm>
-            <a:off x="5675370" y="2143002"/>
-            <a:ext cx="954107" cy="400110"/>
-          </a:xfrm>
-          <a:prstGeom prst="rect">
-            <a:avLst/>
-          </a:prstGeom>
-          <a:noFill/>
-        </p:spPr>
-        <p:txBody>
-          <a:bodyPr wrap="none">
-            <a:spAutoFit/>
-          </a:bodyPr>
-          <a:lstStyle/>
-          <a:p>
-            <a:pPr algn="ctr">
-              <a:defRPr/>
-            </a:pPr>
-            <a:r>
-              <a:rPr lang="ko-KR" altLang="en-US" sz="2000" dirty="0" err="1">
-                <a:latin typeface="HY견고딕"/>
-                <a:ea typeface="HY견고딕"/>
-              </a:rPr>
-              <a:t>김하윤</a:t>
-            </a:r>
-            <a:endParaRPr lang="ko-KR" altLang="en-US" sz="2000" dirty="0">
-              <a:latin typeface="HY견고딕"/>
-              <a:ea typeface="HY견고딕"/>
-            </a:endParaRPr>
-          </a:p>
-        </p:txBody>
-      </p:sp>
-      <p:sp>
-        <p:nvSpPr>
-          <p:cNvPr id="10" name="TextBox 9"/>
-          <p:cNvSpPr txBox="1"/>
-          <p:nvPr/>
-        </p:nvSpPr>
-        <p:spPr>
-          <a:xfrm>
-            <a:off x="8620843" y="2143002"/>
-            <a:ext cx="954107" cy="400110"/>
-          </a:xfrm>
-          <a:prstGeom prst="rect">
-            <a:avLst/>
-          </a:prstGeom>
-          <a:noFill/>
-        </p:spPr>
-        <p:txBody>
-          <a:bodyPr wrap="none">
-            <a:spAutoFit/>
-          </a:bodyPr>
-          <a:lstStyle/>
-          <a:p>
-            <a:pPr algn="ctr">
-              <a:defRPr/>
-            </a:pPr>
-            <a:r>
-              <a:rPr lang="ko-KR" altLang="en-US" sz="2000">
-                <a:latin typeface="HY견고딕"/>
-                <a:ea typeface="HY견고딕"/>
-              </a:rPr>
-              <a:t>이득유</a:t>
-            </a:r>
-          </a:p>
-        </p:txBody>
-      </p:sp>
-      <p:sp>
-        <p:nvSpPr>
-          <p:cNvPr id="15" name="사각형: 둥근 모서리 14"/>
-          <p:cNvSpPr/>
-          <p:nvPr/>
-        </p:nvSpPr>
-        <p:spPr>
-          <a:xfrm>
-            <a:off x="1736738" y="1882588"/>
-            <a:ext cx="2940423" cy="3830032"/>
-          </a:xfrm>
-          <a:prstGeom prst="roundRect">
-            <a:avLst>
-              <a:gd name="adj" fmla="val 16667"/>
-            </a:avLst>
-          </a:prstGeom>
-          <a:noFill/>
-          <a:ln w="25400" cmpd="sng">
-            <a:solidFill>
-              <a:schemeClr val="tx1"/>
-            </a:solidFill>
-          </a:ln>
-        </p:spPr>
-        <p:style>
-          <a:lnRef idx="2">
-            <a:schemeClr val="accent1">
-              <a:shade val="50000"/>
-            </a:schemeClr>
-          </a:lnRef>
-          <a:fillRef idx="1">
-            <a:schemeClr val="accent1"/>
-          </a:fillRef>
-          <a:effectRef idx="0">
-            <a:schemeClr val="accent1"/>
-          </a:effectRef>
-          <a:fontRef idx="minor">
-            <a:schemeClr val="lt1"/>
-          </a:fontRef>
-        </p:style>
-        <p:txBody>
-          <a:bodyPr anchor="ctr"/>
-          <a:lstStyle/>
-          <a:p>
-            <a:pPr algn="ctr">
-              <a:defRPr/>
-            </a:pPr>
-            <a:endParaRPr lang="ko-KR" altLang="en-US"/>
-          </a:p>
-        </p:txBody>
-      </p:sp>
-      <p:sp>
-        <p:nvSpPr>
-          <p:cNvPr id="16" name="사각형: 둥근 모서리 15"/>
-          <p:cNvSpPr/>
-          <p:nvPr/>
-        </p:nvSpPr>
-        <p:spPr>
-          <a:xfrm>
-            <a:off x="4682211" y="1882588"/>
-            <a:ext cx="2940423" cy="3830032"/>
-          </a:xfrm>
-          <a:prstGeom prst="roundRect">
-            <a:avLst>
-              <a:gd name="adj" fmla="val 16667"/>
-            </a:avLst>
-          </a:prstGeom>
-          <a:noFill/>
-          <a:ln w="25400" cmpd="sng">
-            <a:solidFill>
-              <a:schemeClr val="tx1"/>
-            </a:solidFill>
-          </a:ln>
-        </p:spPr>
-        <p:style>
-          <a:lnRef idx="2">
-            <a:schemeClr val="accent1">
-              <a:shade val="50000"/>
-            </a:schemeClr>
-          </a:lnRef>
-          <a:fillRef idx="1">
-            <a:schemeClr val="accent1"/>
-          </a:fillRef>
-          <a:effectRef idx="0">
-            <a:schemeClr val="accent1"/>
-          </a:effectRef>
-          <a:fontRef idx="minor">
-            <a:schemeClr val="lt1"/>
-          </a:fontRef>
-        </p:style>
-        <p:txBody>
-          <a:bodyPr anchor="ctr"/>
-          <a:lstStyle/>
-          <a:p>
-            <a:pPr algn="ctr">
-              <a:defRPr/>
-            </a:pPr>
-            <a:endParaRPr lang="ko-KR" altLang="en-US"/>
-          </a:p>
-        </p:txBody>
-      </p:sp>
-      <p:sp>
-        <p:nvSpPr>
-          <p:cNvPr id="17" name="사각형: 둥근 모서리 16"/>
-          <p:cNvSpPr/>
-          <p:nvPr/>
-        </p:nvSpPr>
-        <p:spPr>
-          <a:xfrm>
-            <a:off x="7627684" y="1882588"/>
-            <a:ext cx="2940423" cy="3830032"/>
-          </a:xfrm>
-          <a:prstGeom prst="roundRect">
-            <a:avLst>
-              <a:gd name="adj" fmla="val 16667"/>
-            </a:avLst>
-          </a:prstGeom>
-          <a:noFill/>
-          <a:ln w="25400" cmpd="sng">
-            <a:solidFill>
-              <a:schemeClr val="tx1"/>
-            </a:solidFill>
-          </a:ln>
-        </p:spPr>
-        <p:style>
-          <a:lnRef idx="2">
-            <a:schemeClr val="accent1">
-              <a:shade val="50000"/>
-            </a:schemeClr>
-          </a:lnRef>
-          <a:fillRef idx="1">
-            <a:schemeClr val="accent1"/>
-          </a:fillRef>
-          <a:effectRef idx="0">
-            <a:schemeClr val="accent1"/>
-          </a:effectRef>
-          <a:fontRef idx="minor">
-            <a:schemeClr val="lt1"/>
-          </a:fontRef>
-        </p:style>
-        <p:txBody>
-          <a:bodyPr anchor="ctr"/>
-          <a:lstStyle/>
-          <a:p>
-            <a:pPr algn="ctr">
-              <a:defRPr/>
-            </a:pPr>
-            <a:endParaRPr lang="ko-KR" altLang="en-US"/>
-          </a:p>
-        </p:txBody>
-      </p:sp>
-      <p:sp>
-        <p:nvSpPr>
-          <p:cNvPr id="18" name="TextBox 17"/>
-          <p:cNvSpPr txBox="1"/>
-          <p:nvPr/>
-        </p:nvSpPr>
-        <p:spPr>
-          <a:xfrm>
-            <a:off x="7874018" y="2803526"/>
-            <a:ext cx="2425664" cy="1477328"/>
-          </a:xfrm>
-          <a:prstGeom prst="rect">
-            <a:avLst/>
-          </a:prstGeom>
-          <a:noFill/>
-        </p:spPr>
-        <p:txBody>
-          <a:bodyPr wrap="none">
-            <a:spAutoFit/>
-          </a:bodyPr>
-          <a:lstStyle/>
-          <a:p>
-            <a:pPr algn="ctr">
-              <a:defRPr/>
-            </a:pPr>
-            <a:r>
-              <a:rPr lang="en-US" altLang="ko-KR" dirty="0">
-                <a:latin typeface="HY견고딕"/>
-                <a:ea typeface="HY견고딕"/>
-              </a:rPr>
-              <a:t>IOCP </a:t>
-            </a:r>
-            <a:r>
-              <a:rPr lang="ko-KR" altLang="en-US" dirty="0">
-                <a:latin typeface="HY견고딕"/>
-                <a:ea typeface="HY견고딕"/>
-              </a:rPr>
-              <a:t>다중 접속 서버</a:t>
-            </a:r>
-          </a:p>
-          <a:p>
-            <a:pPr algn="ctr">
-              <a:defRPr/>
-            </a:pPr>
-            <a:endParaRPr lang="en-US" altLang="ko-KR" dirty="0">
-              <a:latin typeface="HY견고딕"/>
-              <a:ea typeface="HY견고딕"/>
-            </a:endParaRPr>
-          </a:p>
-          <a:p>
-            <a:pPr algn="ctr">
-              <a:defRPr/>
-            </a:pPr>
-            <a:r>
-              <a:rPr lang="ko-KR" altLang="en-US" dirty="0">
-                <a:latin typeface="HY견고딕"/>
-                <a:ea typeface="HY견고딕"/>
-              </a:rPr>
-              <a:t>서버 프레임워크</a:t>
-            </a:r>
-          </a:p>
-          <a:p>
-            <a:pPr algn="ctr">
-              <a:defRPr/>
-            </a:pPr>
-            <a:endParaRPr lang="ko-KR" altLang="en-US" dirty="0">
-              <a:latin typeface="HY견고딕"/>
-              <a:ea typeface="HY견고딕"/>
-            </a:endParaRPr>
-          </a:p>
-          <a:p>
-            <a:pPr algn="ctr">
-              <a:defRPr/>
-            </a:pPr>
-            <a:r>
-              <a:rPr lang="ko-KR" altLang="en-US" dirty="0">
-                <a:latin typeface="HY견고딕"/>
-                <a:ea typeface="HY견고딕"/>
-              </a:rPr>
-              <a:t>서버 최적화</a:t>
-            </a:r>
-          </a:p>
-        </p:txBody>
-      </p:sp>
-      <p:sp>
-        <p:nvSpPr>
-          <p:cNvPr id="29" name="직사각형 28"/>
-          <p:cNvSpPr/>
-          <p:nvPr/>
-        </p:nvSpPr>
-        <p:spPr>
-          <a:xfrm>
-            <a:off x="4371046" y="2332541"/>
-            <a:ext cx="558443" cy="2913424"/>
-          </a:xfrm>
-          <a:prstGeom prst="rect">
-            <a:avLst/>
-          </a:prstGeom>
-          <a:solidFill>
-            <a:schemeClr val="bg1"/>
-          </a:solidFill>
-          <a:ln>
-            <a:solidFill>
-              <a:schemeClr val="bg1"/>
-            </a:solidFill>
-          </a:ln>
-        </p:spPr>
-        <p:style>
-          <a:lnRef idx="2">
-            <a:schemeClr val="accent1">
-              <a:shade val="50000"/>
-            </a:schemeClr>
-          </a:lnRef>
-          <a:fillRef idx="1">
-            <a:schemeClr val="accent1"/>
-          </a:fillRef>
-          <a:effectRef idx="0">
-            <a:schemeClr val="accent1"/>
-          </a:effectRef>
-          <a:fontRef idx="minor">
-            <a:schemeClr val="lt1"/>
-          </a:fontRef>
-        </p:style>
-        <p:txBody>
-          <a:bodyPr anchor="ctr"/>
-          <a:lstStyle/>
-          <a:p>
-            <a:pPr algn="ctr">
-              <a:defRPr/>
-            </a:pPr>
-            <a:endParaRPr lang="ko-KR" altLang="en-US"/>
-          </a:p>
-        </p:txBody>
-      </p:sp>
-      <p:sp>
-        <p:nvSpPr>
-          <p:cNvPr id="30" name="직사각형 29"/>
-          <p:cNvSpPr/>
-          <p:nvPr/>
-        </p:nvSpPr>
-        <p:spPr>
-          <a:xfrm>
-            <a:off x="7206556" y="2330110"/>
-            <a:ext cx="558443" cy="2913426"/>
-          </a:xfrm>
-          <a:prstGeom prst="rect">
-            <a:avLst/>
-          </a:prstGeom>
-          <a:solidFill>
-            <a:schemeClr val="bg1"/>
-          </a:solidFill>
-          <a:ln>
-            <a:solidFill>
-              <a:schemeClr val="bg1"/>
-            </a:solidFill>
-          </a:ln>
-        </p:spPr>
-        <p:style>
-          <a:lnRef idx="2">
-            <a:schemeClr val="accent1">
-              <a:shade val="50000"/>
-            </a:schemeClr>
-          </a:lnRef>
-          <a:fillRef idx="1">
-            <a:schemeClr val="accent1"/>
-          </a:fillRef>
-          <a:effectRef idx="0">
-            <a:schemeClr val="accent1"/>
-          </a:effectRef>
-          <a:fontRef idx="minor">
-            <a:schemeClr val="lt1"/>
-          </a:fontRef>
-        </p:style>
-        <p:txBody>
-          <a:bodyPr anchor="ctr"/>
-          <a:lstStyle/>
-          <a:p>
-            <a:pPr algn="ctr">
-              <a:defRPr/>
-            </a:pPr>
-            <a:endParaRPr lang="ko-KR" altLang="en-US"/>
-          </a:p>
-        </p:txBody>
-      </p:sp>
-      <p:sp>
-        <p:nvSpPr>
-          <p:cNvPr id="19" name="TextBox 18"/>
-          <p:cNvSpPr txBox="1"/>
-          <p:nvPr/>
-        </p:nvSpPr>
-        <p:spPr>
-          <a:xfrm>
-            <a:off x="2157866" y="2543112"/>
-            <a:ext cx="5048690" cy="2585323"/>
-          </a:xfrm>
-          <a:prstGeom prst="rect">
-            <a:avLst/>
-          </a:prstGeom>
-          <a:noFill/>
-          <a:ln w="12700">
-            <a:noFill/>
-            <a:prstDash val="sysDot"/>
-          </a:ln>
-        </p:spPr>
-        <p:txBody>
-          <a:bodyPr wrap="square">
-            <a:spAutoFit/>
-          </a:bodyPr>
-          <a:lstStyle/>
-          <a:p>
-            <a:pPr algn="ctr">
-              <a:defRPr/>
-            </a:pPr>
-            <a:r>
-              <a:rPr lang="ko-KR" altLang="en-US" dirty="0">
-                <a:latin typeface="HY견고딕"/>
-                <a:ea typeface="HY견고딕"/>
-              </a:rPr>
-              <a:t>클라이언트 프레임워크</a:t>
-            </a:r>
-            <a:endParaRPr lang="en-US" altLang="ko-KR" dirty="0">
-              <a:latin typeface="HY견고딕"/>
-              <a:ea typeface="HY견고딕"/>
-            </a:endParaRPr>
-          </a:p>
-          <a:p>
-            <a:pPr algn="ctr">
-              <a:defRPr/>
-            </a:pPr>
-            <a:endParaRPr lang="en-US" altLang="ko-KR" dirty="0">
-              <a:latin typeface="HY견고딕"/>
-              <a:ea typeface="HY견고딕"/>
-            </a:endParaRPr>
-          </a:p>
-          <a:p>
-            <a:pPr algn="ctr">
-              <a:defRPr/>
-            </a:pPr>
-            <a:r>
-              <a:rPr lang="ko-KR" altLang="en-US" dirty="0">
-                <a:latin typeface="HY견고딕"/>
-                <a:ea typeface="HY견고딕"/>
-              </a:rPr>
-              <a:t>애니메이션</a:t>
-            </a:r>
-          </a:p>
-          <a:p>
-            <a:pPr algn="ctr">
-              <a:defRPr/>
-            </a:pPr>
-            <a:endParaRPr lang="en-US" altLang="ko-KR" dirty="0">
-              <a:latin typeface="HY견고딕"/>
-              <a:ea typeface="HY견고딕"/>
-            </a:endParaRPr>
-          </a:p>
-          <a:p>
-            <a:pPr algn="ctr">
-              <a:defRPr/>
-            </a:pPr>
-            <a:r>
-              <a:rPr lang="ko-KR" altLang="en-US" dirty="0">
-                <a:latin typeface="HY견고딕"/>
-                <a:ea typeface="HY견고딕"/>
-              </a:rPr>
-              <a:t>그림자 </a:t>
-            </a:r>
-            <a:r>
-              <a:rPr lang="en-US" altLang="ko-KR" dirty="0">
-                <a:latin typeface="HY견고딕"/>
-                <a:ea typeface="HY견고딕"/>
-              </a:rPr>
-              <a:t>/ </a:t>
-            </a:r>
-            <a:r>
-              <a:rPr lang="ko-KR" altLang="en-US" dirty="0" err="1">
-                <a:latin typeface="HY견고딕"/>
-                <a:ea typeface="HY견고딕"/>
-              </a:rPr>
-              <a:t>데칼</a:t>
-            </a:r>
-            <a:r>
-              <a:rPr lang="ko-KR" altLang="en-US" dirty="0">
-                <a:latin typeface="HY견고딕"/>
-                <a:ea typeface="HY견고딕"/>
-              </a:rPr>
-              <a:t> 이미지</a:t>
-            </a:r>
-            <a:endParaRPr lang="en-US" altLang="ko-KR" dirty="0">
-              <a:latin typeface="HY견고딕"/>
-              <a:ea typeface="HY견고딕"/>
-            </a:endParaRPr>
-          </a:p>
-          <a:p>
-            <a:pPr algn="ctr">
-              <a:defRPr/>
-            </a:pPr>
-            <a:r>
-              <a:rPr lang="ko-KR" altLang="en-US" dirty="0" err="1">
-                <a:latin typeface="HY견고딕"/>
-                <a:ea typeface="HY견고딕"/>
-              </a:rPr>
-              <a:t>환경매핑</a:t>
-            </a:r>
-            <a:r>
-              <a:rPr lang="en-US" altLang="ko-KR" dirty="0">
-                <a:latin typeface="HY견고딕"/>
-                <a:ea typeface="HY견고딕"/>
-              </a:rPr>
-              <a:t>(</a:t>
-            </a:r>
-            <a:r>
-              <a:rPr lang="ko-KR" altLang="en-US" dirty="0">
-                <a:latin typeface="HY견고딕"/>
-                <a:ea typeface="HY견고딕"/>
-              </a:rPr>
-              <a:t>물</a:t>
-            </a:r>
-            <a:r>
-              <a:rPr lang="en-US" altLang="ko-KR" dirty="0">
-                <a:latin typeface="HY견고딕"/>
-                <a:ea typeface="HY견고딕"/>
-              </a:rPr>
-              <a:t>) / </a:t>
-            </a:r>
-            <a:r>
-              <a:rPr lang="ko-KR" altLang="en-US" dirty="0" err="1">
-                <a:latin typeface="HY견고딕"/>
-                <a:ea typeface="HY견고딕"/>
-              </a:rPr>
-              <a:t>범프매핑</a:t>
-            </a:r>
-            <a:r>
-              <a:rPr lang="en-US" altLang="ko-KR" dirty="0">
-                <a:latin typeface="HY견고딕"/>
-                <a:ea typeface="HY견고딕"/>
-              </a:rPr>
-              <a:t>(</a:t>
-            </a:r>
-            <a:r>
-              <a:rPr lang="ko-KR" altLang="en-US" dirty="0" err="1">
-                <a:latin typeface="HY견고딕"/>
-                <a:ea typeface="HY견고딕"/>
-              </a:rPr>
-              <a:t>노멀매핑</a:t>
-            </a:r>
-            <a:r>
-              <a:rPr lang="en-US" altLang="ko-KR" dirty="0">
-                <a:latin typeface="HY견고딕"/>
-                <a:ea typeface="HY견고딕"/>
-              </a:rPr>
-              <a:t>)</a:t>
-            </a:r>
-          </a:p>
-          <a:p>
-            <a:pPr algn="ctr">
-              <a:defRPr/>
-            </a:pPr>
-            <a:r>
-              <a:rPr lang="ko-KR" altLang="en-US" dirty="0" err="1">
-                <a:latin typeface="HY견고딕"/>
-                <a:ea typeface="HY견고딕"/>
-              </a:rPr>
-              <a:t>쉐이더</a:t>
-            </a:r>
-            <a:r>
-              <a:rPr lang="ko-KR" altLang="en-US" dirty="0">
-                <a:latin typeface="HY견고딕"/>
-                <a:ea typeface="HY견고딕"/>
-              </a:rPr>
-              <a:t> 프로그래밍 </a:t>
-            </a:r>
-            <a:r>
-              <a:rPr lang="en-US" altLang="ko-KR" dirty="0">
-                <a:latin typeface="HY견고딕"/>
-                <a:ea typeface="HY견고딕"/>
-              </a:rPr>
-              <a:t>( </a:t>
-            </a:r>
-            <a:r>
-              <a:rPr lang="ko-KR" altLang="en-US" dirty="0">
-                <a:latin typeface="HY견고딕"/>
-                <a:ea typeface="HY견고딕"/>
-              </a:rPr>
-              <a:t>날씨 </a:t>
-            </a:r>
-            <a:r>
-              <a:rPr lang="en-US" altLang="ko-KR" dirty="0">
-                <a:latin typeface="HY견고딕"/>
-                <a:ea typeface="HY견고딕"/>
-              </a:rPr>
-              <a:t>)</a:t>
-            </a:r>
-          </a:p>
-          <a:p>
-            <a:pPr algn="ctr">
-              <a:defRPr/>
-            </a:pPr>
-            <a:endParaRPr lang="en-US" altLang="ko-KR" dirty="0">
-              <a:latin typeface="HY견고딕"/>
-              <a:ea typeface="HY견고딕"/>
-            </a:endParaRPr>
-          </a:p>
-          <a:p>
-            <a:pPr algn="ctr">
-              <a:defRPr/>
-            </a:pPr>
-            <a:r>
-              <a:rPr lang="ko-KR" altLang="en-US" dirty="0">
-                <a:latin typeface="HY견고딕"/>
-                <a:ea typeface="HY견고딕"/>
-              </a:rPr>
-              <a:t>하우징 컨텐츠</a:t>
-            </a:r>
-          </a:p>
-        </p:txBody>
-      </p:sp>
-    </p:spTree>
-  </p:cSld>
-  <p:clrMapOvr>
-    <a:masterClrMapping/>
-  </p:clrMapOvr>
-  <mc:AlternateContent xmlns:mc="http://schemas.openxmlformats.org/markup-compatibility/2006" xmlns:p14="http://schemas.microsoft.com/office/powerpoint/2010/main">
-    <mc:Choice Requires="p14">
-      <p:transition/>
-    </mc:Choice>
-    <mc:Fallback xmlns:dsp="http://schemas.microsoft.com/office/drawing/2008/diagram" xmlns:dgm="http://schemas.openxmlformats.org/drawingml/2006/diagram" xmlns:c="http://schemas.openxmlformats.org/drawingml/2006/chart" xmlns="">
-      <p:transition/>
-    </mc:Fallback>
-  </mc:AlternateContent>
-</p:sld>
-</file>
-
-<file path=ppt/slides/slide17.xml><?xml version="1.0" encoding="utf-8"?>
-<p:sld xmlns:a="http://schemas.openxmlformats.org/drawingml/2006/main" xmlns:r="http://schemas.openxmlformats.org/officeDocument/2006/relationships" xmlns:p="http://schemas.openxmlformats.org/presentationml/2006/main">
-  <p:cSld>
-    <p:spTree>
-      <p:nvGrpSpPr>
-        <p:cNvPr id="1" name=""/>
-        <p:cNvGrpSpPr/>
-        <p:nvPr/>
-      </p:nvGrpSpPr>
-      <p:grpSpPr>
-        <a:xfrm>
-          <a:off x="0" y="0"/>
-          <a:ext cx="0" cy="0"/>
-          <a:chOff x="0" y="0"/>
-          <a:chExt cx="0" cy="0"/>
-        </a:xfrm>
-      </p:grpSpPr>
-      <p:cxnSp>
-        <p:nvCxnSpPr>
-          <p:cNvPr id="2" name="직선 연결선 1"/>
-          <p:cNvCxnSpPr/>
-          <p:nvPr/>
-        </p:nvCxnSpPr>
-        <p:spPr>
-          <a:xfrm>
-            <a:off x="1347787" y="866775"/>
-            <a:ext cx="9496425" cy="19645"/>
-          </a:xfrm>
-          <a:prstGeom prst="line">
-            <a:avLst/>
-          </a:prstGeom>
-          <a:ln w="25400">
-            <a:solidFill>
-              <a:schemeClr val="tx1"/>
-            </a:solidFill>
-          </a:ln>
-        </p:spPr>
-        <p:style>
-          <a:lnRef idx="1">
-            <a:schemeClr val="accent1"/>
-          </a:lnRef>
-          <a:fillRef idx="0">
-            <a:schemeClr val="accent1"/>
-          </a:fillRef>
-          <a:effectRef idx="0">
-            <a:schemeClr val="accent1"/>
-          </a:effectRef>
-          <a:fontRef idx="minor">
-            <a:schemeClr val="tx1"/>
-          </a:fontRef>
-        </p:style>
-      </p:cxnSp>
-      <p:sp>
-        <p:nvSpPr>
-          <p:cNvPr id="3" name="TextBox 2"/>
-          <p:cNvSpPr txBox="1"/>
-          <p:nvPr/>
-        </p:nvSpPr>
-        <p:spPr>
-          <a:xfrm>
-            <a:off x="1347787" y="876597"/>
             <a:ext cx="4118435" cy="707886"/>
           </a:xfrm>
           <a:prstGeom prst="rect">
@@ -9623,14 +9183,14 @@
     <mc:Choice Requires="p14">
       <p:transition/>
     </mc:Choice>
-    <mc:Fallback xmlns:dsp="http://schemas.microsoft.com/office/drawing/2008/diagram" xmlns:dgm="http://schemas.openxmlformats.org/drawingml/2006/diagram" xmlns:c="http://schemas.openxmlformats.org/drawingml/2006/chart" xmlns="">
+    <mc:Fallback xmlns="" xmlns:c="http://schemas.openxmlformats.org/drawingml/2006/chart" xmlns:dgm="http://schemas.openxmlformats.org/drawingml/2006/diagram" xmlns:dsp="http://schemas.microsoft.com/office/drawing/2008/diagram">
       <p:transition/>
     </mc:Fallback>
   </mc:AlternateContent>
 </p:sld>
 </file>
 
-<file path=ppt/slides/slide18.xml><?xml version="1.0" encoding="utf-8"?>
+<file path=ppt/slides/slide17.xml><?xml version="1.0" encoding="utf-8"?>
 <p:sld xmlns:a="http://schemas.openxmlformats.org/drawingml/2006/main" xmlns:r="http://schemas.openxmlformats.org/officeDocument/2006/relationships" xmlns:p="http://schemas.openxmlformats.org/presentationml/2006/main">
   <p:cSld>
     <p:spTree>
@@ -21158,6 +20718,212 @@
 </p:sld>
 </file>
 
+<file path=ppt/slides/slide18.xml><?xml version="1.0" encoding="utf-8"?>
+<p:sld xmlns:a="http://schemas.openxmlformats.org/drawingml/2006/main" xmlns:r="http://schemas.openxmlformats.org/officeDocument/2006/relationships" xmlns:p="http://schemas.openxmlformats.org/presentationml/2006/main">
+  <p:cSld>
+    <p:spTree>
+      <p:nvGrpSpPr>
+        <p:cNvPr id="1" name=""/>
+        <p:cNvGrpSpPr/>
+        <p:nvPr/>
+      </p:nvGrpSpPr>
+      <p:grpSpPr>
+        <a:xfrm>
+          <a:off x="0" y="0"/>
+          <a:ext cx="0" cy="0"/>
+          <a:chOff x="0" y="0"/>
+          <a:chExt cx="0" cy="0"/>
+        </a:xfrm>
+      </p:grpSpPr>
+      <p:cxnSp>
+        <p:nvCxnSpPr>
+          <p:cNvPr id="2" name="직선 연결선 1">
+            <a:extLst>
+              <a:ext uri="{FF2B5EF4-FFF2-40B4-BE49-F238E27FC236}">
+                <a16:creationId xmlns:a16="http://schemas.microsoft.com/office/drawing/2014/main" id="{F489D314-C637-4E9E-947D-448763FA3CE1}"/>
+              </a:ext>
+            </a:extLst>
+          </p:cNvPr>
+          <p:cNvCxnSpPr>
+            <a:cxnSpLocks/>
+          </p:cNvCxnSpPr>
+          <p:nvPr/>
+        </p:nvCxnSpPr>
+        <p:spPr>
+          <a:xfrm>
+            <a:off x="1347787" y="2903804"/>
+            <a:ext cx="9496425" cy="19645"/>
+          </a:xfrm>
+          <a:prstGeom prst="line">
+            <a:avLst/>
+          </a:prstGeom>
+          <a:ln w="25400">
+            <a:solidFill>
+              <a:schemeClr val="tx1"/>
+            </a:solidFill>
+          </a:ln>
+        </p:spPr>
+        <p:style>
+          <a:lnRef idx="1">
+            <a:schemeClr val="accent1"/>
+          </a:lnRef>
+          <a:fillRef idx="0">
+            <a:schemeClr val="accent1"/>
+          </a:fillRef>
+          <a:effectRef idx="0">
+            <a:schemeClr val="accent1"/>
+          </a:effectRef>
+          <a:fontRef idx="minor">
+            <a:schemeClr val="tx1"/>
+          </a:fontRef>
+        </p:style>
+      </p:cxnSp>
+      <p:sp>
+        <p:nvSpPr>
+          <p:cNvPr id="4" name="TextBox 3">
+            <a:extLst>
+              <a:ext uri="{FF2B5EF4-FFF2-40B4-BE49-F238E27FC236}">
+                <a16:creationId xmlns:a16="http://schemas.microsoft.com/office/drawing/2014/main" id="{BF07602F-6AE9-44B4-BE0F-55FE2EDFDD1C}"/>
+              </a:ext>
+            </a:extLst>
+          </p:cNvPr>
+          <p:cNvSpPr txBox="1"/>
+          <p:nvPr/>
+        </p:nvSpPr>
+        <p:spPr>
+          <a:xfrm>
+            <a:off x="8671112" y="2480817"/>
+            <a:ext cx="1960793" cy="523220"/>
+          </a:xfrm>
+          <a:prstGeom prst="rect">
+            <a:avLst/>
+          </a:prstGeom>
+          <a:noFill/>
+        </p:spPr>
+        <p:txBody>
+          <a:bodyPr wrap="none" rtlCol="0">
+            <a:spAutoFit/>
+          </a:bodyPr>
+          <a:lstStyle/>
+          <a:p>
+            <a:r>
+              <a:rPr lang="en-US" altLang="ko-KR" sz="2800" dirty="0">
+                <a:latin typeface="HY헤드라인M" panose="02030600000101010101" pitchFamily="18" charset="-127"/>
+                <a:ea typeface="HY헤드라인M" panose="02030600000101010101" pitchFamily="18" charset="-127"/>
+              </a:rPr>
+              <a:t>The Island</a:t>
+            </a:r>
+            <a:endParaRPr lang="ko-KR" altLang="en-US" sz="2800" dirty="0">
+              <a:latin typeface="HY헤드라인M" panose="02030600000101010101" pitchFamily="18" charset="-127"/>
+              <a:ea typeface="HY헤드라인M" panose="02030600000101010101" pitchFamily="18" charset="-127"/>
+            </a:endParaRPr>
+          </a:p>
+        </p:txBody>
+      </p:sp>
+      <p:sp>
+        <p:nvSpPr>
+          <p:cNvPr id="5" name="TextBox 4">
+            <a:extLst>
+              <a:ext uri="{FF2B5EF4-FFF2-40B4-BE49-F238E27FC236}">
+                <a16:creationId xmlns:a16="http://schemas.microsoft.com/office/drawing/2014/main" id="{8B8A36FB-13F6-49E8-A86D-6CF420F297BC}"/>
+              </a:ext>
+            </a:extLst>
+          </p:cNvPr>
+          <p:cNvSpPr txBox="1"/>
+          <p:nvPr/>
+        </p:nvSpPr>
+        <p:spPr>
+          <a:xfrm>
+            <a:off x="5311169" y="2903804"/>
+            <a:ext cx="1569660" cy="769441"/>
+          </a:xfrm>
+          <a:prstGeom prst="rect">
+            <a:avLst/>
+          </a:prstGeom>
+          <a:noFill/>
+        </p:spPr>
+        <p:txBody>
+          <a:bodyPr wrap="none" rtlCol="0">
+            <a:spAutoFit/>
+          </a:bodyPr>
+          <a:lstStyle/>
+          <a:p>
+            <a:r>
+              <a:rPr lang="en-US" altLang="ko-KR" sz="4400" dirty="0">
+                <a:solidFill>
+                  <a:schemeClr val="accent1"/>
+                </a:solidFill>
+                <a:latin typeface="HY헤드라인M" panose="02030600000101010101" pitchFamily="18" charset="-127"/>
+                <a:ea typeface="HY헤드라인M" panose="02030600000101010101" pitchFamily="18" charset="-127"/>
+              </a:rPr>
+              <a:t>Q &amp; A</a:t>
+            </a:r>
+            <a:endParaRPr lang="ko-KR" altLang="en-US" sz="4400" dirty="0">
+              <a:solidFill>
+                <a:schemeClr val="accent1"/>
+              </a:solidFill>
+              <a:latin typeface="HY헤드라인M" panose="02030600000101010101" pitchFamily="18" charset="-127"/>
+              <a:ea typeface="HY헤드라인M" panose="02030600000101010101" pitchFamily="18" charset="-127"/>
+            </a:endParaRPr>
+          </a:p>
+        </p:txBody>
+      </p:sp>
+      <p:cxnSp>
+        <p:nvCxnSpPr>
+          <p:cNvPr id="7" name="직선 연결선 6">
+            <a:extLst>
+              <a:ext uri="{FF2B5EF4-FFF2-40B4-BE49-F238E27FC236}">
+                <a16:creationId xmlns:a16="http://schemas.microsoft.com/office/drawing/2014/main" id="{1213C020-10BD-47FA-8004-EF392DA9F117}"/>
+              </a:ext>
+            </a:extLst>
+          </p:cNvPr>
+          <p:cNvCxnSpPr>
+            <a:cxnSpLocks/>
+          </p:cNvCxnSpPr>
+          <p:nvPr/>
+        </p:nvCxnSpPr>
+        <p:spPr>
+          <a:xfrm>
+            <a:off x="1347787" y="3737611"/>
+            <a:ext cx="9496425" cy="19645"/>
+          </a:xfrm>
+          <a:prstGeom prst="line">
+            <a:avLst/>
+          </a:prstGeom>
+          <a:ln w="25400">
+            <a:solidFill>
+              <a:schemeClr val="tx1"/>
+            </a:solidFill>
+          </a:ln>
+        </p:spPr>
+        <p:style>
+          <a:lnRef idx="1">
+            <a:schemeClr val="accent1"/>
+          </a:lnRef>
+          <a:fillRef idx="0">
+            <a:schemeClr val="accent1"/>
+          </a:fillRef>
+          <a:effectRef idx="0">
+            <a:schemeClr val="accent1"/>
+          </a:effectRef>
+          <a:fontRef idx="minor">
+            <a:schemeClr val="tx1"/>
+          </a:fontRef>
+        </p:style>
+      </p:cxnSp>
+    </p:spTree>
+    <p:extLst>
+      <p:ext uri="{BB962C8B-B14F-4D97-AF65-F5344CB8AC3E}">
+        <p14:creationId xmlns:p14="http://schemas.microsoft.com/office/powerpoint/2010/main" val="2396139971"/>
+      </p:ext>
+    </p:extLst>
+  </p:cSld>
+  <p:clrMapOvr>
+    <a:masterClrMapping/>
+  </p:clrMapOvr>
+</p:sld>
+</file>
+
 <file path=ppt/slides/slide19.xml><?xml version="1.0" encoding="utf-8"?>
 <p:sld xmlns:a="http://schemas.openxmlformats.org/drawingml/2006/main" xmlns:r="http://schemas.openxmlformats.org/officeDocument/2006/relationships" xmlns:p="http://schemas.openxmlformats.org/presentationml/2006/main">
   <p:cSld>
@@ -21274,8 +21040,8 @@
         </p:nvSpPr>
         <p:spPr>
           <a:xfrm>
-            <a:off x="5311169" y="2903804"/>
-            <a:ext cx="1569660" cy="769441"/>
+            <a:off x="4442341" y="2903804"/>
+            <a:ext cx="3307316" cy="769441"/>
           </a:xfrm>
           <a:prstGeom prst="rect">
             <a:avLst/>
@@ -21296,7 +21062,7 @@
                 <a:latin typeface="HY헤드라인M" panose="02030600000101010101" pitchFamily="18" charset="-127"/>
                 <a:ea typeface="HY헤드라인M" panose="02030600000101010101" pitchFamily="18" charset="-127"/>
               </a:rPr>
-              <a:t>Q &amp; A</a:t>
+              <a:t>THANKS YOU</a:t>
             </a:r>
             <a:endParaRPr lang="ko-KR" altLang="en-US" sz="4400" dirty="0">
               <a:solidFill>
@@ -21354,7 +21120,7 @@
     </p:spTree>
     <p:extLst>
       <p:ext uri="{BB962C8B-B14F-4D97-AF65-F5344CB8AC3E}">
-        <p14:creationId xmlns:p14="http://schemas.microsoft.com/office/powerpoint/2010/main" val="2396139971"/>
+        <p14:creationId xmlns:p14="http://schemas.microsoft.com/office/powerpoint/2010/main" val="130463107"/>
       </p:ext>
     </p:extLst>
   </p:cSld>
@@ -22365,212 +22131,6 @@
     <p:extLst>
       <p:ext uri="{BB962C8B-B14F-4D97-AF65-F5344CB8AC3E}">
         <p14:creationId xmlns:p14="http://schemas.microsoft.com/office/powerpoint/2010/main" val="1328715291"/>
-      </p:ext>
-    </p:extLst>
-  </p:cSld>
-  <p:clrMapOvr>
-    <a:masterClrMapping/>
-  </p:clrMapOvr>
-</p:sld>
-</file>
-
-<file path=ppt/slides/slide20.xml><?xml version="1.0" encoding="utf-8"?>
-<p:sld xmlns:a="http://schemas.openxmlformats.org/drawingml/2006/main" xmlns:r="http://schemas.openxmlformats.org/officeDocument/2006/relationships" xmlns:p="http://schemas.openxmlformats.org/presentationml/2006/main">
-  <p:cSld>
-    <p:spTree>
-      <p:nvGrpSpPr>
-        <p:cNvPr id="1" name=""/>
-        <p:cNvGrpSpPr/>
-        <p:nvPr/>
-      </p:nvGrpSpPr>
-      <p:grpSpPr>
-        <a:xfrm>
-          <a:off x="0" y="0"/>
-          <a:ext cx="0" cy="0"/>
-          <a:chOff x="0" y="0"/>
-          <a:chExt cx="0" cy="0"/>
-        </a:xfrm>
-      </p:grpSpPr>
-      <p:cxnSp>
-        <p:nvCxnSpPr>
-          <p:cNvPr id="2" name="직선 연결선 1">
-            <a:extLst>
-              <a:ext uri="{FF2B5EF4-FFF2-40B4-BE49-F238E27FC236}">
-                <a16:creationId xmlns:a16="http://schemas.microsoft.com/office/drawing/2014/main" id="{F489D314-C637-4E9E-947D-448763FA3CE1}"/>
-              </a:ext>
-            </a:extLst>
-          </p:cNvPr>
-          <p:cNvCxnSpPr>
-            <a:cxnSpLocks/>
-          </p:cNvCxnSpPr>
-          <p:nvPr/>
-        </p:nvCxnSpPr>
-        <p:spPr>
-          <a:xfrm>
-            <a:off x="1347787" y="2903804"/>
-            <a:ext cx="9496425" cy="19645"/>
-          </a:xfrm>
-          <a:prstGeom prst="line">
-            <a:avLst/>
-          </a:prstGeom>
-          <a:ln w="25400">
-            <a:solidFill>
-              <a:schemeClr val="tx1"/>
-            </a:solidFill>
-          </a:ln>
-        </p:spPr>
-        <p:style>
-          <a:lnRef idx="1">
-            <a:schemeClr val="accent1"/>
-          </a:lnRef>
-          <a:fillRef idx="0">
-            <a:schemeClr val="accent1"/>
-          </a:fillRef>
-          <a:effectRef idx="0">
-            <a:schemeClr val="accent1"/>
-          </a:effectRef>
-          <a:fontRef idx="minor">
-            <a:schemeClr val="tx1"/>
-          </a:fontRef>
-        </p:style>
-      </p:cxnSp>
-      <p:sp>
-        <p:nvSpPr>
-          <p:cNvPr id="4" name="TextBox 3">
-            <a:extLst>
-              <a:ext uri="{FF2B5EF4-FFF2-40B4-BE49-F238E27FC236}">
-                <a16:creationId xmlns:a16="http://schemas.microsoft.com/office/drawing/2014/main" id="{BF07602F-6AE9-44B4-BE0F-55FE2EDFDD1C}"/>
-              </a:ext>
-            </a:extLst>
-          </p:cNvPr>
-          <p:cNvSpPr txBox="1"/>
-          <p:nvPr/>
-        </p:nvSpPr>
-        <p:spPr>
-          <a:xfrm>
-            <a:off x="8671112" y="2480817"/>
-            <a:ext cx="1960793" cy="523220"/>
-          </a:xfrm>
-          <a:prstGeom prst="rect">
-            <a:avLst/>
-          </a:prstGeom>
-          <a:noFill/>
-        </p:spPr>
-        <p:txBody>
-          <a:bodyPr wrap="none" rtlCol="0">
-            <a:spAutoFit/>
-          </a:bodyPr>
-          <a:lstStyle/>
-          <a:p>
-            <a:r>
-              <a:rPr lang="en-US" altLang="ko-KR" sz="2800" dirty="0">
-                <a:latin typeface="HY헤드라인M" panose="02030600000101010101" pitchFamily="18" charset="-127"/>
-                <a:ea typeface="HY헤드라인M" panose="02030600000101010101" pitchFamily="18" charset="-127"/>
-              </a:rPr>
-              <a:t>The Island</a:t>
-            </a:r>
-            <a:endParaRPr lang="ko-KR" altLang="en-US" sz="2800" dirty="0">
-              <a:latin typeface="HY헤드라인M" panose="02030600000101010101" pitchFamily="18" charset="-127"/>
-              <a:ea typeface="HY헤드라인M" panose="02030600000101010101" pitchFamily="18" charset="-127"/>
-            </a:endParaRPr>
-          </a:p>
-        </p:txBody>
-      </p:sp>
-      <p:sp>
-        <p:nvSpPr>
-          <p:cNvPr id="5" name="TextBox 4">
-            <a:extLst>
-              <a:ext uri="{FF2B5EF4-FFF2-40B4-BE49-F238E27FC236}">
-                <a16:creationId xmlns:a16="http://schemas.microsoft.com/office/drawing/2014/main" id="{8B8A36FB-13F6-49E8-A86D-6CF420F297BC}"/>
-              </a:ext>
-            </a:extLst>
-          </p:cNvPr>
-          <p:cNvSpPr txBox="1"/>
-          <p:nvPr/>
-        </p:nvSpPr>
-        <p:spPr>
-          <a:xfrm>
-            <a:off x="4442341" y="2903804"/>
-            <a:ext cx="3307316" cy="769441"/>
-          </a:xfrm>
-          <a:prstGeom prst="rect">
-            <a:avLst/>
-          </a:prstGeom>
-          <a:noFill/>
-        </p:spPr>
-        <p:txBody>
-          <a:bodyPr wrap="none" rtlCol="0">
-            <a:spAutoFit/>
-          </a:bodyPr>
-          <a:lstStyle/>
-          <a:p>
-            <a:r>
-              <a:rPr lang="en-US" altLang="ko-KR" sz="4400" dirty="0">
-                <a:solidFill>
-                  <a:schemeClr val="accent1"/>
-                </a:solidFill>
-                <a:latin typeface="HY헤드라인M" panose="02030600000101010101" pitchFamily="18" charset="-127"/>
-                <a:ea typeface="HY헤드라인M" panose="02030600000101010101" pitchFamily="18" charset="-127"/>
-              </a:rPr>
-              <a:t>THANKS YOU</a:t>
-            </a:r>
-            <a:endParaRPr lang="ko-KR" altLang="en-US" sz="4400" dirty="0">
-              <a:solidFill>
-                <a:schemeClr val="accent1"/>
-              </a:solidFill>
-              <a:latin typeface="HY헤드라인M" panose="02030600000101010101" pitchFamily="18" charset="-127"/>
-              <a:ea typeface="HY헤드라인M" panose="02030600000101010101" pitchFamily="18" charset="-127"/>
-            </a:endParaRPr>
-          </a:p>
-        </p:txBody>
-      </p:sp>
-      <p:cxnSp>
-        <p:nvCxnSpPr>
-          <p:cNvPr id="7" name="직선 연결선 6">
-            <a:extLst>
-              <a:ext uri="{FF2B5EF4-FFF2-40B4-BE49-F238E27FC236}">
-                <a16:creationId xmlns:a16="http://schemas.microsoft.com/office/drawing/2014/main" id="{1213C020-10BD-47FA-8004-EF392DA9F117}"/>
-              </a:ext>
-            </a:extLst>
-          </p:cNvPr>
-          <p:cNvCxnSpPr>
-            <a:cxnSpLocks/>
-          </p:cNvCxnSpPr>
-          <p:nvPr/>
-        </p:nvCxnSpPr>
-        <p:spPr>
-          <a:xfrm>
-            <a:off x="1347787" y="3737611"/>
-            <a:ext cx="9496425" cy="19645"/>
-          </a:xfrm>
-          <a:prstGeom prst="line">
-            <a:avLst/>
-          </a:prstGeom>
-          <a:ln w="25400">
-            <a:solidFill>
-              <a:schemeClr val="tx1"/>
-            </a:solidFill>
-          </a:ln>
-        </p:spPr>
-        <p:style>
-          <a:lnRef idx="1">
-            <a:schemeClr val="accent1"/>
-          </a:lnRef>
-          <a:fillRef idx="0">
-            <a:schemeClr val="accent1"/>
-          </a:fillRef>
-          <a:effectRef idx="0">
-            <a:schemeClr val="accent1"/>
-          </a:effectRef>
-          <a:fontRef idx="minor">
-            <a:schemeClr val="tx1"/>
-          </a:fontRef>
-        </p:style>
-      </p:cxnSp>
-    </p:spTree>
-    <p:extLst>
-      <p:ext uri="{BB962C8B-B14F-4D97-AF65-F5344CB8AC3E}">
-        <p14:creationId xmlns:p14="http://schemas.microsoft.com/office/powerpoint/2010/main" val="130463107"/>
       </p:ext>
     </p:extLst>
   </p:cSld>

--- a/문서/졸업작품 게임 기획서 초안 (김하윤 이동규 이득유).pptx
+++ b/문서/졸업작품 게임 기획서 초안 (김하윤 이동규 이득유).pptx
@@ -4702,7 +4702,7 @@
                 <a:latin typeface="HY헤드라인M" panose="02030600000101010101" pitchFamily="18" charset="-127"/>
                 <a:ea typeface="HY헤드라인M" panose="02030600000101010101" pitchFamily="18" charset="-127"/>
               </a:rPr>
-              <a:t>12/18</a:t>
+              <a:t>11/18</a:t>
             </a:r>
             <a:endParaRPr lang="ko-KR" altLang="en-US" dirty="0">
               <a:latin typeface="HY헤드라인M" panose="02030600000101010101" pitchFamily="18" charset="-127"/>
@@ -5854,7 +5854,7 @@
                 <a:latin typeface="HY헤드라인M"/>
                 <a:ea typeface="HY헤드라인M"/>
               </a:rPr>
-              <a:t>14/18</a:t>
+              <a:t>13/18</a:t>
             </a:r>
             <a:endParaRPr lang="ko-KR" altLang="en-US" dirty="0">
               <a:latin typeface="HY헤드라인M"/>
@@ -6215,7 +6215,7 @@
     <mc:Choice Requires="p14">
       <p:transition/>
     </mc:Choice>
-    <mc:Fallback xmlns:dsp="http://schemas.microsoft.com/office/drawing/2008/diagram" xmlns:dgm="http://schemas.openxmlformats.org/drawingml/2006/diagram" xmlns:c="http://schemas.openxmlformats.org/drawingml/2006/chart" xmlns="">
+    <mc:Fallback xmlns="" xmlns:c="http://schemas.openxmlformats.org/drawingml/2006/chart" xmlns:dgm="http://schemas.openxmlformats.org/drawingml/2006/diagram" xmlns:dsp="http://schemas.microsoft.com/office/drawing/2008/diagram">
       <p:transition/>
     </mc:Fallback>
   </mc:AlternateContent>
@@ -6423,7 +6423,7 @@
                 <a:latin typeface="HY헤드라인M"/>
                 <a:ea typeface="HY헤드라인M"/>
               </a:rPr>
-              <a:t>15/18</a:t>
+              <a:t>14/18</a:t>
             </a:r>
             <a:endParaRPr lang="ko-KR" altLang="en-US" dirty="0">
               <a:latin typeface="HY헤드라인M"/>
@@ -7398,7 +7398,7 @@
     <mc:Choice Requires="p14">
       <p:transition/>
     </mc:Choice>
-    <mc:Fallback xmlns="" xmlns:c="http://schemas.openxmlformats.org/drawingml/2006/chart" xmlns:dgm="http://schemas.openxmlformats.org/drawingml/2006/diagram" xmlns:dsp="http://schemas.microsoft.com/office/drawing/2008/diagram">
+    <mc:Fallback xmlns:dsp="http://schemas.microsoft.com/office/drawing/2008/diagram" xmlns:dgm="http://schemas.openxmlformats.org/drawingml/2006/diagram" xmlns:c="http://schemas.openxmlformats.org/drawingml/2006/chart" xmlns="">
       <p:transition/>
     </mc:Fallback>
   </mc:AlternateContent>
@@ -7606,7 +7606,7 @@
                 <a:latin typeface="HY헤드라인M"/>
                 <a:ea typeface="HY헤드라인M"/>
               </a:rPr>
-              <a:t>16/18</a:t>
+              <a:t>15/18</a:t>
             </a:r>
             <a:endParaRPr lang="ko-KR" altLang="en-US" dirty="0">
               <a:latin typeface="HY헤드라인M"/>
@@ -8327,7 +8327,7 @@
     <mc:Choice Requires="p14">
       <p:transition/>
     </mc:Choice>
-    <mc:Fallback xmlns="" xmlns:c="http://schemas.openxmlformats.org/drawingml/2006/chart" xmlns:dgm="http://schemas.openxmlformats.org/drawingml/2006/diagram" xmlns:dsp="http://schemas.microsoft.com/office/drawing/2008/diagram">
+    <mc:Fallback xmlns:dsp="http://schemas.microsoft.com/office/drawing/2008/diagram" xmlns:dgm="http://schemas.openxmlformats.org/drawingml/2006/diagram" xmlns:c="http://schemas.openxmlformats.org/drawingml/2006/chart" xmlns="">
       <p:transition/>
     </mc:Fallback>
   </mc:AlternateContent>
@@ -8535,7 +8535,7 @@
                 <a:latin typeface="HY헤드라인M"/>
                 <a:ea typeface="HY헤드라인M"/>
               </a:rPr>
-              <a:t>17/18</a:t>
+              <a:t>16/18</a:t>
             </a:r>
             <a:endParaRPr lang="ko-KR" altLang="en-US" dirty="0">
               <a:latin typeface="HY헤드라인M"/>
@@ -9183,7 +9183,7 @@
     <mc:Choice Requires="p14">
       <p:transition/>
     </mc:Choice>
-    <mc:Fallback xmlns="" xmlns:c="http://schemas.openxmlformats.org/drawingml/2006/chart" xmlns:dgm="http://schemas.openxmlformats.org/drawingml/2006/diagram" xmlns:dsp="http://schemas.microsoft.com/office/drawing/2008/diagram">
+    <mc:Fallback xmlns:dsp="http://schemas.microsoft.com/office/drawing/2008/diagram" xmlns:dgm="http://schemas.openxmlformats.org/drawingml/2006/diagram" xmlns:c="http://schemas.openxmlformats.org/drawingml/2006/chart" xmlns="">
       <p:transition/>
     </mc:Fallback>
   </mc:AlternateContent>
@@ -9411,7 +9411,7 @@
                 <a:latin typeface="HY헤드라인M" panose="02030600000101010101" pitchFamily="18" charset="-127"/>
                 <a:ea typeface="HY헤드라인M" panose="02030600000101010101" pitchFamily="18" charset="-127"/>
               </a:rPr>
-              <a:t>18/18</a:t>
+              <a:t>17/18</a:t>
             </a:r>
             <a:endParaRPr lang="ko-KR" altLang="en-US" dirty="0">
               <a:latin typeface="HY헤드라인M" panose="02030600000101010101" pitchFamily="18" charset="-127"/>
@@ -20911,6 +20911,48 @@
           </a:fontRef>
         </p:style>
       </p:cxnSp>
+      <p:sp>
+        <p:nvSpPr>
+          <p:cNvPr id="8" name="TextBox 7">
+            <a:extLst>
+              <a:ext uri="{FF2B5EF4-FFF2-40B4-BE49-F238E27FC236}">
+                <a16:creationId xmlns:a16="http://schemas.microsoft.com/office/drawing/2014/main" id="{18DE7249-CAFF-40D4-90A5-6D409AA20032}"/>
+              </a:ext>
+            </a:extLst>
+          </p:cNvPr>
+          <p:cNvSpPr txBox="1"/>
+          <p:nvPr/>
+        </p:nvSpPr>
+        <p:spPr>
+          <a:xfrm>
+            <a:off x="10207499" y="6283173"/>
+            <a:ext cx="809837" cy="369332"/>
+          </a:xfrm>
+          <a:prstGeom prst="rect">
+            <a:avLst/>
+          </a:prstGeom>
+          <a:noFill/>
+        </p:spPr>
+        <p:txBody>
+          <a:bodyPr wrap="none" rtlCol="0">
+            <a:spAutoFit/>
+          </a:bodyPr>
+          <a:lstStyle/>
+          <a:p>
+            <a:r>
+              <a:rPr lang="en-US" altLang="ko-KR" dirty="0">
+                <a:latin typeface="HY헤드라인M" panose="02030600000101010101" pitchFamily="18" charset="-127"/>
+                <a:ea typeface="HY헤드라인M" panose="02030600000101010101" pitchFamily="18" charset="-127"/>
+              </a:rPr>
+              <a:t>18/18</a:t>
+            </a:r>
+            <a:endParaRPr lang="ko-KR" altLang="en-US" dirty="0">
+              <a:latin typeface="HY헤드라인M" panose="02030600000101010101" pitchFamily="18" charset="-127"/>
+              <a:ea typeface="HY헤드라인M" panose="02030600000101010101" pitchFamily="18" charset="-127"/>
+            </a:endParaRPr>
+          </a:p>
+        </p:txBody>
+      </p:sp>
     </p:spTree>
     <p:extLst>
       <p:ext uri="{BB962C8B-B14F-4D97-AF65-F5344CB8AC3E}">

--- a/문서/졸업작품 게임 기획서 초안 (김하윤 이동규 이득유).pptx
+++ b/문서/졸업작품 게임 기획서 초안 (김하윤 이동규 이득유).pptx
@@ -1,32 +1,33 @@
 
 <file path=ppt/presentation.xml><?xml version="1.0" encoding="utf-8"?>
-<p:presentation xmlns:a="http://schemas.openxmlformats.org/drawingml/2006/main" xmlns:r="http://schemas.openxmlformats.org/officeDocument/2006/relationships" xmlns:p="http://schemas.openxmlformats.org/presentationml/2006/main">
+<p:presentation xmlns:r="http://schemas.openxmlformats.org/officeDocument/2006/relationships" xmlns:c="http://schemas.openxmlformats.org/drawingml/2006/chart" xmlns:a="http://schemas.openxmlformats.org/drawingml/2006/main" xmlns:dgm="http://schemas.openxmlformats.org/drawingml/2006/diagram" xmlns:dsp="http://schemas.microsoft.com/office/drawing/2008/diagram" xmlns:p="http://schemas.openxmlformats.org/presentationml/2006/main">
   <p:sldMasterIdLst>
     <p:sldMasterId id="2147483661" r:id="rId1"/>
   </p:sldMasterIdLst>
   <p:notesMasterIdLst>
-    <p:notesMasterId r:id="rId21"/>
+    <p:notesMasterId r:id="rId2"/>
   </p:notesMasterIdLst>
   <p:sldIdLst>
-    <p:sldId id="256" r:id="rId2"/>
-    <p:sldId id="257" r:id="rId3"/>
-    <p:sldId id="258" r:id="rId4"/>
-    <p:sldId id="259" r:id="rId5"/>
-    <p:sldId id="260" r:id="rId6"/>
-    <p:sldId id="261" r:id="rId7"/>
-    <p:sldId id="262" r:id="rId8"/>
-    <p:sldId id="263" r:id="rId9"/>
-    <p:sldId id="264" r:id="rId10"/>
-    <p:sldId id="265" r:id="rId11"/>
-    <p:sldId id="275" r:id="rId12"/>
+    <p:sldId id="256" r:id="rId3"/>
+    <p:sldId id="257" r:id="rId4"/>
+    <p:sldId id="258" r:id="rId5"/>
+    <p:sldId id="259" r:id="rId6"/>
+    <p:sldId id="260" r:id="rId7"/>
+    <p:sldId id="261" r:id="rId8"/>
+    <p:sldId id="262" r:id="rId9"/>
+    <p:sldId id="263" r:id="rId10"/>
+    <p:sldId id="264" r:id="rId11"/>
+    <p:sldId id="265" r:id="rId12"/>
     <p:sldId id="266" r:id="rId13"/>
-    <p:sldId id="268" r:id="rId14"/>
-    <p:sldId id="269" r:id="rId15"/>
-    <p:sldId id="270" r:id="rId16"/>
-    <p:sldId id="271" r:id="rId17"/>
-    <p:sldId id="272" r:id="rId18"/>
-    <p:sldId id="273" r:id="rId19"/>
-    <p:sldId id="274" r:id="rId20"/>
+    <p:sldId id="267" r:id="rId14"/>
+    <p:sldId id="268" r:id="rId15"/>
+    <p:sldId id="269" r:id="rId16"/>
+    <p:sldId id="270" r:id="rId17"/>
+    <p:sldId id="271" r:id="rId18"/>
+    <p:sldId id="272" r:id="rId19"/>
+    <p:sldId id="273" r:id="rId20"/>
+    <p:sldId id="274" r:id="rId21"/>
+    <p:sldId id="275" r:id="rId22"/>
   </p:sldIdLst>
   <p:sldSz cx="12192000" cy="6858000"/>
   <p:notesSz cx="6858000" cy="9144000"/>
@@ -125,27 +126,11 @@
       </a:defRPr>
     </a:lvl9pPr>
   </p:defaultTextStyle>
-  <p:extLst>
-    <p:ext uri="{EFAFB233-063F-42B5-8137-9DF3F51BA10A}">
-      <p15:sldGuideLst xmlns:p15="http://schemas.microsoft.com/office/powerpoint/2012/main">
-        <p15:guide id="1" orient="horz" pos="2158">
-          <p15:clr>
-            <a:srgbClr val="A4A3A4"/>
-          </p15:clr>
-        </p15:guide>
-        <p15:guide id="2" pos="3839">
-          <p15:clr>
-            <a:srgbClr val="A4A3A4"/>
-          </p15:clr>
-        </p15:guide>
-      </p15:sldGuideLst>
-    </p:ext>
-  </p:extLst>
 </p:presentation>
 </file>
 
 <file path=ppt/notesMasters/notesMaster1.xml><?xml version="1.0" encoding="utf-8"?>
-<p:notesMaster xmlns:a="http://schemas.openxmlformats.org/drawingml/2006/main" xmlns:r="http://schemas.openxmlformats.org/officeDocument/2006/relationships" xmlns:p="http://schemas.openxmlformats.org/presentationml/2006/main">
+<p:notesMaster xmlns:r="http://schemas.openxmlformats.org/officeDocument/2006/relationships" xmlns:c="http://schemas.openxmlformats.org/drawingml/2006/chart" xmlns:a="http://schemas.openxmlformats.org/drawingml/2006/main" xmlns:dgm="http://schemas.openxmlformats.org/drawingml/2006/diagram" xmlns:dsp="http://schemas.microsoft.com/office/drawing/2008/diagram" xmlns:p="http://schemas.openxmlformats.org/presentationml/2006/main">
   <p:cSld>
     <p:bg>
       <p:bgRef idx="1001">
@@ -173,7 +158,7 @@
             <a:spLocks noGrp="1"/>
           </p:cNvSpPr>
           <p:nvPr>
-            <p:ph type="hdr" sz="quarter"/>
+            <p:ph type="hdr" sz="quarter" idx="0"/>
           </p:nvPr>
         </p:nvSpPr>
         <p:spPr>
@@ -196,6 +181,10 @@
             <a:pPr lvl="0">
               <a:defRPr/>
             </a:pPr>
+            <a:r>
+              <a:rPr lang="ko-KR" altLang="en-US"/>
+              <a:t/>
+            </a:r>
             <a:endParaRPr lang="ko-KR" altLang="en-US"/>
           </a:p>
         </p:txBody>
@@ -235,7 +224,7 @@
               <a:pPr lvl="0">
                 <a:defRPr/>
               </a:pPr>
-              <a:t>2019-12-03</a:t>
+              <a:t>2019-12-04</a:t>
             </a:fld>
             <a:endParaRPr lang="ko-KR" altLang="en-US"/>
           </a:p>
@@ -307,6 +296,7 @@
               <a:rPr lang="ko-KR" altLang="en-US"/>
               <a:t>마스터 텍스트 스타일을 편집하려면 클릭</a:t>
             </a:r>
+            <a:endParaRPr lang="ko-KR" altLang="en-US"/>
           </a:p>
           <a:p>
             <a:pPr lvl="1">
@@ -316,6 +306,7 @@
               <a:rPr lang="ko-KR" altLang="en-US"/>
               <a:t>두 번째 수준</a:t>
             </a:r>
+            <a:endParaRPr lang="ko-KR" altLang="en-US"/>
           </a:p>
           <a:p>
             <a:pPr lvl="2">
@@ -325,6 +316,7 @@
               <a:rPr lang="ko-KR" altLang="en-US"/>
               <a:t>세 번째 수준</a:t>
             </a:r>
+            <a:endParaRPr lang="ko-KR" altLang="en-US"/>
           </a:p>
           <a:p>
             <a:pPr lvl="3">
@@ -334,6 +326,7 @@
               <a:rPr lang="ko-KR" altLang="en-US"/>
               <a:t>네 번째 수준</a:t>
             </a:r>
+            <a:endParaRPr lang="ko-KR" altLang="en-US"/>
           </a:p>
           <a:p>
             <a:pPr lvl="4">
@@ -343,6 +336,7 @@
               <a:rPr lang="ko-KR" altLang="en-US"/>
               <a:t>다섯 번째 수준</a:t>
             </a:r>
+            <a:endParaRPr lang="ko-KR" altLang="en-US"/>
           </a:p>
         </p:txBody>
       </p:sp>
@@ -376,6 +370,10 @@
             <a:pPr lvl="0">
               <a:defRPr/>
             </a:pPr>
+            <a:r>
+              <a:rPr lang="ko-KR" altLang="en-US"/>
+              <a:t/>
+            </a:r>
             <a:endParaRPr lang="ko-KR" altLang="en-US"/>
           </a:p>
         </p:txBody>
@@ -6223,7 +6221,7 @@
 </file>
 
 <file path=ppt/slides/slide14.xml><?xml version="1.0" encoding="utf-8"?>
-<p:sld xmlns:a="http://schemas.openxmlformats.org/drawingml/2006/main" xmlns:r="http://schemas.openxmlformats.org/officeDocument/2006/relationships" xmlns:p="http://schemas.openxmlformats.org/presentationml/2006/main">
+<p:sld xmlns:r="http://schemas.openxmlformats.org/officeDocument/2006/relationships" xmlns:c="http://schemas.openxmlformats.org/drawingml/2006/chart" xmlns:a="http://schemas.openxmlformats.org/drawingml/2006/main" xmlns:dgm="http://schemas.openxmlformats.org/drawingml/2006/diagram" xmlns:dsp="http://schemas.microsoft.com/office/drawing/2008/diagram" xmlns:p="http://schemas.openxmlformats.org/presentationml/2006/main">
   <p:cSld>
     <p:spTree>
       <p:nvGrpSpPr>
@@ -6283,7 +6281,7 @@
         <p:spPr>
           <a:xfrm>
             <a:off x="1347787" y="876597"/>
-            <a:ext cx="4118435" cy="707886"/>
+            <a:ext cx="5153978" cy="693123"/>
           </a:xfrm>
           <a:prstGeom prst="rect">
             <a:avLst/>
@@ -6300,12 +6298,23 @@
               <a:defRPr/>
             </a:pPr>
             <a:r>
+              <a:rPr lang="en-US" altLang="ko-KR" sz="4000">
+                <a:latin typeface="HY헤드라인M"/>
+                <a:ea typeface="HY헤드라인M"/>
+              </a:rPr>
+              <a:t>IOCP</a:t>
+            </a:r>
+            <a:r>
               <a:rPr lang="ko-KR" altLang="en-US" sz="4000">
                 <a:latin typeface="HY헤드라인M"/>
                 <a:ea typeface="HY헤드라인M"/>
               </a:rPr>
-              <a:t>개인별 준비 현황</a:t>
-            </a:r>
+              <a:t>를 사용하는 이유</a:t>
+            </a:r>
+            <a:endParaRPr lang="ko-KR" altLang="en-US" sz="4000">
+              <a:latin typeface="HY헤드라인M"/>
+              <a:ea typeface="HY헤드라인M"/>
+            </a:endParaRPr>
           </a:p>
         </p:txBody>
       </p:sp>
@@ -6335,13 +6344,13 @@
               <a:defRPr/>
             </a:pPr>
             <a:r>
-              <a:rPr lang="en-US" altLang="ko-KR" sz="2800" dirty="0">
+              <a:rPr lang="en-US" altLang="ko-KR" sz="2800">
                 <a:latin typeface="HY헤드라인M"/>
                 <a:ea typeface="HY헤드라인M"/>
               </a:rPr>
               <a:t>The Island</a:t>
             </a:r>
-            <a:endParaRPr lang="ko-KR" altLang="en-US" sz="2800" dirty="0">
+            <a:endParaRPr lang="ko-KR" altLang="en-US" sz="2800">
               <a:latin typeface="HY헤드라인M"/>
               <a:ea typeface="HY헤드라인M"/>
             </a:endParaRPr>
@@ -6419,13 +6428,13 @@
               <a:defRPr/>
             </a:pPr>
             <a:r>
-              <a:rPr lang="en-US" altLang="ko-KR" dirty="0">
+              <a:rPr lang="en-US" altLang="ko-KR">
                 <a:latin typeface="HY헤드라인M"/>
                 <a:ea typeface="HY헤드라인M"/>
               </a:rPr>
-              <a:t>14/18</a:t>
-            </a:r>
-            <a:endParaRPr lang="ko-KR" altLang="en-US" dirty="0">
+              <a:t>13/18</a:t>
+            </a:r>
+            <a:endParaRPr lang="ko-KR" altLang="en-US">
               <a:latin typeface="HY헤드라인M"/>
               <a:ea typeface="HY헤드라인M"/>
             </a:endParaRPr>
@@ -6475,30 +6484,54 @@
         </p:nvSpPr>
         <p:spPr>
           <a:xfrm>
-            <a:off x="2729897" y="2143002"/>
-            <a:ext cx="954107" cy="400110"/>
+            <a:off x="1504730" y="1997901"/>
+            <a:ext cx="9491580" cy="523220"/>
           </a:xfrm>
           <a:prstGeom prst="rect">
             <a:avLst/>
           </a:prstGeom>
-          <a:noFill/>
         </p:spPr>
         <p:txBody>
-          <a:bodyPr wrap="none">
+          <a:bodyPr wrap="square">
             <a:spAutoFit/>
           </a:bodyPr>
           <a:lstStyle/>
           <a:p>
-            <a:pPr algn="ctr">
+            <a:pPr marL="0" indent="0" algn="l" defTabSz="914400" rtl="0" eaLnBrk="1" latinLnBrk="1" hangingPunct="1">
+              <a:lnSpc>
+                <a:spcPct val="100000"/>
+              </a:lnSpc>
+              <a:spcBef>
+                <a:spcPct val="0"/>
+              </a:spcBef>
+              <a:spcAft>
+                <a:spcPts val="0"/>
+              </a:spcAft>
+              <a:buNone/>
               <a:defRPr/>
             </a:pPr>
             <a:r>
-              <a:rPr lang="ko-KR" altLang="en-US" sz="2000">
+              <a:rPr kumimoji="0" lang="ko-KR" altLang="en-US" sz="2800" i="0" u="none" strike="noStrike" kern="1200" cap="none" spc="0" normalizeH="0" baseline="0">
+                <a:solidFill>
+                  <a:srgbClr val="000000"/>
+                </a:solidFill>
                 <a:latin typeface="HY견고딕"/>
                 <a:ea typeface="HY견고딕"/>
-              </a:rPr>
-              <a:t>김하윤</a:t>
-            </a:r>
+                <a:cs typeface="맑은 고딕"/>
+              </a:rPr>
+              <a:t>· </a:t>
+            </a:r>
+            <a:r>
+              <a:rPr lang="ko-KR" altLang="en-US" sz="2800">
+                <a:latin typeface="HY견고딕"/>
+                <a:ea typeface="HY견고딕"/>
+              </a:rPr>
+              <a:t>적은 수의 쓰레드로 서버를 구성 가능</a:t>
+            </a:r>
+            <a:endParaRPr lang="ko-KR" altLang="en-US" sz="2800">
+              <a:latin typeface="HY견고딕"/>
+              <a:ea typeface="HY견고딕"/>
+            </a:endParaRPr>
           </a:p>
         </p:txBody>
       </p:sp>
@@ -6510,882 +6543,107 @@
         </p:nvSpPr>
         <p:spPr>
           <a:xfrm>
-            <a:off x="5675370" y="2143002"/>
-            <a:ext cx="954107" cy="400110"/>
+            <a:off x="1504730" y="2977360"/>
+            <a:ext cx="9525001" cy="523220"/>
           </a:xfrm>
           <a:prstGeom prst="rect">
             <a:avLst/>
           </a:prstGeom>
-          <a:noFill/>
         </p:spPr>
         <p:txBody>
-          <a:bodyPr wrap="none">
+          <a:bodyPr wrap="square">
             <a:spAutoFit/>
           </a:bodyPr>
           <a:lstStyle/>
           <a:p>
-            <a:pPr algn="ctr">
+            <a:pPr marL="0" indent="0" algn="l" defTabSz="914400" rtl="0" eaLnBrk="1" latinLnBrk="1" hangingPunct="1">
+              <a:lnSpc>
+                <a:spcPct val="100000"/>
+              </a:lnSpc>
+              <a:spcBef>
+                <a:spcPct val="0"/>
+              </a:spcBef>
+              <a:spcAft>
+                <a:spcPts val="0"/>
+              </a:spcAft>
+              <a:buNone/>
               <a:defRPr/>
             </a:pPr>
             <a:r>
-              <a:rPr lang="ko-KR" altLang="en-US" sz="2000">
+              <a:rPr kumimoji="0" lang="ko-KR" altLang="en-US" sz="2800" i="0" u="none" strike="noStrike" kern="1200" cap="none" spc="0" normalizeH="0" baseline="0">
+                <a:solidFill>
+                  <a:srgbClr val="000000"/>
+                </a:solidFill>
                 <a:latin typeface="HY견고딕"/>
                 <a:ea typeface="HY견고딕"/>
-              </a:rPr>
-              <a:t>이동규</a:t>
-            </a:r>
+                <a:cs typeface="맑은 고딕"/>
+              </a:rPr>
+              <a:t>· 동기 입출력에 비해 성능이 높음</a:t>
+            </a:r>
+            <a:endParaRPr kumimoji="0" lang="ko-KR" altLang="en-US" sz="2800" i="0" u="none" strike="noStrike" kern="1200" cap="none" spc="0" normalizeH="0" baseline="0">
+              <a:solidFill>
+                <a:srgbClr val="000000"/>
+              </a:solidFill>
+              <a:latin typeface="HY견고딕"/>
+              <a:ea typeface="HY견고딕"/>
+              <a:cs typeface="맑은 고딕"/>
+            </a:endParaRPr>
           </a:p>
         </p:txBody>
       </p:sp>
       <p:sp>
         <p:nvSpPr>
-          <p:cNvPr id="10" name="TextBox 9"/>
+          <p:cNvPr id="11" name="TextBox 10"/>
           <p:cNvSpPr txBox="1"/>
           <p:nvPr/>
         </p:nvSpPr>
         <p:spPr>
           <a:xfrm>
-            <a:off x="8620843" y="2143002"/>
-            <a:ext cx="954107" cy="400110"/>
+            <a:off x="1504730" y="3949968"/>
+            <a:ext cx="8338555" cy="523220"/>
           </a:xfrm>
           <a:prstGeom prst="rect">
             <a:avLst/>
           </a:prstGeom>
-          <a:noFill/>
         </p:spPr>
         <p:txBody>
-          <a:bodyPr wrap="none">
+          <a:bodyPr wrap="square">
             <a:spAutoFit/>
           </a:bodyPr>
           <a:lstStyle/>
           <a:p>
-            <a:pPr algn="ctr">
+            <a:pPr marL="0" indent="0" algn="l" defTabSz="914400" rtl="0" eaLnBrk="1" latinLnBrk="1" hangingPunct="1">
+              <a:lnSpc>
+                <a:spcPct val="100000"/>
+              </a:lnSpc>
+              <a:spcBef>
+                <a:spcPct val="0"/>
+              </a:spcBef>
+              <a:spcAft>
+                <a:spcPts val="0"/>
+              </a:spcAft>
+              <a:buNone/>
               <a:defRPr/>
             </a:pPr>
             <a:r>
-              <a:rPr lang="ko-KR" altLang="en-US" sz="2000">
+              <a:rPr kumimoji="0" lang="ko-KR" altLang="en-US" sz="2800" i="0" u="none" strike="noStrike" kern="1200" cap="none" spc="0" normalizeH="0" baseline="0">
+                <a:solidFill>
+                  <a:srgbClr val="000000"/>
+                </a:solidFill>
                 <a:latin typeface="HY견고딕"/>
                 <a:ea typeface="HY견고딕"/>
-              </a:rPr>
-              <a:t>이득유</a:t>
-            </a:r>
-          </a:p>
-        </p:txBody>
-      </p:sp>
-      <p:sp>
-        <p:nvSpPr>
-          <p:cNvPr id="15" name="사각형: 둥근 모서리 14"/>
-          <p:cNvSpPr/>
-          <p:nvPr/>
-        </p:nvSpPr>
-        <p:spPr>
-          <a:xfrm>
-            <a:off x="1736738" y="1882588"/>
-            <a:ext cx="2940423" cy="3830032"/>
-          </a:xfrm>
-          <a:prstGeom prst="roundRect">
-            <a:avLst>
-              <a:gd name="adj" fmla="val 16667"/>
-            </a:avLst>
-          </a:prstGeom>
-          <a:noFill/>
-          <a:ln w="25400" cmpd="sng">
-            <a:solidFill>
-              <a:schemeClr val="tx1"/>
-            </a:solidFill>
-          </a:ln>
-        </p:spPr>
-        <p:style>
-          <a:lnRef idx="2">
-            <a:schemeClr val="accent1">
-              <a:shade val="50000"/>
-            </a:schemeClr>
-          </a:lnRef>
-          <a:fillRef idx="1">
-            <a:schemeClr val="accent1"/>
-          </a:fillRef>
-          <a:effectRef idx="0">
-            <a:schemeClr val="accent1"/>
-          </a:effectRef>
-          <a:fontRef idx="minor">
-            <a:schemeClr val="lt1"/>
-          </a:fontRef>
-        </p:style>
-        <p:txBody>
-          <a:bodyPr anchor="ctr"/>
-          <a:lstStyle/>
-          <a:p>
-            <a:pPr algn="ctr">
-              <a:defRPr/>
-            </a:pPr>
-            <a:endParaRPr lang="ko-KR" altLang="en-US"/>
-          </a:p>
-        </p:txBody>
-      </p:sp>
-      <p:sp>
-        <p:nvSpPr>
-          <p:cNvPr id="16" name="사각형: 둥근 모서리 15"/>
-          <p:cNvSpPr/>
-          <p:nvPr/>
-        </p:nvSpPr>
-        <p:spPr>
-          <a:xfrm>
-            <a:off x="4682211" y="1882588"/>
-            <a:ext cx="2940423" cy="3830032"/>
-          </a:xfrm>
-          <a:prstGeom prst="roundRect">
-            <a:avLst>
-              <a:gd name="adj" fmla="val 16667"/>
-            </a:avLst>
-          </a:prstGeom>
-          <a:noFill/>
-          <a:ln w="25400" cmpd="sng">
-            <a:solidFill>
-              <a:schemeClr val="tx1"/>
-            </a:solidFill>
-          </a:ln>
-        </p:spPr>
-        <p:style>
-          <a:lnRef idx="2">
-            <a:schemeClr val="accent1">
-              <a:shade val="50000"/>
-            </a:schemeClr>
-          </a:lnRef>
-          <a:fillRef idx="1">
-            <a:schemeClr val="accent1"/>
-          </a:fillRef>
-          <a:effectRef idx="0">
-            <a:schemeClr val="accent1"/>
-          </a:effectRef>
-          <a:fontRef idx="minor">
-            <a:schemeClr val="lt1"/>
-          </a:fontRef>
-        </p:style>
-        <p:txBody>
-          <a:bodyPr anchor="ctr"/>
-          <a:lstStyle/>
-          <a:p>
-            <a:pPr algn="ctr">
-              <a:defRPr/>
-            </a:pPr>
-            <a:endParaRPr lang="ko-KR" altLang="en-US"/>
-          </a:p>
-        </p:txBody>
-      </p:sp>
-      <p:sp>
-        <p:nvSpPr>
-          <p:cNvPr id="17" name="사각형: 둥근 모서리 16"/>
-          <p:cNvSpPr/>
-          <p:nvPr/>
-        </p:nvSpPr>
-        <p:spPr>
-          <a:xfrm>
-            <a:off x="7627684" y="1882588"/>
-            <a:ext cx="2940423" cy="3830032"/>
-          </a:xfrm>
-          <a:prstGeom prst="roundRect">
-            <a:avLst>
-              <a:gd name="adj" fmla="val 16667"/>
-            </a:avLst>
-          </a:prstGeom>
-          <a:noFill/>
-          <a:ln w="25400" cmpd="sng">
-            <a:solidFill>
-              <a:schemeClr val="tx1"/>
-            </a:solidFill>
-          </a:ln>
-        </p:spPr>
-        <p:style>
-          <a:lnRef idx="2">
-            <a:schemeClr val="accent1">
-              <a:shade val="50000"/>
-            </a:schemeClr>
-          </a:lnRef>
-          <a:fillRef idx="1">
-            <a:schemeClr val="accent1"/>
-          </a:fillRef>
-          <a:effectRef idx="0">
-            <a:schemeClr val="accent1"/>
-          </a:effectRef>
-          <a:fontRef idx="minor">
-            <a:schemeClr val="lt1"/>
-          </a:fontRef>
-        </p:style>
-        <p:txBody>
-          <a:bodyPr anchor="ctr"/>
-          <a:lstStyle/>
-          <a:p>
-            <a:pPr algn="ctr">
-              <a:defRPr/>
-            </a:pPr>
-            <a:endParaRPr lang="ko-KR" altLang="en-US"/>
-          </a:p>
-        </p:txBody>
-      </p:sp>
-      <p:sp>
-        <p:nvSpPr>
-          <p:cNvPr id="14" name="TextBox 13"/>
-          <p:cNvSpPr txBox="1"/>
-          <p:nvPr/>
-        </p:nvSpPr>
-        <p:spPr>
-          <a:xfrm>
-            <a:off x="5193669" y="2803526"/>
-            <a:ext cx="1917512" cy="2677656"/>
-          </a:xfrm>
-          <a:prstGeom prst="rect">
-            <a:avLst/>
-          </a:prstGeom>
-          <a:noFill/>
-        </p:spPr>
-        <p:txBody>
-          <a:bodyPr wrap="none">
-            <a:spAutoFit/>
-          </a:bodyPr>
-          <a:lstStyle/>
-          <a:p>
-            <a:pPr algn="ctr">
-              <a:defRPr/>
-            </a:pPr>
-            <a:r>
-              <a:rPr lang="en-US" altLang="ko-KR" sz="1400" dirty="0">
-                <a:latin typeface="HY헤드라인M"/>
-                <a:ea typeface="HY헤드라인M"/>
-              </a:rPr>
-              <a:t>C/C++</a:t>
-            </a:r>
-          </a:p>
-          <a:p>
-            <a:pPr algn="ctr">
-              <a:defRPr/>
-            </a:pPr>
-            <a:r>
-              <a:rPr lang="en-US" altLang="ko-KR" sz="1400" dirty="0">
-                <a:latin typeface="HY헤드라인M"/>
-                <a:ea typeface="HY헤드라인M"/>
-              </a:rPr>
-              <a:t>WIN API</a:t>
-            </a:r>
-          </a:p>
-          <a:p>
-            <a:pPr algn="ctr">
-              <a:defRPr/>
-            </a:pPr>
-            <a:r>
-              <a:rPr lang="ko-KR" altLang="en-US" sz="1400" dirty="0">
-                <a:latin typeface="HY헤드라인M"/>
-                <a:ea typeface="HY헤드라인M"/>
-              </a:rPr>
-              <a:t>자료구조</a:t>
-            </a:r>
-            <a:r>
-              <a:rPr lang="en-US" altLang="ko-KR" sz="1400" dirty="0">
-                <a:latin typeface="HY헤드라인M"/>
-                <a:ea typeface="HY헤드라인M"/>
-              </a:rPr>
-              <a:t>/</a:t>
-            </a:r>
-            <a:r>
-              <a:rPr lang="ko-KR" altLang="en-US" sz="1400" dirty="0">
-                <a:latin typeface="HY헤드라인M"/>
-                <a:ea typeface="HY헤드라인M"/>
-              </a:rPr>
-              <a:t>알고리즘</a:t>
-            </a:r>
-          </a:p>
-          <a:p>
-            <a:pPr algn="ctr">
-              <a:defRPr/>
-            </a:pPr>
-            <a:r>
-              <a:rPr lang="en-US" altLang="ko-KR" sz="1400" dirty="0">
-                <a:latin typeface="HY헤드라인M"/>
-                <a:ea typeface="HY헤드라인M"/>
-              </a:rPr>
-              <a:t>OpenGL</a:t>
-            </a:r>
-          </a:p>
-          <a:p>
-            <a:pPr algn="ctr">
-              <a:defRPr/>
-            </a:pPr>
-            <a:r>
-              <a:rPr lang="en-US" altLang="ko-KR" sz="1400" dirty="0">
-                <a:latin typeface="HY헤드라인M"/>
-                <a:ea typeface="HY헤드라인M"/>
-              </a:rPr>
-              <a:t>STL</a:t>
-            </a:r>
-          </a:p>
-          <a:p>
-            <a:pPr algn="ctr">
-              <a:defRPr/>
-            </a:pPr>
-            <a:r>
-              <a:rPr lang="en-US" altLang="ko-KR" sz="1400" dirty="0">
-                <a:latin typeface="HY헤드라인M"/>
-                <a:ea typeface="HY헤드라인M"/>
-              </a:rPr>
-              <a:t>DirectX 12</a:t>
-            </a:r>
-          </a:p>
-          <a:p>
-            <a:pPr algn="ctr">
-              <a:defRPr/>
-            </a:pPr>
-            <a:endParaRPr lang="en-US" altLang="ko-KR" sz="1400" dirty="0">
-              <a:latin typeface="HY헤드라인M"/>
-              <a:ea typeface="HY헤드라인M"/>
+                <a:cs typeface="맑은 고딕"/>
+              </a:rPr>
+              <a:t>· 성능이 높기 때문에 동접자 수를 늘릴 수 있음</a:t>
+            </a:r>
+            <a:endParaRPr kumimoji="0" lang="ko-KR" altLang="en-US" sz="2800" i="0" u="none" strike="noStrike" kern="1200" cap="none" spc="0" normalizeH="0" baseline="0">
+              <a:solidFill>
+                <a:srgbClr val="000000"/>
+              </a:solidFill>
+              <a:latin typeface="HY견고딕"/>
+              <a:ea typeface="HY견고딕"/>
+              <a:cs typeface="맑은 고딕"/>
             </a:endParaRPr>
-          </a:p>
-          <a:p>
-            <a:pPr algn="ctr">
-              <a:defRPr/>
-            </a:pPr>
-            <a:r>
-              <a:rPr lang="en-US" altLang="ko-KR" sz="1400" dirty="0">
-                <a:latin typeface="HY헤드라인M"/>
-                <a:ea typeface="HY헤드라인M"/>
-              </a:rPr>
-              <a:t>TCP/IP </a:t>
-            </a:r>
-            <a:r>
-              <a:rPr lang="ko-KR" altLang="en-US" sz="1400" dirty="0">
-                <a:latin typeface="HY헤드라인M"/>
-                <a:ea typeface="HY헤드라인M"/>
-              </a:rPr>
-              <a:t>사용 경험</a:t>
-            </a:r>
-            <a:endParaRPr lang="en-US" altLang="ko-KR" sz="1400" dirty="0">
-              <a:latin typeface="HY헤드라인M"/>
-              <a:ea typeface="HY헤드라인M"/>
-            </a:endParaRPr>
-          </a:p>
-          <a:p>
-            <a:pPr algn="ctr">
-              <a:defRPr/>
-            </a:pPr>
-            <a:r>
-              <a:rPr lang="en-US" altLang="ko-KR" sz="1400" dirty="0">
-                <a:latin typeface="HY헤드라인M"/>
-                <a:ea typeface="HY헤드라인M"/>
-              </a:rPr>
-              <a:t>DirectX 2D </a:t>
-            </a:r>
-            <a:r>
-              <a:rPr lang="ko-KR" altLang="en-US" sz="1400" dirty="0">
-                <a:latin typeface="HY헤드라인M"/>
-                <a:ea typeface="HY헤드라인M"/>
-              </a:rPr>
-              <a:t>제작 경험</a:t>
-            </a:r>
-          </a:p>
-          <a:p>
-            <a:pPr algn="ctr">
-              <a:defRPr/>
-            </a:pPr>
-            <a:r>
-              <a:rPr lang="en-US" altLang="ko-KR" sz="1400" dirty="0">
-                <a:latin typeface="HY헤드라인M"/>
-                <a:ea typeface="HY헤드라인M"/>
-              </a:rPr>
-              <a:t>DirectX12 </a:t>
-            </a:r>
-            <a:r>
-              <a:rPr lang="ko-KR" altLang="en-US" sz="1400" dirty="0" err="1">
-                <a:latin typeface="HY헤드라인M"/>
-                <a:ea typeface="HY헤드라인M"/>
-              </a:rPr>
-              <a:t>피킹</a:t>
-            </a:r>
-            <a:r>
-              <a:rPr lang="ko-KR" altLang="en-US" sz="1400" dirty="0">
-                <a:latin typeface="HY헤드라인M"/>
-                <a:ea typeface="HY헤드라인M"/>
-              </a:rPr>
-              <a:t> 구현</a:t>
-            </a:r>
-          </a:p>
-          <a:p>
-            <a:pPr algn="ctr">
-              <a:defRPr/>
-            </a:pPr>
-            <a:r>
-              <a:rPr lang="en-US" altLang="ko-KR" sz="1400" dirty="0">
-                <a:latin typeface="HY헤드라인M"/>
-                <a:ea typeface="HY헤드라인M"/>
-              </a:rPr>
-              <a:t>UNITY</a:t>
-            </a:r>
-            <a:r>
-              <a:rPr lang="ko-KR" altLang="en-US" sz="1400" dirty="0">
-                <a:latin typeface="HY헤드라인M"/>
-                <a:ea typeface="HY헤드라인M"/>
-              </a:rPr>
-              <a:t> 제작 경험</a:t>
-            </a:r>
-          </a:p>
-          <a:p>
-            <a:pPr algn="ctr">
-              <a:defRPr/>
-            </a:pPr>
-            <a:endParaRPr lang="en-US" altLang="ko-KR" sz="1400" dirty="0">
-              <a:latin typeface="HY헤드라인M"/>
-              <a:ea typeface="HY헤드라인M"/>
-            </a:endParaRPr>
-          </a:p>
-        </p:txBody>
-      </p:sp>
-      <p:sp>
-        <p:nvSpPr>
-          <p:cNvPr id="29" name="직사각형 28"/>
-          <p:cNvSpPr/>
-          <p:nvPr/>
-        </p:nvSpPr>
-        <p:spPr>
-          <a:xfrm>
-            <a:off x="4371046" y="2332541"/>
-            <a:ext cx="558443" cy="2913424"/>
-          </a:xfrm>
-          <a:prstGeom prst="rect">
-            <a:avLst/>
-          </a:prstGeom>
-          <a:solidFill>
-            <a:schemeClr val="bg1"/>
-          </a:solidFill>
-          <a:ln>
-            <a:solidFill>
-              <a:schemeClr val="bg1"/>
-            </a:solidFill>
-          </a:ln>
-        </p:spPr>
-        <p:style>
-          <a:lnRef idx="2">
-            <a:schemeClr val="accent1">
-              <a:shade val="50000"/>
-            </a:schemeClr>
-          </a:lnRef>
-          <a:fillRef idx="1">
-            <a:schemeClr val="accent1"/>
-          </a:fillRef>
-          <a:effectRef idx="0">
-            <a:schemeClr val="accent1"/>
-          </a:effectRef>
-          <a:fontRef idx="minor">
-            <a:schemeClr val="lt1"/>
-          </a:fontRef>
-        </p:style>
-        <p:txBody>
-          <a:bodyPr anchor="ctr"/>
-          <a:lstStyle/>
-          <a:p>
-            <a:pPr algn="ctr">
-              <a:defRPr/>
-            </a:pPr>
-            <a:endParaRPr lang="ko-KR" altLang="en-US"/>
-          </a:p>
-        </p:txBody>
-      </p:sp>
-      <p:sp>
-        <p:nvSpPr>
-          <p:cNvPr id="30" name="직사각형 29"/>
-          <p:cNvSpPr/>
-          <p:nvPr/>
-        </p:nvSpPr>
-        <p:spPr>
-          <a:xfrm>
-            <a:off x="7319044" y="2332539"/>
-            <a:ext cx="558443" cy="2913426"/>
-          </a:xfrm>
-          <a:prstGeom prst="rect">
-            <a:avLst/>
-          </a:prstGeom>
-          <a:solidFill>
-            <a:schemeClr val="bg1"/>
-          </a:solidFill>
-          <a:ln>
-            <a:solidFill>
-              <a:schemeClr val="bg1"/>
-            </a:solidFill>
-          </a:ln>
-        </p:spPr>
-        <p:style>
-          <a:lnRef idx="2">
-            <a:schemeClr val="accent1">
-              <a:shade val="50000"/>
-            </a:schemeClr>
-          </a:lnRef>
-          <a:fillRef idx="1">
-            <a:schemeClr val="accent1"/>
-          </a:fillRef>
-          <a:effectRef idx="0">
-            <a:schemeClr val="accent1"/>
-          </a:effectRef>
-          <a:fontRef idx="minor">
-            <a:schemeClr val="lt1"/>
-          </a:fontRef>
-        </p:style>
-        <p:txBody>
-          <a:bodyPr anchor="ctr"/>
-          <a:lstStyle/>
-          <a:p>
-            <a:pPr algn="ctr">
-              <a:defRPr/>
-            </a:pPr>
-            <a:endParaRPr lang="ko-KR" altLang="en-US"/>
-          </a:p>
-        </p:txBody>
-      </p:sp>
-      <p:sp>
-        <p:nvSpPr>
-          <p:cNvPr id="21" name="TextBox 20"/>
-          <p:cNvSpPr txBox="1"/>
-          <p:nvPr/>
-        </p:nvSpPr>
-        <p:spPr>
-          <a:xfrm>
-            <a:off x="7880983" y="2841217"/>
-            <a:ext cx="2278382" cy="2224178"/>
-          </a:xfrm>
-          <a:prstGeom prst="rect">
-            <a:avLst/>
-          </a:prstGeom>
-          <a:noFill/>
-        </p:spPr>
-        <p:txBody>
-          <a:bodyPr wrap="none">
-            <a:spAutoFit/>
-          </a:bodyPr>
-          <a:lstStyle/>
-          <a:p>
-            <a:pPr algn="ctr">
-              <a:defRPr/>
-            </a:pPr>
-            <a:r>
-              <a:rPr lang="en-US" altLang="ko-KR" sz="1400">
-                <a:latin typeface="HY헤드라인M"/>
-                <a:ea typeface="HY헤드라인M"/>
-              </a:rPr>
-              <a:t>C/C++</a:t>
-            </a:r>
-          </a:p>
-          <a:p>
-            <a:pPr algn="ctr">
-              <a:defRPr/>
-            </a:pPr>
-            <a:r>
-              <a:rPr lang="en-US" altLang="ko-KR" sz="1400">
-                <a:latin typeface="HY헤드라인M"/>
-                <a:ea typeface="HY헤드라인M"/>
-              </a:rPr>
-              <a:t>WIN API</a:t>
-            </a:r>
-          </a:p>
-          <a:p>
-            <a:pPr algn="ctr">
-              <a:defRPr/>
-            </a:pPr>
-            <a:r>
-              <a:rPr lang="ko-KR" altLang="en-US" sz="1400">
-                <a:latin typeface="HY헤드라인M"/>
-                <a:ea typeface="HY헤드라인M"/>
-              </a:rPr>
-              <a:t>자료구조</a:t>
-            </a:r>
-            <a:r>
-              <a:rPr lang="en-US" altLang="ko-KR" sz="1400">
-                <a:latin typeface="HY헤드라인M"/>
-                <a:ea typeface="HY헤드라인M"/>
-              </a:rPr>
-              <a:t>/</a:t>
-            </a:r>
-            <a:r>
-              <a:rPr lang="ko-KR" altLang="en-US" sz="1400">
-                <a:latin typeface="HY헤드라인M"/>
-                <a:ea typeface="HY헤드라인M"/>
-              </a:rPr>
-              <a:t>알고리즘</a:t>
-            </a:r>
-          </a:p>
-          <a:p>
-            <a:pPr algn="ctr">
-              <a:defRPr/>
-            </a:pPr>
-            <a:r>
-              <a:rPr lang="en-US" altLang="ko-KR" sz="1400">
-                <a:latin typeface="HY헤드라인M"/>
-                <a:ea typeface="HY헤드라인M"/>
-              </a:rPr>
-              <a:t>OpenGL</a:t>
-            </a:r>
-          </a:p>
-          <a:p>
-            <a:pPr algn="ctr">
-              <a:defRPr/>
-            </a:pPr>
-            <a:r>
-              <a:rPr lang="en-US" altLang="ko-KR" sz="1400">
-                <a:latin typeface="HY헤드라인M"/>
-                <a:ea typeface="HY헤드라인M"/>
-              </a:rPr>
-              <a:t>STL</a:t>
-            </a:r>
-          </a:p>
-          <a:p>
-            <a:pPr algn="ctr">
-              <a:defRPr/>
-            </a:pPr>
-            <a:r>
-              <a:rPr lang="en-US" altLang="ko-KR" sz="1400">
-                <a:latin typeface="HY헤드라인M"/>
-                <a:ea typeface="HY헤드라인M"/>
-              </a:rPr>
-              <a:t>IOCP</a:t>
-            </a:r>
-          </a:p>
-          <a:p>
-            <a:pPr algn="ctr">
-              <a:defRPr/>
-            </a:pPr>
-            <a:r>
-              <a:rPr lang="en-US" altLang="ko-KR" sz="1400">
-                <a:latin typeface="HY헤드라인M"/>
-                <a:ea typeface="HY헤드라인M"/>
-              </a:rPr>
-              <a:t>Multi-Core Programming</a:t>
-            </a:r>
-          </a:p>
-          <a:p>
-            <a:pPr algn="ctr">
-              <a:defRPr/>
-            </a:pPr>
-            <a:endParaRPr lang="en-US" altLang="ko-KR" sz="1400">
-              <a:latin typeface="HY헤드라인M"/>
-              <a:ea typeface="HY헤드라인M"/>
-            </a:endParaRPr>
-          </a:p>
-          <a:p>
-            <a:pPr algn="ctr">
-              <a:defRPr/>
-            </a:pPr>
-            <a:r>
-              <a:rPr lang="en-US" altLang="ko-KR" sz="1400">
-                <a:latin typeface="HY헤드라인M"/>
-                <a:ea typeface="HY헤드라인M"/>
-              </a:rPr>
-              <a:t>IOCP Server</a:t>
-            </a:r>
-            <a:r>
-              <a:rPr lang="ko-KR" altLang="en-US" sz="1400">
-                <a:latin typeface="HY헤드라인M"/>
-                <a:ea typeface="HY헤드라인M"/>
-              </a:rPr>
-              <a:t> 제작 경험</a:t>
-            </a:r>
-          </a:p>
-          <a:p>
-            <a:pPr algn="ctr">
-              <a:defRPr/>
-            </a:pPr>
-            <a:r>
-              <a:rPr lang="en-US" altLang="ko-KR" sz="1400">
-                <a:latin typeface="HY헤드라인M"/>
-                <a:ea typeface="HY헤드라인M"/>
-              </a:rPr>
-              <a:t>UNITY</a:t>
-            </a:r>
-            <a:r>
-              <a:rPr lang="ko-KR" altLang="en-US" sz="1400">
-                <a:latin typeface="HY헤드라인M"/>
-                <a:ea typeface="HY헤드라인M"/>
-              </a:rPr>
-              <a:t> 제작 경험</a:t>
-            </a:r>
-          </a:p>
-        </p:txBody>
-      </p:sp>
-      <p:sp>
-        <p:nvSpPr>
-          <p:cNvPr id="19" name="TextBox 18">
-            <a:extLst>
-              <a:ext uri="{FF2B5EF4-FFF2-40B4-BE49-F238E27FC236}">
-                <a16:creationId xmlns:a16="http://schemas.microsoft.com/office/drawing/2014/main" id="{7BC4A763-8396-43A1-9B10-BA4FAFE695A2}"/>
-              </a:ext>
-            </a:extLst>
-          </p:cNvPr>
-          <p:cNvSpPr txBox="1"/>
-          <p:nvPr/>
-        </p:nvSpPr>
-        <p:spPr>
-          <a:xfrm>
-            <a:off x="2218782" y="2803526"/>
-            <a:ext cx="1986441" cy="2246769"/>
-          </a:xfrm>
-          <a:prstGeom prst="rect">
-            <a:avLst/>
-          </a:prstGeom>
-          <a:noFill/>
-        </p:spPr>
-        <p:txBody>
-          <a:bodyPr wrap="none">
-            <a:spAutoFit/>
-          </a:bodyPr>
-          <a:lstStyle/>
-          <a:p>
-            <a:pPr algn="ctr">
-              <a:defRPr/>
-            </a:pPr>
-            <a:r>
-              <a:rPr lang="en-US" altLang="ko-KR" sz="1400" dirty="0">
-                <a:latin typeface="HY헤드라인M"/>
-                <a:ea typeface="HY헤드라인M"/>
-              </a:rPr>
-              <a:t>C/C++</a:t>
-            </a:r>
-          </a:p>
-          <a:p>
-            <a:pPr algn="ctr">
-              <a:defRPr/>
-            </a:pPr>
-            <a:r>
-              <a:rPr lang="en-US" altLang="ko-KR" sz="1400" dirty="0">
-                <a:latin typeface="HY헤드라인M"/>
-                <a:ea typeface="HY헤드라인M"/>
-              </a:rPr>
-              <a:t>WIN API</a:t>
-            </a:r>
-          </a:p>
-          <a:p>
-            <a:pPr algn="ctr">
-              <a:defRPr/>
-            </a:pPr>
-            <a:r>
-              <a:rPr lang="ko-KR" altLang="en-US" sz="1400" dirty="0">
-                <a:latin typeface="HY헤드라인M"/>
-                <a:ea typeface="HY헤드라인M"/>
-              </a:rPr>
-              <a:t>자료구조</a:t>
-            </a:r>
-            <a:r>
-              <a:rPr lang="en-US" altLang="ko-KR" sz="1400" dirty="0">
-                <a:latin typeface="HY헤드라인M"/>
-                <a:ea typeface="HY헤드라인M"/>
-              </a:rPr>
-              <a:t>/</a:t>
-            </a:r>
-            <a:r>
-              <a:rPr lang="ko-KR" altLang="en-US" sz="1400" dirty="0">
-                <a:latin typeface="HY헤드라인M"/>
-                <a:ea typeface="HY헤드라인M"/>
-              </a:rPr>
-              <a:t>알고리즘</a:t>
-            </a:r>
-          </a:p>
-          <a:p>
-            <a:pPr algn="ctr">
-              <a:defRPr/>
-            </a:pPr>
-            <a:r>
-              <a:rPr lang="en-US" altLang="ko-KR" sz="1400" dirty="0">
-                <a:latin typeface="HY헤드라인M"/>
-                <a:ea typeface="HY헤드라인M"/>
-              </a:rPr>
-              <a:t>OpenGL</a:t>
-            </a:r>
-          </a:p>
-          <a:p>
-            <a:pPr algn="ctr">
-              <a:defRPr/>
-            </a:pPr>
-            <a:r>
-              <a:rPr lang="en-US" altLang="ko-KR" sz="1400" dirty="0">
-                <a:latin typeface="HY헤드라인M"/>
-                <a:ea typeface="HY헤드라인M"/>
-              </a:rPr>
-              <a:t>STL</a:t>
-            </a:r>
-          </a:p>
-          <a:p>
-            <a:pPr algn="ctr">
-              <a:defRPr/>
-            </a:pPr>
-            <a:endParaRPr lang="en-US" altLang="ko-KR" sz="1400" dirty="0">
-              <a:latin typeface="HY헤드라인M"/>
-              <a:ea typeface="HY헤드라인M"/>
-            </a:endParaRPr>
-          </a:p>
-          <a:p>
-            <a:pPr algn="ctr">
-              <a:defRPr/>
-            </a:pPr>
-            <a:r>
-              <a:rPr lang="en-US" altLang="ko-KR" sz="1400" dirty="0">
-                <a:latin typeface="HY헤드라인M"/>
-                <a:ea typeface="HY헤드라인M"/>
-              </a:rPr>
-              <a:t>DirectX 11</a:t>
-            </a:r>
-          </a:p>
-          <a:p>
-            <a:pPr algn="ctr">
-              <a:defRPr/>
-            </a:pPr>
-            <a:r>
-              <a:rPr lang="en-US" altLang="ko-KR" sz="1400" dirty="0">
-                <a:latin typeface="HY헤드라인M"/>
-                <a:ea typeface="HY헤드라인M"/>
-              </a:rPr>
-              <a:t>DirectX 2D </a:t>
-            </a:r>
-            <a:r>
-              <a:rPr lang="ko-KR" altLang="en-US" sz="1400" dirty="0">
-                <a:latin typeface="HY헤드라인M"/>
-                <a:ea typeface="HY헤드라인M"/>
-              </a:rPr>
-              <a:t>제작 경험</a:t>
-            </a:r>
-          </a:p>
-          <a:p>
-            <a:pPr algn="ctr">
-              <a:defRPr/>
-            </a:pPr>
-            <a:r>
-              <a:rPr lang="en-US" altLang="ko-KR" sz="1400" dirty="0">
-                <a:latin typeface="HY헤드라인M"/>
-                <a:ea typeface="HY헤드라인M"/>
-              </a:rPr>
-              <a:t>UNITY</a:t>
-            </a:r>
-            <a:r>
-              <a:rPr lang="ko-KR" altLang="en-US" sz="1400" dirty="0">
-                <a:latin typeface="HY헤드라인M"/>
-                <a:ea typeface="HY헤드라인M"/>
-              </a:rPr>
-              <a:t> 제작 경험</a:t>
-            </a:r>
-            <a:endParaRPr lang="en-US" altLang="ko-KR" sz="1400" dirty="0">
-              <a:latin typeface="HY헤드라인M"/>
-              <a:ea typeface="HY헤드라인M"/>
-            </a:endParaRPr>
-          </a:p>
-          <a:p>
-            <a:pPr algn="ctr">
-              <a:defRPr/>
-            </a:pPr>
-            <a:r>
-              <a:rPr lang="en-US" altLang="ko-KR" sz="1400" dirty="0">
-                <a:latin typeface="HY헤드라인M"/>
-                <a:ea typeface="HY헤드라인M"/>
-              </a:rPr>
-              <a:t>TCP/IP, IOCP </a:t>
-            </a:r>
-            <a:r>
-              <a:rPr lang="ko-KR" altLang="en-US" sz="1400" dirty="0">
-                <a:latin typeface="HY헤드라인M"/>
-                <a:ea typeface="HY헤드라인M"/>
-              </a:rPr>
-              <a:t>사용 경험</a:t>
-            </a:r>
           </a:p>
         </p:txBody>
       </p:sp>
@@ -7394,11 +6652,11 @@
   <p:clrMapOvr>
     <a:masterClrMapping/>
   </p:clrMapOvr>
-  <mc:AlternateContent xmlns:mc="http://schemas.openxmlformats.org/markup-compatibility/2006" xmlns:p14="http://schemas.microsoft.com/office/powerpoint/2010/main">
-    <mc:Choice Requires="p14">
-      <p:transition/>
+  <mc:AlternateContent xmlns:mc="http://schemas.openxmlformats.org/markup-compatibility/2006">
+    <mc:Choice xmlns:p14="http://schemas.microsoft.com/office/powerpoint/2010/main" Requires="p14">
+      <p:transition xmlns:mc="http://schemas.openxmlformats.org/markup-compatibility/2006" xmlns:p14="http://schemas.microsoft.com/office/powerpoint/2010/main" mc:Ignorable="p14" p14:dur="500"/>
     </mc:Choice>
-    <mc:Fallback xmlns:dsp="http://schemas.microsoft.com/office/drawing/2008/diagram" xmlns:dgm="http://schemas.openxmlformats.org/drawingml/2006/diagram" xmlns:c="http://schemas.openxmlformats.org/drawingml/2006/chart" xmlns="">
+    <mc:Fallback>
       <p:transition/>
     </mc:Fallback>
   </mc:AlternateContent>
@@ -7466,7 +6724,7 @@
         <p:spPr>
           <a:xfrm>
             <a:off x="1347787" y="876597"/>
-            <a:ext cx="3605474" cy="707886"/>
+            <a:ext cx="4118435" cy="707886"/>
           </a:xfrm>
           <a:prstGeom prst="rect">
             <a:avLst/>
@@ -7487,7 +6745,7 @@
                 <a:latin typeface="HY헤드라인M"/>
                 <a:ea typeface="HY헤드라인M"/>
               </a:rPr>
-              <a:t>중점 연구 분야</a:t>
+              <a:t>개인별 준비 현황</a:t>
             </a:r>
           </a:p>
         </p:txBody>
@@ -7606,7 +6864,7 @@
                 <a:latin typeface="HY헤드라인M"/>
                 <a:ea typeface="HY헤드라인M"/>
               </a:rPr>
-              <a:t>15/18</a:t>
+              <a:t>14/18</a:t>
             </a:r>
             <a:endParaRPr lang="ko-KR" altLang="en-US" dirty="0">
               <a:latin typeface="HY헤드라인M"/>
@@ -7676,11 +6934,11 @@
               <a:defRPr/>
             </a:pPr>
             <a:r>
-              <a:rPr lang="ko-KR" altLang="en-US" sz="2000" dirty="0">
+              <a:rPr lang="ko-KR" altLang="en-US" sz="2000">
                 <a:latin typeface="HY견고딕"/>
                 <a:ea typeface="HY견고딕"/>
               </a:rPr>
-              <a:t>이동규</a:t>
+              <a:t>김하윤</a:t>
             </a:r>
           </a:p>
         </p:txBody>
@@ -7711,16 +6969,12 @@
               <a:defRPr/>
             </a:pPr>
             <a:r>
-              <a:rPr lang="ko-KR" altLang="en-US" sz="2000" dirty="0" err="1">
+              <a:rPr lang="ko-KR" altLang="en-US" sz="2000">
                 <a:latin typeface="HY견고딕"/>
                 <a:ea typeface="HY견고딕"/>
               </a:rPr>
-              <a:t>김하윤</a:t>
-            </a:r>
-            <a:endParaRPr lang="ko-KR" altLang="en-US" sz="2000" dirty="0">
-              <a:latin typeface="HY견고딕"/>
-              <a:ea typeface="HY견고딕"/>
-            </a:endParaRPr>
+              <a:t>이동규</a:t>
+            </a:r>
           </a:p>
         </p:txBody>
       </p:sp>
@@ -7911,14 +7165,14 @@
       </p:sp>
       <p:sp>
         <p:nvSpPr>
-          <p:cNvPr id="18" name="TextBox 17"/>
+          <p:cNvPr id="14" name="TextBox 13"/>
           <p:cNvSpPr txBox="1"/>
           <p:nvPr/>
         </p:nvSpPr>
         <p:spPr>
           <a:xfrm>
-            <a:off x="7874018" y="2803526"/>
-            <a:ext cx="2425664" cy="1477328"/>
+            <a:off x="5193669" y="2803526"/>
+            <a:ext cx="1917512" cy="2677656"/>
           </a:xfrm>
           <a:prstGeom prst="rect">
             <a:avLst/>
@@ -7935,61 +7189,191 @@
               <a:defRPr/>
             </a:pPr>
             <a:r>
-              <a:rPr lang="en-US" altLang="ko-KR" dirty="0">
-                <a:latin typeface="HY견고딕"/>
-                <a:ea typeface="HY견고딕"/>
-              </a:rPr>
-              <a:t>IOCP </a:t>
-            </a:r>
-            <a:r>
-              <a:rPr lang="ko-KR" altLang="en-US" dirty="0">
-                <a:latin typeface="HY견고딕"/>
-                <a:ea typeface="HY견고딕"/>
-              </a:rPr>
-              <a:t>다중 접속 서버</a:t>
+              <a:rPr lang="en-US" altLang="ko-KR" sz="1400" dirty="0">
+                <a:latin typeface="HY헤드라인M"/>
+                <a:ea typeface="HY헤드라인M"/>
+              </a:rPr>
+              <a:t>C/C++</a:t>
             </a:r>
           </a:p>
           <a:p>
             <a:pPr algn="ctr">
               <a:defRPr/>
             </a:pPr>
-            <a:endParaRPr lang="en-US" altLang="ko-KR" dirty="0">
-              <a:latin typeface="HY견고딕"/>
-              <a:ea typeface="HY견고딕"/>
-            </a:endParaRPr>
+            <a:r>
+              <a:rPr lang="en-US" altLang="ko-KR" sz="1400" dirty="0">
+                <a:latin typeface="HY헤드라인M"/>
+                <a:ea typeface="HY헤드라인M"/>
+              </a:rPr>
+              <a:t>WIN API</a:t>
+            </a:r>
           </a:p>
           <a:p>
             <a:pPr algn="ctr">
               <a:defRPr/>
             </a:pPr>
             <a:r>
-              <a:rPr lang="ko-KR" altLang="en-US" dirty="0">
-                <a:latin typeface="HY견고딕"/>
-                <a:ea typeface="HY견고딕"/>
-              </a:rPr>
-              <a:t>서버 프레임워크</a:t>
+              <a:rPr lang="ko-KR" altLang="en-US" sz="1400" dirty="0">
+                <a:latin typeface="HY헤드라인M"/>
+                <a:ea typeface="HY헤드라인M"/>
+              </a:rPr>
+              <a:t>자료구조</a:t>
+            </a:r>
+            <a:r>
+              <a:rPr lang="en-US" altLang="ko-KR" sz="1400" dirty="0">
+                <a:latin typeface="HY헤드라인M"/>
+                <a:ea typeface="HY헤드라인M"/>
+              </a:rPr>
+              <a:t>/</a:t>
+            </a:r>
+            <a:r>
+              <a:rPr lang="ko-KR" altLang="en-US" sz="1400" dirty="0">
+                <a:latin typeface="HY헤드라인M"/>
+                <a:ea typeface="HY헤드라인M"/>
+              </a:rPr>
+              <a:t>알고리즘</a:t>
             </a:r>
           </a:p>
           <a:p>
             <a:pPr algn="ctr">
               <a:defRPr/>
             </a:pPr>
-            <a:endParaRPr lang="ko-KR" altLang="en-US" dirty="0">
-              <a:latin typeface="HY견고딕"/>
-              <a:ea typeface="HY견고딕"/>
-            </a:endParaRPr>
+            <a:r>
+              <a:rPr lang="en-US" altLang="ko-KR" sz="1400" dirty="0">
+                <a:latin typeface="HY헤드라인M"/>
+                <a:ea typeface="HY헤드라인M"/>
+              </a:rPr>
+              <a:t>OpenGL</a:t>
+            </a:r>
           </a:p>
           <a:p>
             <a:pPr algn="ctr">
               <a:defRPr/>
             </a:pPr>
             <a:r>
-              <a:rPr lang="ko-KR" altLang="en-US" dirty="0">
-                <a:latin typeface="HY견고딕"/>
-                <a:ea typeface="HY견고딕"/>
-              </a:rPr>
-              <a:t>서버 최적화</a:t>
-            </a:r>
+              <a:rPr lang="en-US" altLang="ko-KR" sz="1400" dirty="0">
+                <a:latin typeface="HY헤드라인M"/>
+                <a:ea typeface="HY헤드라인M"/>
+              </a:rPr>
+              <a:t>STL</a:t>
+            </a:r>
+          </a:p>
+          <a:p>
+            <a:pPr algn="ctr">
+              <a:defRPr/>
+            </a:pPr>
+            <a:r>
+              <a:rPr lang="en-US" altLang="ko-KR" sz="1400" dirty="0">
+                <a:latin typeface="HY헤드라인M"/>
+                <a:ea typeface="HY헤드라인M"/>
+              </a:rPr>
+              <a:t>DirectX 12</a:t>
+            </a:r>
+          </a:p>
+          <a:p>
+            <a:pPr algn="ctr">
+              <a:defRPr/>
+            </a:pPr>
+            <a:endParaRPr lang="en-US" altLang="ko-KR" sz="1400" dirty="0">
+              <a:latin typeface="HY헤드라인M"/>
+              <a:ea typeface="HY헤드라인M"/>
+            </a:endParaRPr>
+          </a:p>
+          <a:p>
+            <a:pPr algn="ctr">
+              <a:defRPr/>
+            </a:pPr>
+            <a:r>
+              <a:rPr lang="en-US" altLang="ko-KR" sz="1400" dirty="0">
+                <a:latin typeface="HY헤드라인M"/>
+                <a:ea typeface="HY헤드라인M"/>
+              </a:rPr>
+              <a:t>TCP/IP </a:t>
+            </a:r>
+            <a:r>
+              <a:rPr lang="ko-KR" altLang="en-US" sz="1400" dirty="0">
+                <a:latin typeface="HY헤드라인M"/>
+                <a:ea typeface="HY헤드라인M"/>
+              </a:rPr>
+              <a:t>사용 경험</a:t>
+            </a:r>
+            <a:endParaRPr lang="en-US" altLang="ko-KR" sz="1400" dirty="0">
+              <a:latin typeface="HY헤드라인M"/>
+              <a:ea typeface="HY헤드라인M"/>
+            </a:endParaRPr>
+          </a:p>
+          <a:p>
+            <a:pPr algn="ctr">
+              <a:defRPr/>
+            </a:pPr>
+            <a:r>
+              <a:rPr lang="en-US" altLang="ko-KR" sz="1400" dirty="0">
+                <a:latin typeface="HY헤드라인M"/>
+                <a:ea typeface="HY헤드라인M"/>
+              </a:rPr>
+              <a:t>DirectX 2D </a:t>
+            </a:r>
+            <a:r>
+              <a:rPr lang="ko-KR" altLang="en-US" sz="1400" dirty="0">
+                <a:latin typeface="HY헤드라인M"/>
+                <a:ea typeface="HY헤드라인M"/>
+              </a:rPr>
+              <a:t>제작 경험</a:t>
+            </a:r>
+          </a:p>
+          <a:p>
+            <a:pPr algn="ctr">
+              <a:defRPr/>
+            </a:pPr>
+            <a:r>
+              <a:rPr lang="en-US" altLang="ko-KR" sz="1400" dirty="0">
+                <a:latin typeface="HY헤드라인M"/>
+                <a:ea typeface="HY헤드라인M"/>
+              </a:rPr>
+              <a:t>DirectX12 </a:t>
+            </a:r>
+            <a:r>
+              <a:rPr lang="ko-KR" altLang="en-US" sz="1400" dirty="0" err="1">
+                <a:latin typeface="HY헤드라인M"/>
+                <a:ea typeface="HY헤드라인M"/>
+              </a:rPr>
+              <a:t>피킹</a:t>
+            </a:r>
+            <a:r>
+              <a:rPr lang="ko-KR" altLang="en-US" sz="1400" dirty="0">
+                <a:latin typeface="HY헤드라인M"/>
+                <a:ea typeface="HY헤드라인M"/>
+              </a:rPr>
+              <a:t> 구현</a:t>
+            </a:r>
+          </a:p>
+          <a:p>
+            <a:pPr algn="ctr">
+              <a:defRPr/>
+            </a:pPr>
+            <a:r>
+              <a:rPr lang="en-US" altLang="ko-KR" sz="1400" dirty="0">
+                <a:latin typeface="HY헤드라인M"/>
+                <a:ea typeface="HY헤드라인M"/>
+              </a:rPr>
+              <a:t>UNITY</a:t>
+            </a:r>
+            <a:r>
+              <a:rPr lang="ko-KR" altLang="en-US" sz="1400" dirty="0">
+                <a:latin typeface="HY헤드라인M"/>
+                <a:ea typeface="HY헤드라인M"/>
+              </a:rPr>
+              <a:t> 제작 경험</a:t>
+            </a:r>
+          </a:p>
+          <a:p>
+            <a:pPr algn="ctr">
+              <a:defRPr/>
+            </a:pPr>
+            <a:endParaRPr lang="en-US" altLang="ko-KR" sz="1400" dirty="0">
+              <a:latin typeface="HY헤드라인M"/>
+              <a:ea typeface="HY헤드라인M"/>
+            </a:endParaRPr>
           </a:p>
         </p:txBody>
       </p:sp>
@@ -8051,7 +7435,7 @@
         </p:nvSpPr>
         <p:spPr>
           <a:xfrm>
-            <a:off x="7206556" y="2330110"/>
+            <a:off x="7319044" y="2332539"/>
             <a:ext cx="558443" cy="2913426"/>
           </a:xfrm>
           <a:prstGeom prst="rect">
@@ -8095,26 +7479,22 @@
       </p:sp>
       <p:sp>
         <p:nvSpPr>
-          <p:cNvPr id="19" name="TextBox 18"/>
+          <p:cNvPr id="21" name="TextBox 20"/>
           <p:cNvSpPr txBox="1"/>
           <p:nvPr/>
         </p:nvSpPr>
         <p:spPr>
           <a:xfrm>
-            <a:off x="2157866" y="2543112"/>
-            <a:ext cx="5048690" cy="2585323"/>
+            <a:off x="7880983" y="2841217"/>
+            <a:ext cx="2278382" cy="2224178"/>
           </a:xfrm>
           <a:prstGeom prst="rect">
             <a:avLst/>
           </a:prstGeom>
           <a:noFill/>
-          <a:ln w="12700">
-            <a:noFill/>
-            <a:prstDash val="sysDot"/>
-          </a:ln>
         </p:spPr>
         <p:txBody>
-          <a:bodyPr wrap="square">
+          <a:bodyPr wrap="none">
             <a:spAutoFit/>
           </a:bodyPr>
           <a:lstStyle/>
@@ -8123,136 +7503,85 @@
               <a:defRPr/>
             </a:pPr>
             <a:r>
-              <a:rPr lang="ko-KR" altLang="en-US" dirty="0">
-                <a:latin typeface="HY견고딕"/>
-                <a:ea typeface="HY견고딕"/>
-              </a:rPr>
-              <a:t>클라이언트 프레임워크</a:t>
-            </a:r>
-            <a:endParaRPr lang="en-US" altLang="ko-KR" dirty="0">
-              <a:latin typeface="HY견고딕"/>
-              <a:ea typeface="HY견고딕"/>
-            </a:endParaRPr>
+              <a:rPr lang="en-US" altLang="ko-KR" sz="1400">
+                <a:latin typeface="HY헤드라인M"/>
+                <a:ea typeface="HY헤드라인M"/>
+              </a:rPr>
+              <a:t>C/C++</a:t>
+            </a:r>
           </a:p>
           <a:p>
             <a:pPr algn="ctr">
               <a:defRPr/>
             </a:pPr>
-            <a:endParaRPr lang="en-US" altLang="ko-KR" dirty="0">
-              <a:latin typeface="HY견고딕"/>
-              <a:ea typeface="HY견고딕"/>
-            </a:endParaRPr>
+            <a:r>
+              <a:rPr lang="en-US" altLang="ko-KR" sz="1400">
+                <a:latin typeface="HY헤드라인M"/>
+                <a:ea typeface="HY헤드라인M"/>
+              </a:rPr>
+              <a:t>WIN API</a:t>
+            </a:r>
           </a:p>
           <a:p>
             <a:pPr algn="ctr">
               <a:defRPr/>
             </a:pPr>
             <a:r>
-              <a:rPr lang="ko-KR" altLang="en-US" dirty="0">
-                <a:latin typeface="HY견고딕"/>
-                <a:ea typeface="HY견고딕"/>
-              </a:rPr>
-              <a:t>애니메이션</a:t>
+              <a:rPr lang="ko-KR" altLang="en-US" sz="1400">
+                <a:latin typeface="HY헤드라인M"/>
+                <a:ea typeface="HY헤드라인M"/>
+              </a:rPr>
+              <a:t>자료구조</a:t>
+            </a:r>
+            <a:r>
+              <a:rPr lang="en-US" altLang="ko-KR" sz="1400">
+                <a:latin typeface="HY헤드라인M"/>
+                <a:ea typeface="HY헤드라인M"/>
+              </a:rPr>
+              <a:t>/</a:t>
+            </a:r>
+            <a:r>
+              <a:rPr lang="ko-KR" altLang="en-US" sz="1400">
+                <a:latin typeface="HY헤드라인M"/>
+                <a:ea typeface="HY헤드라인M"/>
+              </a:rPr>
+              <a:t>알고리즘</a:t>
             </a:r>
           </a:p>
           <a:p>
             <a:pPr algn="ctr">
               <a:defRPr/>
             </a:pPr>
-            <a:endParaRPr lang="en-US" altLang="ko-KR" dirty="0">
-              <a:latin typeface="HY견고딕"/>
-              <a:ea typeface="HY견고딕"/>
-            </a:endParaRPr>
+            <a:r>
+              <a:rPr lang="en-US" altLang="ko-KR" sz="1400">
+                <a:latin typeface="HY헤드라인M"/>
+                <a:ea typeface="HY헤드라인M"/>
+              </a:rPr>
+              <a:t>OpenGL</a:t>
+            </a:r>
           </a:p>
           <a:p>
             <a:pPr algn="ctr">
               <a:defRPr/>
             </a:pPr>
             <a:r>
-              <a:rPr lang="ko-KR" altLang="en-US" dirty="0">
-                <a:latin typeface="HY견고딕"/>
-                <a:ea typeface="HY견고딕"/>
-              </a:rPr>
-              <a:t>그림자 </a:t>
-            </a:r>
-            <a:r>
-              <a:rPr lang="en-US" altLang="ko-KR" dirty="0">
-                <a:latin typeface="HY견고딕"/>
-                <a:ea typeface="HY견고딕"/>
-              </a:rPr>
-              <a:t>&amp; </a:t>
-            </a:r>
-            <a:r>
-              <a:rPr lang="ko-KR" altLang="en-US" dirty="0">
-                <a:latin typeface="HY견고딕"/>
-                <a:ea typeface="HY견고딕"/>
-              </a:rPr>
-              <a:t>조명 </a:t>
-            </a:r>
-            <a:endParaRPr lang="en-US" altLang="ko-KR" dirty="0">
-              <a:latin typeface="HY견고딕"/>
-              <a:ea typeface="HY견고딕"/>
-            </a:endParaRPr>
+              <a:rPr lang="en-US" altLang="ko-KR" sz="1400">
+                <a:latin typeface="HY헤드라인M"/>
+                <a:ea typeface="HY헤드라인M"/>
+              </a:rPr>
+              <a:t>STL</a:t>
+            </a:r>
           </a:p>
           <a:p>
             <a:pPr algn="ctr">
               <a:defRPr/>
             </a:pPr>
             <a:r>
-              <a:rPr lang="ko-KR" altLang="en-US" dirty="0" err="1">
-                <a:latin typeface="HY견고딕"/>
-                <a:ea typeface="HY견고딕"/>
-              </a:rPr>
-              <a:t>환경매핑</a:t>
-            </a:r>
-            <a:r>
-              <a:rPr lang="en-US" altLang="ko-KR" dirty="0">
-                <a:latin typeface="HY견고딕"/>
-                <a:ea typeface="HY견고딕"/>
-              </a:rPr>
-              <a:t>(</a:t>
-            </a:r>
-            <a:r>
-              <a:rPr lang="ko-KR" altLang="en-US" dirty="0">
-                <a:latin typeface="HY견고딕"/>
-                <a:ea typeface="HY견고딕"/>
-              </a:rPr>
-              <a:t>물</a:t>
-            </a:r>
-            <a:r>
-              <a:rPr lang="en-US" altLang="ko-KR" dirty="0">
-                <a:latin typeface="HY견고딕"/>
-                <a:ea typeface="HY견고딕"/>
-              </a:rPr>
-              <a:t>) / </a:t>
-            </a:r>
-            <a:r>
-              <a:rPr lang="ko-KR" altLang="en-US" dirty="0" err="1">
-                <a:latin typeface="HY견고딕"/>
-                <a:ea typeface="HY견고딕"/>
-              </a:rPr>
-              <a:t>범프매핑</a:t>
-            </a:r>
-            <a:r>
-              <a:rPr lang="en-US" altLang="ko-KR" dirty="0">
-                <a:latin typeface="HY견고딕"/>
-                <a:ea typeface="HY견고딕"/>
-              </a:rPr>
-              <a:t>(</a:t>
-            </a:r>
-            <a:r>
-              <a:rPr lang="ko-KR" altLang="en-US" dirty="0" err="1">
-                <a:latin typeface="HY견고딕"/>
-                <a:ea typeface="HY견고딕"/>
-              </a:rPr>
-              <a:t>노멀매핑</a:t>
-            </a:r>
-            <a:r>
-              <a:rPr lang="en-US" altLang="ko-KR" dirty="0">
-                <a:latin typeface="HY견고딕"/>
-                <a:ea typeface="HY견고딕"/>
-              </a:rPr>
-              <a:t>)</a:t>
+              <a:rPr lang="en-US" altLang="ko-KR" sz="1400">
+                <a:latin typeface="HY헤드라인M"/>
+                <a:ea typeface="HY헤드라인M"/>
+              </a:rPr>
+              <a:t>IOCP</a:t>
             </a:r>
           </a:p>
           <a:p>
@@ -8260,48 +7589,20 @@
               <a:defRPr/>
             </a:pPr>
             <a:r>
-              <a:rPr lang="ko-KR" altLang="en-US" dirty="0" err="1">
-                <a:latin typeface="HY견고딕"/>
-                <a:ea typeface="HY견고딕"/>
-              </a:rPr>
-              <a:t>쉐이더</a:t>
-            </a:r>
-            <a:r>
-              <a:rPr lang="ko-KR" altLang="en-US" dirty="0">
-                <a:latin typeface="HY견고딕"/>
-                <a:ea typeface="HY견고딕"/>
-              </a:rPr>
-              <a:t> 프로그래밍 </a:t>
-            </a:r>
-            <a:r>
-              <a:rPr lang="en-US" altLang="ko-KR" dirty="0">
-                <a:latin typeface="HY견고딕"/>
-                <a:ea typeface="HY견고딕"/>
-              </a:rPr>
-              <a:t>( </a:t>
-            </a:r>
-            <a:r>
-              <a:rPr lang="ko-KR" altLang="en-US" dirty="0">
-                <a:latin typeface="HY견고딕"/>
-                <a:ea typeface="HY견고딕"/>
-              </a:rPr>
-              <a:t>날씨 </a:t>
-            </a:r>
-            <a:r>
-              <a:rPr lang="en-US" altLang="ko-KR" dirty="0">
-                <a:latin typeface="HY견고딕"/>
-                <a:ea typeface="HY견고딕"/>
-              </a:rPr>
-              <a:t>)</a:t>
+              <a:rPr lang="en-US" altLang="ko-KR" sz="1400">
+                <a:latin typeface="HY헤드라인M"/>
+                <a:ea typeface="HY헤드라인M"/>
+              </a:rPr>
+              <a:t>Multi-Core Programming</a:t>
             </a:r>
           </a:p>
           <a:p>
             <a:pPr algn="ctr">
               <a:defRPr/>
             </a:pPr>
-            <a:endParaRPr lang="en-US" altLang="ko-KR" dirty="0">
-              <a:latin typeface="HY견고딕"/>
-              <a:ea typeface="HY견고딕"/>
+            <a:endParaRPr lang="en-US" altLang="ko-KR" sz="1400">
+              <a:latin typeface="HY헤드라인M"/>
+              <a:ea typeface="HY헤드라인M"/>
             </a:endParaRPr>
           </a:p>
           <a:p>
@@ -8309,11 +7610,222 @@
               <a:defRPr/>
             </a:pPr>
             <a:r>
-              <a:rPr lang="ko-KR" altLang="en-US" dirty="0">
-                <a:latin typeface="HY견고딕"/>
-                <a:ea typeface="HY견고딕"/>
-              </a:rPr>
-              <a:t>하우징 컨텐츠</a:t>
+              <a:rPr lang="en-US" altLang="ko-KR" sz="1400">
+                <a:latin typeface="HY헤드라인M"/>
+                <a:ea typeface="HY헤드라인M"/>
+              </a:rPr>
+              <a:t>IOCP Server</a:t>
+            </a:r>
+            <a:r>
+              <a:rPr lang="ko-KR" altLang="en-US" sz="1400">
+                <a:latin typeface="HY헤드라인M"/>
+                <a:ea typeface="HY헤드라인M"/>
+              </a:rPr>
+              <a:t> 제작 경험</a:t>
+            </a:r>
+          </a:p>
+          <a:p>
+            <a:pPr algn="ctr">
+              <a:defRPr/>
+            </a:pPr>
+            <a:r>
+              <a:rPr lang="en-US" altLang="ko-KR" sz="1400">
+                <a:latin typeface="HY헤드라인M"/>
+                <a:ea typeface="HY헤드라인M"/>
+              </a:rPr>
+              <a:t>UNITY</a:t>
+            </a:r>
+            <a:r>
+              <a:rPr lang="ko-KR" altLang="en-US" sz="1400">
+                <a:latin typeface="HY헤드라인M"/>
+                <a:ea typeface="HY헤드라인M"/>
+              </a:rPr>
+              <a:t> 제작 경험</a:t>
+            </a:r>
+          </a:p>
+        </p:txBody>
+      </p:sp>
+      <p:sp>
+        <p:nvSpPr>
+          <p:cNvPr id="19" name="TextBox 18">
+            <a:extLst>
+              <a:ext uri="{FF2B5EF4-FFF2-40B4-BE49-F238E27FC236}">
+                <a16:creationId xmlns:a16="http://schemas.microsoft.com/office/drawing/2014/main" id="{7BC4A763-8396-43A1-9B10-BA4FAFE695A2}"/>
+              </a:ext>
+            </a:extLst>
+          </p:cNvPr>
+          <p:cNvSpPr txBox="1"/>
+          <p:nvPr/>
+        </p:nvSpPr>
+        <p:spPr>
+          <a:xfrm>
+            <a:off x="2218782" y="2803526"/>
+            <a:ext cx="1986441" cy="2246769"/>
+          </a:xfrm>
+          <a:prstGeom prst="rect">
+            <a:avLst/>
+          </a:prstGeom>
+          <a:noFill/>
+        </p:spPr>
+        <p:txBody>
+          <a:bodyPr wrap="none">
+            <a:spAutoFit/>
+          </a:bodyPr>
+          <a:lstStyle/>
+          <a:p>
+            <a:pPr algn="ctr">
+              <a:defRPr/>
+            </a:pPr>
+            <a:r>
+              <a:rPr lang="en-US" altLang="ko-KR" sz="1400" dirty="0">
+                <a:latin typeface="HY헤드라인M"/>
+                <a:ea typeface="HY헤드라인M"/>
+              </a:rPr>
+              <a:t>C/C++</a:t>
+            </a:r>
+          </a:p>
+          <a:p>
+            <a:pPr algn="ctr">
+              <a:defRPr/>
+            </a:pPr>
+            <a:r>
+              <a:rPr lang="en-US" altLang="ko-KR" sz="1400" dirty="0">
+                <a:latin typeface="HY헤드라인M"/>
+                <a:ea typeface="HY헤드라인M"/>
+              </a:rPr>
+              <a:t>WIN API</a:t>
+            </a:r>
+          </a:p>
+          <a:p>
+            <a:pPr algn="ctr">
+              <a:defRPr/>
+            </a:pPr>
+            <a:r>
+              <a:rPr lang="ko-KR" altLang="en-US" sz="1400" dirty="0">
+                <a:latin typeface="HY헤드라인M"/>
+                <a:ea typeface="HY헤드라인M"/>
+              </a:rPr>
+              <a:t>자료구조</a:t>
+            </a:r>
+            <a:r>
+              <a:rPr lang="en-US" altLang="ko-KR" sz="1400" dirty="0">
+                <a:latin typeface="HY헤드라인M"/>
+                <a:ea typeface="HY헤드라인M"/>
+              </a:rPr>
+              <a:t>/</a:t>
+            </a:r>
+            <a:r>
+              <a:rPr lang="ko-KR" altLang="en-US" sz="1400" dirty="0">
+                <a:latin typeface="HY헤드라인M"/>
+                <a:ea typeface="HY헤드라인M"/>
+              </a:rPr>
+              <a:t>알고리즘</a:t>
+            </a:r>
+          </a:p>
+          <a:p>
+            <a:pPr algn="ctr">
+              <a:defRPr/>
+            </a:pPr>
+            <a:r>
+              <a:rPr lang="en-US" altLang="ko-KR" sz="1400" dirty="0">
+                <a:latin typeface="HY헤드라인M"/>
+                <a:ea typeface="HY헤드라인M"/>
+              </a:rPr>
+              <a:t>OpenGL</a:t>
+            </a:r>
+          </a:p>
+          <a:p>
+            <a:pPr algn="ctr">
+              <a:defRPr/>
+            </a:pPr>
+            <a:r>
+              <a:rPr lang="en-US" altLang="ko-KR" sz="1400" dirty="0">
+                <a:latin typeface="HY헤드라인M"/>
+                <a:ea typeface="HY헤드라인M"/>
+              </a:rPr>
+              <a:t>STL</a:t>
+            </a:r>
+          </a:p>
+          <a:p>
+            <a:pPr algn="ctr">
+              <a:defRPr/>
+            </a:pPr>
+            <a:endParaRPr lang="en-US" altLang="ko-KR" sz="1400" dirty="0">
+              <a:latin typeface="HY헤드라인M"/>
+              <a:ea typeface="HY헤드라인M"/>
+            </a:endParaRPr>
+          </a:p>
+          <a:p>
+            <a:pPr algn="ctr">
+              <a:defRPr/>
+            </a:pPr>
+            <a:r>
+              <a:rPr lang="en-US" altLang="ko-KR" sz="1400" dirty="0">
+                <a:latin typeface="HY헤드라인M"/>
+                <a:ea typeface="HY헤드라인M"/>
+              </a:rPr>
+              <a:t>DirectX 11</a:t>
+            </a:r>
+          </a:p>
+          <a:p>
+            <a:pPr algn="ctr">
+              <a:defRPr/>
+            </a:pPr>
+            <a:r>
+              <a:rPr lang="en-US" altLang="ko-KR" sz="1400" dirty="0">
+                <a:latin typeface="HY헤드라인M"/>
+                <a:ea typeface="HY헤드라인M"/>
+              </a:rPr>
+              <a:t>DirectX 2D </a:t>
+            </a:r>
+            <a:r>
+              <a:rPr lang="ko-KR" altLang="en-US" sz="1400" dirty="0">
+                <a:latin typeface="HY헤드라인M"/>
+                <a:ea typeface="HY헤드라인M"/>
+              </a:rPr>
+              <a:t>제작 경험</a:t>
+            </a:r>
+          </a:p>
+          <a:p>
+            <a:pPr algn="ctr">
+              <a:defRPr/>
+            </a:pPr>
+            <a:r>
+              <a:rPr lang="en-US" altLang="ko-KR" sz="1400" dirty="0">
+                <a:latin typeface="HY헤드라인M"/>
+                <a:ea typeface="HY헤드라인M"/>
+              </a:rPr>
+              <a:t>UNITY</a:t>
+            </a:r>
+            <a:r>
+              <a:rPr lang="ko-KR" altLang="en-US" sz="1400" dirty="0">
+                <a:latin typeface="HY헤드라인M"/>
+                <a:ea typeface="HY헤드라인M"/>
+              </a:rPr>
+              <a:t> 제작 경험</a:t>
+            </a:r>
+            <a:endParaRPr lang="en-US" altLang="ko-KR" sz="1400" dirty="0">
+              <a:latin typeface="HY헤드라인M"/>
+              <a:ea typeface="HY헤드라인M"/>
+            </a:endParaRPr>
+          </a:p>
+          <a:p>
+            <a:pPr algn="ctr">
+              <a:defRPr/>
+            </a:pPr>
+            <a:r>
+              <a:rPr lang="en-US" altLang="ko-KR" sz="1400" dirty="0">
+                <a:latin typeface="HY헤드라인M"/>
+                <a:ea typeface="HY헤드라인M"/>
+              </a:rPr>
+              <a:t>TCP/IP, IOCP </a:t>
+            </a:r>
+            <a:r>
+              <a:rPr lang="ko-KR" altLang="en-US" sz="1400" dirty="0">
+                <a:latin typeface="HY헤드라인M"/>
+                <a:ea typeface="HY헤드라인M"/>
+              </a:rPr>
+              <a:t>사용 경험</a:t>
             </a:r>
           </a:p>
         </p:txBody>
@@ -8395,6 +7907,935 @@
         <p:spPr>
           <a:xfrm>
             <a:off x="1347787" y="876597"/>
+            <a:ext cx="3605474" cy="707886"/>
+          </a:xfrm>
+          <a:prstGeom prst="rect">
+            <a:avLst/>
+          </a:prstGeom>
+          <a:noFill/>
+        </p:spPr>
+        <p:txBody>
+          <a:bodyPr wrap="none">
+            <a:spAutoFit/>
+          </a:bodyPr>
+          <a:lstStyle/>
+          <a:p>
+            <a:pPr lvl="0">
+              <a:defRPr/>
+            </a:pPr>
+            <a:r>
+              <a:rPr lang="ko-KR" altLang="en-US" sz="4000">
+                <a:latin typeface="HY헤드라인M"/>
+                <a:ea typeface="HY헤드라인M"/>
+              </a:rPr>
+              <a:t>중점 연구 분야</a:t>
+            </a:r>
+          </a:p>
+        </p:txBody>
+      </p:sp>
+      <p:sp>
+        <p:nvSpPr>
+          <p:cNvPr id="4" name="TextBox 3"/>
+          <p:cNvSpPr txBox="1"/>
+          <p:nvPr/>
+        </p:nvSpPr>
+        <p:spPr>
+          <a:xfrm>
+            <a:off x="8671112" y="443788"/>
+            <a:ext cx="1922321" cy="523220"/>
+          </a:xfrm>
+          <a:prstGeom prst="rect">
+            <a:avLst/>
+          </a:prstGeom>
+          <a:noFill/>
+        </p:spPr>
+        <p:txBody>
+          <a:bodyPr wrap="none">
+            <a:spAutoFit/>
+          </a:bodyPr>
+          <a:lstStyle/>
+          <a:p>
+            <a:pPr lvl="0">
+              <a:defRPr/>
+            </a:pPr>
+            <a:r>
+              <a:rPr lang="en-US" altLang="ko-KR" sz="2800" dirty="0">
+                <a:latin typeface="HY헤드라인M"/>
+                <a:ea typeface="HY헤드라인M"/>
+              </a:rPr>
+              <a:t>The Island</a:t>
+            </a:r>
+            <a:endParaRPr lang="ko-KR" altLang="en-US" sz="2800" dirty="0">
+              <a:latin typeface="HY헤드라인M"/>
+              <a:ea typeface="HY헤드라인M"/>
+            </a:endParaRPr>
+          </a:p>
+        </p:txBody>
+      </p:sp>
+      <p:sp>
+        <p:nvSpPr>
+          <p:cNvPr id="5" name="TextBox 4"/>
+          <p:cNvSpPr txBox="1"/>
+          <p:nvPr/>
+        </p:nvSpPr>
+        <p:spPr>
+          <a:xfrm>
+            <a:off x="1347787" y="59067"/>
+            <a:ext cx="1382110" cy="769441"/>
+          </a:xfrm>
+          <a:prstGeom prst="rect">
+            <a:avLst/>
+          </a:prstGeom>
+          <a:noFill/>
+        </p:spPr>
+        <p:txBody>
+          <a:bodyPr wrap="none">
+            <a:spAutoFit/>
+          </a:bodyPr>
+          <a:lstStyle/>
+          <a:p>
+            <a:pPr lvl="0">
+              <a:defRPr/>
+            </a:pPr>
+            <a:r>
+              <a:rPr lang="en-US" altLang="ko-KR" sz="4400">
+                <a:solidFill>
+                  <a:schemeClr val="accent1"/>
+                </a:solidFill>
+                <a:latin typeface="HY헤드라인M"/>
+                <a:ea typeface="HY헤드라인M"/>
+              </a:rPr>
+              <a:t>HOW</a:t>
+            </a:r>
+            <a:endParaRPr lang="ko-KR" altLang="en-US" sz="4400">
+              <a:solidFill>
+                <a:schemeClr val="accent1"/>
+              </a:solidFill>
+              <a:latin typeface="HY헤드라인M"/>
+              <a:ea typeface="HY헤드라인M"/>
+            </a:endParaRPr>
+          </a:p>
+        </p:txBody>
+      </p:sp>
+      <p:sp>
+        <p:nvSpPr>
+          <p:cNvPr id="6" name="TextBox 5"/>
+          <p:cNvSpPr txBox="1"/>
+          <p:nvPr/>
+        </p:nvSpPr>
+        <p:spPr>
+          <a:xfrm>
+            <a:off x="10207499" y="6283173"/>
+            <a:ext cx="809837" cy="369332"/>
+          </a:xfrm>
+          <a:prstGeom prst="rect">
+            <a:avLst/>
+          </a:prstGeom>
+          <a:noFill/>
+        </p:spPr>
+        <p:txBody>
+          <a:bodyPr wrap="none">
+            <a:spAutoFit/>
+          </a:bodyPr>
+          <a:lstStyle/>
+          <a:p>
+            <a:pPr lvl="0">
+              <a:defRPr/>
+            </a:pPr>
+            <a:r>
+              <a:rPr lang="en-US" altLang="ko-KR" dirty="0">
+                <a:latin typeface="HY헤드라인M"/>
+                <a:ea typeface="HY헤드라인M"/>
+              </a:rPr>
+              <a:t>15/18</a:t>
+            </a:r>
+            <a:endParaRPr lang="ko-KR" altLang="en-US" dirty="0">
+              <a:latin typeface="HY헤드라인M"/>
+              <a:ea typeface="HY헤드라인M"/>
+            </a:endParaRPr>
+          </a:p>
+        </p:txBody>
+      </p:sp>
+      <p:cxnSp>
+        <p:nvCxnSpPr>
+          <p:cNvPr id="7" name="직선 연결선 6"/>
+          <p:cNvCxnSpPr/>
+          <p:nvPr/>
+        </p:nvCxnSpPr>
+        <p:spPr>
+          <a:xfrm>
+            <a:off x="1347787" y="6263528"/>
+            <a:ext cx="9496425" cy="19645"/>
+          </a:xfrm>
+          <a:prstGeom prst="line">
+            <a:avLst/>
+          </a:prstGeom>
+          <a:ln w="25400">
+            <a:solidFill>
+              <a:schemeClr val="tx1"/>
+            </a:solidFill>
+          </a:ln>
+        </p:spPr>
+        <p:style>
+          <a:lnRef idx="1">
+            <a:schemeClr val="accent1"/>
+          </a:lnRef>
+          <a:fillRef idx="0">
+            <a:schemeClr val="accent1"/>
+          </a:fillRef>
+          <a:effectRef idx="0">
+            <a:schemeClr val="accent1"/>
+          </a:effectRef>
+          <a:fontRef idx="minor">
+            <a:schemeClr val="tx1"/>
+          </a:fontRef>
+        </p:style>
+      </p:cxnSp>
+      <p:sp>
+        <p:nvSpPr>
+          <p:cNvPr id="8" name="TextBox 7"/>
+          <p:cNvSpPr txBox="1"/>
+          <p:nvPr/>
+        </p:nvSpPr>
+        <p:spPr>
+          <a:xfrm>
+            <a:off x="2729897" y="2143002"/>
+            <a:ext cx="954107" cy="400110"/>
+          </a:xfrm>
+          <a:prstGeom prst="rect">
+            <a:avLst/>
+          </a:prstGeom>
+          <a:noFill/>
+        </p:spPr>
+        <p:txBody>
+          <a:bodyPr wrap="none">
+            <a:spAutoFit/>
+          </a:bodyPr>
+          <a:lstStyle/>
+          <a:p>
+            <a:pPr algn="ctr">
+              <a:defRPr/>
+            </a:pPr>
+            <a:r>
+              <a:rPr lang="ko-KR" altLang="en-US" sz="2000" dirty="0">
+                <a:latin typeface="HY견고딕"/>
+                <a:ea typeface="HY견고딕"/>
+              </a:rPr>
+              <a:t>이동규</a:t>
+            </a:r>
+          </a:p>
+        </p:txBody>
+      </p:sp>
+      <p:sp>
+        <p:nvSpPr>
+          <p:cNvPr id="9" name="TextBox 8"/>
+          <p:cNvSpPr txBox="1"/>
+          <p:nvPr/>
+        </p:nvSpPr>
+        <p:spPr>
+          <a:xfrm>
+            <a:off x="5675370" y="2143002"/>
+            <a:ext cx="954107" cy="400110"/>
+          </a:xfrm>
+          <a:prstGeom prst="rect">
+            <a:avLst/>
+          </a:prstGeom>
+          <a:noFill/>
+        </p:spPr>
+        <p:txBody>
+          <a:bodyPr wrap="none">
+            <a:spAutoFit/>
+          </a:bodyPr>
+          <a:lstStyle/>
+          <a:p>
+            <a:pPr algn="ctr">
+              <a:defRPr/>
+            </a:pPr>
+            <a:r>
+              <a:rPr lang="ko-KR" altLang="en-US" sz="2000" dirty="0" err="1">
+                <a:latin typeface="HY견고딕"/>
+                <a:ea typeface="HY견고딕"/>
+              </a:rPr>
+              <a:t>김하윤</a:t>
+            </a:r>
+            <a:endParaRPr lang="ko-KR" altLang="en-US" sz="2000" dirty="0">
+              <a:latin typeface="HY견고딕"/>
+              <a:ea typeface="HY견고딕"/>
+            </a:endParaRPr>
+          </a:p>
+        </p:txBody>
+      </p:sp>
+      <p:sp>
+        <p:nvSpPr>
+          <p:cNvPr id="10" name="TextBox 9"/>
+          <p:cNvSpPr txBox="1"/>
+          <p:nvPr/>
+        </p:nvSpPr>
+        <p:spPr>
+          <a:xfrm>
+            <a:off x="8620843" y="2143002"/>
+            <a:ext cx="954107" cy="400110"/>
+          </a:xfrm>
+          <a:prstGeom prst="rect">
+            <a:avLst/>
+          </a:prstGeom>
+          <a:noFill/>
+        </p:spPr>
+        <p:txBody>
+          <a:bodyPr wrap="none">
+            <a:spAutoFit/>
+          </a:bodyPr>
+          <a:lstStyle/>
+          <a:p>
+            <a:pPr algn="ctr">
+              <a:defRPr/>
+            </a:pPr>
+            <a:r>
+              <a:rPr lang="ko-KR" altLang="en-US" sz="2000">
+                <a:latin typeface="HY견고딕"/>
+                <a:ea typeface="HY견고딕"/>
+              </a:rPr>
+              <a:t>이득유</a:t>
+            </a:r>
+          </a:p>
+        </p:txBody>
+      </p:sp>
+      <p:sp>
+        <p:nvSpPr>
+          <p:cNvPr id="15" name="사각형: 둥근 모서리 14"/>
+          <p:cNvSpPr/>
+          <p:nvPr/>
+        </p:nvSpPr>
+        <p:spPr>
+          <a:xfrm>
+            <a:off x="1736738" y="1882588"/>
+            <a:ext cx="2940423" cy="3830032"/>
+          </a:xfrm>
+          <a:prstGeom prst="roundRect">
+            <a:avLst>
+              <a:gd name="adj" fmla="val 16667"/>
+            </a:avLst>
+          </a:prstGeom>
+          <a:noFill/>
+          <a:ln w="25400" cmpd="sng">
+            <a:solidFill>
+              <a:schemeClr val="tx1"/>
+            </a:solidFill>
+          </a:ln>
+        </p:spPr>
+        <p:style>
+          <a:lnRef idx="2">
+            <a:schemeClr val="accent1">
+              <a:shade val="50000"/>
+            </a:schemeClr>
+          </a:lnRef>
+          <a:fillRef idx="1">
+            <a:schemeClr val="accent1"/>
+          </a:fillRef>
+          <a:effectRef idx="0">
+            <a:schemeClr val="accent1"/>
+          </a:effectRef>
+          <a:fontRef idx="minor">
+            <a:schemeClr val="lt1"/>
+          </a:fontRef>
+        </p:style>
+        <p:txBody>
+          <a:bodyPr anchor="ctr"/>
+          <a:lstStyle/>
+          <a:p>
+            <a:pPr algn="ctr">
+              <a:defRPr/>
+            </a:pPr>
+            <a:endParaRPr lang="ko-KR" altLang="en-US"/>
+          </a:p>
+        </p:txBody>
+      </p:sp>
+      <p:sp>
+        <p:nvSpPr>
+          <p:cNvPr id="16" name="사각형: 둥근 모서리 15"/>
+          <p:cNvSpPr/>
+          <p:nvPr/>
+        </p:nvSpPr>
+        <p:spPr>
+          <a:xfrm>
+            <a:off x="4682211" y="1882588"/>
+            <a:ext cx="2940423" cy="3830032"/>
+          </a:xfrm>
+          <a:prstGeom prst="roundRect">
+            <a:avLst>
+              <a:gd name="adj" fmla="val 16667"/>
+            </a:avLst>
+          </a:prstGeom>
+          <a:noFill/>
+          <a:ln w="25400" cmpd="sng">
+            <a:solidFill>
+              <a:schemeClr val="tx1"/>
+            </a:solidFill>
+          </a:ln>
+        </p:spPr>
+        <p:style>
+          <a:lnRef idx="2">
+            <a:schemeClr val="accent1">
+              <a:shade val="50000"/>
+            </a:schemeClr>
+          </a:lnRef>
+          <a:fillRef idx="1">
+            <a:schemeClr val="accent1"/>
+          </a:fillRef>
+          <a:effectRef idx="0">
+            <a:schemeClr val="accent1"/>
+          </a:effectRef>
+          <a:fontRef idx="minor">
+            <a:schemeClr val="lt1"/>
+          </a:fontRef>
+        </p:style>
+        <p:txBody>
+          <a:bodyPr anchor="ctr"/>
+          <a:lstStyle/>
+          <a:p>
+            <a:pPr algn="ctr">
+              <a:defRPr/>
+            </a:pPr>
+            <a:endParaRPr lang="ko-KR" altLang="en-US"/>
+          </a:p>
+        </p:txBody>
+      </p:sp>
+      <p:sp>
+        <p:nvSpPr>
+          <p:cNvPr id="17" name="사각형: 둥근 모서리 16"/>
+          <p:cNvSpPr/>
+          <p:nvPr/>
+        </p:nvSpPr>
+        <p:spPr>
+          <a:xfrm>
+            <a:off x="7627684" y="1882588"/>
+            <a:ext cx="2940423" cy="3830032"/>
+          </a:xfrm>
+          <a:prstGeom prst="roundRect">
+            <a:avLst>
+              <a:gd name="adj" fmla="val 16667"/>
+            </a:avLst>
+          </a:prstGeom>
+          <a:noFill/>
+          <a:ln w="25400" cmpd="sng">
+            <a:solidFill>
+              <a:schemeClr val="tx1"/>
+            </a:solidFill>
+          </a:ln>
+        </p:spPr>
+        <p:style>
+          <a:lnRef idx="2">
+            <a:schemeClr val="accent1">
+              <a:shade val="50000"/>
+            </a:schemeClr>
+          </a:lnRef>
+          <a:fillRef idx="1">
+            <a:schemeClr val="accent1"/>
+          </a:fillRef>
+          <a:effectRef idx="0">
+            <a:schemeClr val="accent1"/>
+          </a:effectRef>
+          <a:fontRef idx="minor">
+            <a:schemeClr val="lt1"/>
+          </a:fontRef>
+        </p:style>
+        <p:txBody>
+          <a:bodyPr anchor="ctr"/>
+          <a:lstStyle/>
+          <a:p>
+            <a:pPr algn="ctr">
+              <a:defRPr/>
+            </a:pPr>
+            <a:endParaRPr lang="ko-KR" altLang="en-US"/>
+          </a:p>
+        </p:txBody>
+      </p:sp>
+      <p:sp>
+        <p:nvSpPr>
+          <p:cNvPr id="18" name="TextBox 17"/>
+          <p:cNvSpPr txBox="1"/>
+          <p:nvPr/>
+        </p:nvSpPr>
+        <p:spPr>
+          <a:xfrm>
+            <a:off x="7874018" y="2803526"/>
+            <a:ext cx="2425664" cy="1477328"/>
+          </a:xfrm>
+          <a:prstGeom prst="rect">
+            <a:avLst/>
+          </a:prstGeom>
+          <a:noFill/>
+        </p:spPr>
+        <p:txBody>
+          <a:bodyPr wrap="none">
+            <a:spAutoFit/>
+          </a:bodyPr>
+          <a:lstStyle/>
+          <a:p>
+            <a:pPr algn="ctr">
+              <a:defRPr/>
+            </a:pPr>
+            <a:r>
+              <a:rPr lang="en-US" altLang="ko-KR" dirty="0">
+                <a:latin typeface="HY견고딕"/>
+                <a:ea typeface="HY견고딕"/>
+              </a:rPr>
+              <a:t>IOCP </a:t>
+            </a:r>
+            <a:r>
+              <a:rPr lang="ko-KR" altLang="en-US" dirty="0">
+                <a:latin typeface="HY견고딕"/>
+                <a:ea typeface="HY견고딕"/>
+              </a:rPr>
+              <a:t>다중 접속 서버</a:t>
+            </a:r>
+          </a:p>
+          <a:p>
+            <a:pPr algn="ctr">
+              <a:defRPr/>
+            </a:pPr>
+            <a:endParaRPr lang="en-US" altLang="ko-KR" dirty="0">
+              <a:latin typeface="HY견고딕"/>
+              <a:ea typeface="HY견고딕"/>
+            </a:endParaRPr>
+          </a:p>
+          <a:p>
+            <a:pPr algn="ctr">
+              <a:defRPr/>
+            </a:pPr>
+            <a:r>
+              <a:rPr lang="ko-KR" altLang="en-US" dirty="0">
+                <a:latin typeface="HY견고딕"/>
+                <a:ea typeface="HY견고딕"/>
+              </a:rPr>
+              <a:t>서버 프레임워크</a:t>
+            </a:r>
+          </a:p>
+          <a:p>
+            <a:pPr algn="ctr">
+              <a:defRPr/>
+            </a:pPr>
+            <a:endParaRPr lang="ko-KR" altLang="en-US" dirty="0">
+              <a:latin typeface="HY견고딕"/>
+              <a:ea typeface="HY견고딕"/>
+            </a:endParaRPr>
+          </a:p>
+          <a:p>
+            <a:pPr algn="ctr">
+              <a:defRPr/>
+            </a:pPr>
+            <a:r>
+              <a:rPr lang="ko-KR" altLang="en-US" dirty="0">
+                <a:latin typeface="HY견고딕"/>
+                <a:ea typeface="HY견고딕"/>
+              </a:rPr>
+              <a:t>서버 최적화</a:t>
+            </a:r>
+          </a:p>
+        </p:txBody>
+      </p:sp>
+      <p:sp>
+        <p:nvSpPr>
+          <p:cNvPr id="29" name="직사각형 28"/>
+          <p:cNvSpPr/>
+          <p:nvPr/>
+        </p:nvSpPr>
+        <p:spPr>
+          <a:xfrm>
+            <a:off x="4371046" y="2332541"/>
+            <a:ext cx="558443" cy="2913424"/>
+          </a:xfrm>
+          <a:prstGeom prst="rect">
+            <a:avLst/>
+          </a:prstGeom>
+          <a:solidFill>
+            <a:schemeClr val="bg1"/>
+          </a:solidFill>
+          <a:ln>
+            <a:solidFill>
+              <a:schemeClr val="bg1"/>
+            </a:solidFill>
+          </a:ln>
+        </p:spPr>
+        <p:style>
+          <a:lnRef idx="2">
+            <a:schemeClr val="accent1">
+              <a:shade val="50000"/>
+            </a:schemeClr>
+          </a:lnRef>
+          <a:fillRef idx="1">
+            <a:schemeClr val="accent1"/>
+          </a:fillRef>
+          <a:effectRef idx="0">
+            <a:schemeClr val="accent1"/>
+          </a:effectRef>
+          <a:fontRef idx="minor">
+            <a:schemeClr val="lt1"/>
+          </a:fontRef>
+        </p:style>
+        <p:txBody>
+          <a:bodyPr anchor="ctr"/>
+          <a:lstStyle/>
+          <a:p>
+            <a:pPr algn="ctr">
+              <a:defRPr/>
+            </a:pPr>
+            <a:endParaRPr lang="ko-KR" altLang="en-US"/>
+          </a:p>
+        </p:txBody>
+      </p:sp>
+      <p:sp>
+        <p:nvSpPr>
+          <p:cNvPr id="30" name="직사각형 29"/>
+          <p:cNvSpPr/>
+          <p:nvPr/>
+        </p:nvSpPr>
+        <p:spPr>
+          <a:xfrm>
+            <a:off x="7206556" y="2330110"/>
+            <a:ext cx="558443" cy="2913426"/>
+          </a:xfrm>
+          <a:prstGeom prst="rect">
+            <a:avLst/>
+          </a:prstGeom>
+          <a:solidFill>
+            <a:schemeClr val="bg1"/>
+          </a:solidFill>
+          <a:ln>
+            <a:solidFill>
+              <a:schemeClr val="bg1"/>
+            </a:solidFill>
+          </a:ln>
+        </p:spPr>
+        <p:style>
+          <a:lnRef idx="2">
+            <a:schemeClr val="accent1">
+              <a:shade val="50000"/>
+            </a:schemeClr>
+          </a:lnRef>
+          <a:fillRef idx="1">
+            <a:schemeClr val="accent1"/>
+          </a:fillRef>
+          <a:effectRef idx="0">
+            <a:schemeClr val="accent1"/>
+          </a:effectRef>
+          <a:fontRef idx="minor">
+            <a:schemeClr val="lt1"/>
+          </a:fontRef>
+        </p:style>
+        <p:txBody>
+          <a:bodyPr anchor="ctr"/>
+          <a:lstStyle/>
+          <a:p>
+            <a:pPr algn="ctr">
+              <a:defRPr/>
+            </a:pPr>
+            <a:endParaRPr lang="ko-KR" altLang="en-US"/>
+          </a:p>
+        </p:txBody>
+      </p:sp>
+      <p:sp>
+        <p:nvSpPr>
+          <p:cNvPr id="19" name="TextBox 18"/>
+          <p:cNvSpPr txBox="1"/>
+          <p:nvPr/>
+        </p:nvSpPr>
+        <p:spPr>
+          <a:xfrm>
+            <a:off x="2157866" y="2543112"/>
+            <a:ext cx="5048690" cy="2585323"/>
+          </a:xfrm>
+          <a:prstGeom prst="rect">
+            <a:avLst/>
+          </a:prstGeom>
+          <a:noFill/>
+          <a:ln w="12700">
+            <a:noFill/>
+            <a:prstDash val="sysDot"/>
+          </a:ln>
+        </p:spPr>
+        <p:txBody>
+          <a:bodyPr wrap="square">
+            <a:spAutoFit/>
+          </a:bodyPr>
+          <a:lstStyle/>
+          <a:p>
+            <a:pPr algn="ctr">
+              <a:defRPr/>
+            </a:pPr>
+            <a:r>
+              <a:rPr lang="ko-KR" altLang="en-US" dirty="0">
+                <a:latin typeface="HY견고딕"/>
+                <a:ea typeface="HY견고딕"/>
+              </a:rPr>
+              <a:t>클라이언트 프레임워크</a:t>
+            </a:r>
+            <a:endParaRPr lang="en-US" altLang="ko-KR" dirty="0">
+              <a:latin typeface="HY견고딕"/>
+              <a:ea typeface="HY견고딕"/>
+            </a:endParaRPr>
+          </a:p>
+          <a:p>
+            <a:pPr algn="ctr">
+              <a:defRPr/>
+            </a:pPr>
+            <a:endParaRPr lang="en-US" altLang="ko-KR" dirty="0">
+              <a:latin typeface="HY견고딕"/>
+              <a:ea typeface="HY견고딕"/>
+            </a:endParaRPr>
+          </a:p>
+          <a:p>
+            <a:pPr algn="ctr">
+              <a:defRPr/>
+            </a:pPr>
+            <a:r>
+              <a:rPr lang="ko-KR" altLang="en-US" dirty="0">
+                <a:latin typeface="HY견고딕"/>
+                <a:ea typeface="HY견고딕"/>
+              </a:rPr>
+              <a:t>애니메이션</a:t>
+            </a:r>
+          </a:p>
+          <a:p>
+            <a:pPr algn="ctr">
+              <a:defRPr/>
+            </a:pPr>
+            <a:endParaRPr lang="en-US" altLang="ko-KR" dirty="0">
+              <a:latin typeface="HY견고딕"/>
+              <a:ea typeface="HY견고딕"/>
+            </a:endParaRPr>
+          </a:p>
+          <a:p>
+            <a:pPr algn="ctr">
+              <a:defRPr/>
+            </a:pPr>
+            <a:r>
+              <a:rPr lang="ko-KR" altLang="en-US" dirty="0">
+                <a:latin typeface="HY견고딕"/>
+                <a:ea typeface="HY견고딕"/>
+              </a:rPr>
+              <a:t>그림자 </a:t>
+            </a:r>
+            <a:r>
+              <a:rPr lang="en-US" altLang="ko-KR" dirty="0">
+                <a:latin typeface="HY견고딕"/>
+                <a:ea typeface="HY견고딕"/>
+              </a:rPr>
+              <a:t>&amp; </a:t>
+            </a:r>
+            <a:r>
+              <a:rPr lang="ko-KR" altLang="en-US" dirty="0">
+                <a:latin typeface="HY견고딕"/>
+                <a:ea typeface="HY견고딕"/>
+              </a:rPr>
+              <a:t>조명 </a:t>
+            </a:r>
+            <a:endParaRPr lang="en-US" altLang="ko-KR" dirty="0">
+              <a:latin typeface="HY견고딕"/>
+              <a:ea typeface="HY견고딕"/>
+            </a:endParaRPr>
+          </a:p>
+          <a:p>
+            <a:pPr algn="ctr">
+              <a:defRPr/>
+            </a:pPr>
+            <a:r>
+              <a:rPr lang="ko-KR" altLang="en-US" dirty="0" err="1">
+                <a:latin typeface="HY견고딕"/>
+                <a:ea typeface="HY견고딕"/>
+              </a:rPr>
+              <a:t>환경매핑</a:t>
+            </a:r>
+            <a:r>
+              <a:rPr lang="en-US" altLang="ko-KR" dirty="0">
+                <a:latin typeface="HY견고딕"/>
+                <a:ea typeface="HY견고딕"/>
+              </a:rPr>
+              <a:t>(</a:t>
+            </a:r>
+            <a:r>
+              <a:rPr lang="ko-KR" altLang="en-US" dirty="0">
+                <a:latin typeface="HY견고딕"/>
+                <a:ea typeface="HY견고딕"/>
+              </a:rPr>
+              <a:t>물</a:t>
+            </a:r>
+            <a:r>
+              <a:rPr lang="en-US" altLang="ko-KR" dirty="0">
+                <a:latin typeface="HY견고딕"/>
+                <a:ea typeface="HY견고딕"/>
+              </a:rPr>
+              <a:t>) / </a:t>
+            </a:r>
+            <a:r>
+              <a:rPr lang="ko-KR" altLang="en-US" dirty="0" err="1">
+                <a:latin typeface="HY견고딕"/>
+                <a:ea typeface="HY견고딕"/>
+              </a:rPr>
+              <a:t>범프매핑</a:t>
+            </a:r>
+            <a:r>
+              <a:rPr lang="en-US" altLang="ko-KR" dirty="0">
+                <a:latin typeface="HY견고딕"/>
+                <a:ea typeface="HY견고딕"/>
+              </a:rPr>
+              <a:t>(</a:t>
+            </a:r>
+            <a:r>
+              <a:rPr lang="ko-KR" altLang="en-US" dirty="0" err="1">
+                <a:latin typeface="HY견고딕"/>
+                <a:ea typeface="HY견고딕"/>
+              </a:rPr>
+              <a:t>노멀매핑</a:t>
+            </a:r>
+            <a:r>
+              <a:rPr lang="en-US" altLang="ko-KR" dirty="0">
+                <a:latin typeface="HY견고딕"/>
+                <a:ea typeface="HY견고딕"/>
+              </a:rPr>
+              <a:t>)</a:t>
+            </a:r>
+          </a:p>
+          <a:p>
+            <a:pPr algn="ctr">
+              <a:defRPr/>
+            </a:pPr>
+            <a:r>
+              <a:rPr lang="ko-KR" altLang="en-US" dirty="0" err="1">
+                <a:latin typeface="HY견고딕"/>
+                <a:ea typeface="HY견고딕"/>
+              </a:rPr>
+              <a:t>쉐이더</a:t>
+            </a:r>
+            <a:r>
+              <a:rPr lang="ko-KR" altLang="en-US" dirty="0">
+                <a:latin typeface="HY견고딕"/>
+                <a:ea typeface="HY견고딕"/>
+              </a:rPr>
+              <a:t> 프로그래밍 </a:t>
+            </a:r>
+            <a:r>
+              <a:rPr lang="en-US" altLang="ko-KR" dirty="0">
+                <a:latin typeface="HY견고딕"/>
+                <a:ea typeface="HY견고딕"/>
+              </a:rPr>
+              <a:t>( </a:t>
+            </a:r>
+            <a:r>
+              <a:rPr lang="ko-KR" altLang="en-US" dirty="0">
+                <a:latin typeface="HY견고딕"/>
+                <a:ea typeface="HY견고딕"/>
+              </a:rPr>
+              <a:t>날씨 </a:t>
+            </a:r>
+            <a:r>
+              <a:rPr lang="en-US" altLang="ko-KR" dirty="0">
+                <a:latin typeface="HY견고딕"/>
+                <a:ea typeface="HY견고딕"/>
+              </a:rPr>
+              <a:t>)</a:t>
+            </a:r>
+          </a:p>
+          <a:p>
+            <a:pPr algn="ctr">
+              <a:defRPr/>
+            </a:pPr>
+            <a:endParaRPr lang="en-US" altLang="ko-KR" dirty="0">
+              <a:latin typeface="HY견고딕"/>
+              <a:ea typeface="HY견고딕"/>
+            </a:endParaRPr>
+          </a:p>
+          <a:p>
+            <a:pPr algn="ctr">
+              <a:defRPr/>
+            </a:pPr>
+            <a:r>
+              <a:rPr lang="ko-KR" altLang="en-US" dirty="0">
+                <a:latin typeface="HY견고딕"/>
+                <a:ea typeface="HY견고딕"/>
+              </a:rPr>
+              <a:t>하우징 컨텐츠</a:t>
+            </a:r>
+          </a:p>
+        </p:txBody>
+      </p:sp>
+    </p:spTree>
+  </p:cSld>
+  <p:clrMapOvr>
+    <a:masterClrMapping/>
+  </p:clrMapOvr>
+  <mc:AlternateContent xmlns:mc="http://schemas.openxmlformats.org/markup-compatibility/2006" xmlns:p14="http://schemas.microsoft.com/office/powerpoint/2010/main">
+    <mc:Choice Requires="p14">
+      <p:transition/>
+    </mc:Choice>
+    <mc:Fallback xmlns:dsp="http://schemas.microsoft.com/office/drawing/2008/diagram" xmlns:dgm="http://schemas.openxmlformats.org/drawingml/2006/diagram" xmlns:c="http://schemas.openxmlformats.org/drawingml/2006/chart" xmlns="">
+      <p:transition/>
+    </mc:Fallback>
+  </mc:AlternateContent>
+</p:sld>
+</file>
+
+<file path=ppt/slides/slide17.xml><?xml version="1.0" encoding="utf-8"?>
+<p:sld xmlns:a="http://schemas.openxmlformats.org/drawingml/2006/main" xmlns:r="http://schemas.openxmlformats.org/officeDocument/2006/relationships" xmlns:p="http://schemas.openxmlformats.org/presentationml/2006/main">
+  <p:cSld>
+    <p:spTree>
+      <p:nvGrpSpPr>
+        <p:cNvPr id="1" name=""/>
+        <p:cNvGrpSpPr/>
+        <p:nvPr/>
+      </p:nvGrpSpPr>
+      <p:grpSpPr>
+        <a:xfrm>
+          <a:off x="0" y="0"/>
+          <a:ext cx="0" cy="0"/>
+          <a:chOff x="0" y="0"/>
+          <a:chExt cx="0" cy="0"/>
+        </a:xfrm>
+      </p:grpSpPr>
+      <p:cxnSp>
+        <p:nvCxnSpPr>
+          <p:cNvPr id="2" name="직선 연결선 1"/>
+          <p:cNvCxnSpPr/>
+          <p:nvPr/>
+        </p:nvCxnSpPr>
+        <p:spPr>
+          <a:xfrm>
+            <a:off x="1347787" y="866775"/>
+            <a:ext cx="9496425" cy="19645"/>
+          </a:xfrm>
+          <a:prstGeom prst="line">
+            <a:avLst/>
+          </a:prstGeom>
+          <a:ln w="25400">
+            <a:solidFill>
+              <a:schemeClr val="tx1"/>
+            </a:solidFill>
+          </a:ln>
+        </p:spPr>
+        <p:style>
+          <a:lnRef idx="1">
+            <a:schemeClr val="accent1"/>
+          </a:lnRef>
+          <a:fillRef idx="0">
+            <a:schemeClr val="accent1"/>
+          </a:fillRef>
+          <a:effectRef idx="0">
+            <a:schemeClr val="accent1"/>
+          </a:effectRef>
+          <a:fontRef idx="minor">
+            <a:schemeClr val="tx1"/>
+          </a:fontRef>
+        </p:style>
+      </p:cxnSp>
+      <p:sp>
+        <p:nvSpPr>
+          <p:cNvPr id="3" name="TextBox 2"/>
+          <p:cNvSpPr txBox="1"/>
+          <p:nvPr/>
+        </p:nvSpPr>
+        <p:spPr>
+          <a:xfrm>
+            <a:off x="1347787" y="876597"/>
             <a:ext cx="4118435" cy="707886"/>
           </a:xfrm>
           <a:prstGeom prst="rect">
@@ -9190,7 +9631,7 @@
 </p:sld>
 </file>
 
-<file path=ppt/slides/slide17.xml><?xml version="1.0" encoding="utf-8"?>
+<file path=ppt/slides/slide18.xml><?xml version="1.0" encoding="utf-8"?>
 <p:sld xmlns:a="http://schemas.openxmlformats.org/drawingml/2006/main" xmlns:r="http://schemas.openxmlformats.org/officeDocument/2006/relationships" xmlns:p="http://schemas.openxmlformats.org/presentationml/2006/main">
   <p:cSld>
     <p:spTree>
@@ -20718,254 +21159,6 @@
 </p:sld>
 </file>
 
-<file path=ppt/slides/slide18.xml><?xml version="1.0" encoding="utf-8"?>
-<p:sld xmlns:a="http://schemas.openxmlformats.org/drawingml/2006/main" xmlns:r="http://schemas.openxmlformats.org/officeDocument/2006/relationships" xmlns:p="http://schemas.openxmlformats.org/presentationml/2006/main">
-  <p:cSld>
-    <p:spTree>
-      <p:nvGrpSpPr>
-        <p:cNvPr id="1" name=""/>
-        <p:cNvGrpSpPr/>
-        <p:nvPr/>
-      </p:nvGrpSpPr>
-      <p:grpSpPr>
-        <a:xfrm>
-          <a:off x="0" y="0"/>
-          <a:ext cx="0" cy="0"/>
-          <a:chOff x="0" y="0"/>
-          <a:chExt cx="0" cy="0"/>
-        </a:xfrm>
-      </p:grpSpPr>
-      <p:cxnSp>
-        <p:nvCxnSpPr>
-          <p:cNvPr id="2" name="직선 연결선 1">
-            <a:extLst>
-              <a:ext uri="{FF2B5EF4-FFF2-40B4-BE49-F238E27FC236}">
-                <a16:creationId xmlns:a16="http://schemas.microsoft.com/office/drawing/2014/main" id="{F489D314-C637-4E9E-947D-448763FA3CE1}"/>
-              </a:ext>
-            </a:extLst>
-          </p:cNvPr>
-          <p:cNvCxnSpPr>
-            <a:cxnSpLocks/>
-          </p:cNvCxnSpPr>
-          <p:nvPr/>
-        </p:nvCxnSpPr>
-        <p:spPr>
-          <a:xfrm>
-            <a:off x="1347787" y="2903804"/>
-            <a:ext cx="9496425" cy="19645"/>
-          </a:xfrm>
-          <a:prstGeom prst="line">
-            <a:avLst/>
-          </a:prstGeom>
-          <a:ln w="25400">
-            <a:solidFill>
-              <a:schemeClr val="tx1"/>
-            </a:solidFill>
-          </a:ln>
-        </p:spPr>
-        <p:style>
-          <a:lnRef idx="1">
-            <a:schemeClr val="accent1"/>
-          </a:lnRef>
-          <a:fillRef idx="0">
-            <a:schemeClr val="accent1"/>
-          </a:fillRef>
-          <a:effectRef idx="0">
-            <a:schemeClr val="accent1"/>
-          </a:effectRef>
-          <a:fontRef idx="minor">
-            <a:schemeClr val="tx1"/>
-          </a:fontRef>
-        </p:style>
-      </p:cxnSp>
-      <p:sp>
-        <p:nvSpPr>
-          <p:cNvPr id="4" name="TextBox 3">
-            <a:extLst>
-              <a:ext uri="{FF2B5EF4-FFF2-40B4-BE49-F238E27FC236}">
-                <a16:creationId xmlns:a16="http://schemas.microsoft.com/office/drawing/2014/main" id="{BF07602F-6AE9-44B4-BE0F-55FE2EDFDD1C}"/>
-              </a:ext>
-            </a:extLst>
-          </p:cNvPr>
-          <p:cNvSpPr txBox="1"/>
-          <p:nvPr/>
-        </p:nvSpPr>
-        <p:spPr>
-          <a:xfrm>
-            <a:off x="8671112" y="2480817"/>
-            <a:ext cx="1960793" cy="523220"/>
-          </a:xfrm>
-          <a:prstGeom prst="rect">
-            <a:avLst/>
-          </a:prstGeom>
-          <a:noFill/>
-        </p:spPr>
-        <p:txBody>
-          <a:bodyPr wrap="none" rtlCol="0">
-            <a:spAutoFit/>
-          </a:bodyPr>
-          <a:lstStyle/>
-          <a:p>
-            <a:r>
-              <a:rPr lang="en-US" altLang="ko-KR" sz="2800" dirty="0">
-                <a:latin typeface="HY헤드라인M" panose="02030600000101010101" pitchFamily="18" charset="-127"/>
-                <a:ea typeface="HY헤드라인M" panose="02030600000101010101" pitchFamily="18" charset="-127"/>
-              </a:rPr>
-              <a:t>The Island</a:t>
-            </a:r>
-            <a:endParaRPr lang="ko-KR" altLang="en-US" sz="2800" dirty="0">
-              <a:latin typeface="HY헤드라인M" panose="02030600000101010101" pitchFamily="18" charset="-127"/>
-              <a:ea typeface="HY헤드라인M" panose="02030600000101010101" pitchFamily="18" charset="-127"/>
-            </a:endParaRPr>
-          </a:p>
-        </p:txBody>
-      </p:sp>
-      <p:sp>
-        <p:nvSpPr>
-          <p:cNvPr id="5" name="TextBox 4">
-            <a:extLst>
-              <a:ext uri="{FF2B5EF4-FFF2-40B4-BE49-F238E27FC236}">
-                <a16:creationId xmlns:a16="http://schemas.microsoft.com/office/drawing/2014/main" id="{8B8A36FB-13F6-49E8-A86D-6CF420F297BC}"/>
-              </a:ext>
-            </a:extLst>
-          </p:cNvPr>
-          <p:cNvSpPr txBox="1"/>
-          <p:nvPr/>
-        </p:nvSpPr>
-        <p:spPr>
-          <a:xfrm>
-            <a:off x="5311169" y="2903804"/>
-            <a:ext cx="1569660" cy="769441"/>
-          </a:xfrm>
-          <a:prstGeom prst="rect">
-            <a:avLst/>
-          </a:prstGeom>
-          <a:noFill/>
-        </p:spPr>
-        <p:txBody>
-          <a:bodyPr wrap="none" rtlCol="0">
-            <a:spAutoFit/>
-          </a:bodyPr>
-          <a:lstStyle/>
-          <a:p>
-            <a:r>
-              <a:rPr lang="en-US" altLang="ko-KR" sz="4400" dirty="0">
-                <a:solidFill>
-                  <a:schemeClr val="accent1"/>
-                </a:solidFill>
-                <a:latin typeface="HY헤드라인M" panose="02030600000101010101" pitchFamily="18" charset="-127"/>
-                <a:ea typeface="HY헤드라인M" panose="02030600000101010101" pitchFamily="18" charset="-127"/>
-              </a:rPr>
-              <a:t>Q &amp; A</a:t>
-            </a:r>
-            <a:endParaRPr lang="ko-KR" altLang="en-US" sz="4400" dirty="0">
-              <a:solidFill>
-                <a:schemeClr val="accent1"/>
-              </a:solidFill>
-              <a:latin typeface="HY헤드라인M" panose="02030600000101010101" pitchFamily="18" charset="-127"/>
-              <a:ea typeface="HY헤드라인M" panose="02030600000101010101" pitchFamily="18" charset="-127"/>
-            </a:endParaRPr>
-          </a:p>
-        </p:txBody>
-      </p:sp>
-      <p:cxnSp>
-        <p:nvCxnSpPr>
-          <p:cNvPr id="7" name="직선 연결선 6">
-            <a:extLst>
-              <a:ext uri="{FF2B5EF4-FFF2-40B4-BE49-F238E27FC236}">
-                <a16:creationId xmlns:a16="http://schemas.microsoft.com/office/drawing/2014/main" id="{1213C020-10BD-47FA-8004-EF392DA9F117}"/>
-              </a:ext>
-            </a:extLst>
-          </p:cNvPr>
-          <p:cNvCxnSpPr>
-            <a:cxnSpLocks/>
-          </p:cNvCxnSpPr>
-          <p:nvPr/>
-        </p:nvCxnSpPr>
-        <p:spPr>
-          <a:xfrm>
-            <a:off x="1347787" y="3737611"/>
-            <a:ext cx="9496425" cy="19645"/>
-          </a:xfrm>
-          <a:prstGeom prst="line">
-            <a:avLst/>
-          </a:prstGeom>
-          <a:ln w="25400">
-            <a:solidFill>
-              <a:schemeClr val="tx1"/>
-            </a:solidFill>
-          </a:ln>
-        </p:spPr>
-        <p:style>
-          <a:lnRef idx="1">
-            <a:schemeClr val="accent1"/>
-          </a:lnRef>
-          <a:fillRef idx="0">
-            <a:schemeClr val="accent1"/>
-          </a:fillRef>
-          <a:effectRef idx="0">
-            <a:schemeClr val="accent1"/>
-          </a:effectRef>
-          <a:fontRef idx="minor">
-            <a:schemeClr val="tx1"/>
-          </a:fontRef>
-        </p:style>
-      </p:cxnSp>
-      <p:sp>
-        <p:nvSpPr>
-          <p:cNvPr id="8" name="TextBox 7">
-            <a:extLst>
-              <a:ext uri="{FF2B5EF4-FFF2-40B4-BE49-F238E27FC236}">
-                <a16:creationId xmlns:a16="http://schemas.microsoft.com/office/drawing/2014/main" id="{18DE7249-CAFF-40D4-90A5-6D409AA20032}"/>
-              </a:ext>
-            </a:extLst>
-          </p:cNvPr>
-          <p:cNvSpPr txBox="1"/>
-          <p:nvPr/>
-        </p:nvSpPr>
-        <p:spPr>
-          <a:xfrm>
-            <a:off x="10207499" y="6283173"/>
-            <a:ext cx="809837" cy="369332"/>
-          </a:xfrm>
-          <a:prstGeom prst="rect">
-            <a:avLst/>
-          </a:prstGeom>
-          <a:noFill/>
-        </p:spPr>
-        <p:txBody>
-          <a:bodyPr wrap="none" rtlCol="0">
-            <a:spAutoFit/>
-          </a:bodyPr>
-          <a:lstStyle/>
-          <a:p>
-            <a:r>
-              <a:rPr lang="en-US" altLang="ko-KR" dirty="0">
-                <a:latin typeface="HY헤드라인M" panose="02030600000101010101" pitchFamily="18" charset="-127"/>
-                <a:ea typeface="HY헤드라인M" panose="02030600000101010101" pitchFamily="18" charset="-127"/>
-              </a:rPr>
-              <a:t>18/18</a:t>
-            </a:r>
-            <a:endParaRPr lang="ko-KR" altLang="en-US" dirty="0">
-              <a:latin typeface="HY헤드라인M" panose="02030600000101010101" pitchFamily="18" charset="-127"/>
-              <a:ea typeface="HY헤드라인M" panose="02030600000101010101" pitchFamily="18" charset="-127"/>
-            </a:endParaRPr>
-          </a:p>
-        </p:txBody>
-      </p:sp>
-    </p:spTree>
-    <p:extLst>
-      <p:ext uri="{BB962C8B-B14F-4D97-AF65-F5344CB8AC3E}">
-        <p14:creationId xmlns:p14="http://schemas.microsoft.com/office/powerpoint/2010/main" val="2396139971"/>
-      </p:ext>
-    </p:extLst>
-  </p:cSld>
-  <p:clrMapOvr>
-    <a:masterClrMapping/>
-  </p:clrMapOvr>
-</p:sld>
-</file>
-
 <file path=ppt/slides/slide19.xml><?xml version="1.0" encoding="utf-8"?>
 <p:sld xmlns:a="http://schemas.openxmlformats.org/drawingml/2006/main" xmlns:r="http://schemas.openxmlformats.org/officeDocument/2006/relationships" xmlns:p="http://schemas.openxmlformats.org/presentationml/2006/main">
   <p:cSld>
@@ -21082,8 +21275,8 @@
         </p:nvSpPr>
         <p:spPr>
           <a:xfrm>
-            <a:off x="4442341" y="2903804"/>
-            <a:ext cx="3307316" cy="769441"/>
+            <a:off x="5311169" y="2903804"/>
+            <a:ext cx="1569660" cy="769441"/>
           </a:xfrm>
           <a:prstGeom prst="rect">
             <a:avLst/>
@@ -21104,7 +21297,7 @@
                 <a:latin typeface="HY헤드라인M" panose="02030600000101010101" pitchFamily="18" charset="-127"/>
                 <a:ea typeface="HY헤드라인M" panose="02030600000101010101" pitchFamily="18" charset="-127"/>
               </a:rPr>
-              <a:t>THANKS YOU</a:t>
+              <a:t>Q &amp; A</a:t>
             </a:r>
             <a:endParaRPr lang="ko-KR" altLang="en-US" sz="4400" dirty="0">
               <a:solidFill>
@@ -21159,10 +21352,52 @@
           </a:fontRef>
         </p:style>
       </p:cxnSp>
+      <p:sp>
+        <p:nvSpPr>
+          <p:cNvPr id="8" name="TextBox 7">
+            <a:extLst>
+              <a:ext uri="{FF2B5EF4-FFF2-40B4-BE49-F238E27FC236}">
+                <a16:creationId xmlns:a16="http://schemas.microsoft.com/office/drawing/2014/main" id="{18DE7249-CAFF-40D4-90A5-6D409AA20032}"/>
+              </a:ext>
+            </a:extLst>
+          </p:cNvPr>
+          <p:cNvSpPr txBox="1"/>
+          <p:nvPr/>
+        </p:nvSpPr>
+        <p:spPr>
+          <a:xfrm>
+            <a:off x="10207499" y="6283173"/>
+            <a:ext cx="809837" cy="369332"/>
+          </a:xfrm>
+          <a:prstGeom prst="rect">
+            <a:avLst/>
+          </a:prstGeom>
+          <a:noFill/>
+        </p:spPr>
+        <p:txBody>
+          <a:bodyPr wrap="none" rtlCol="0">
+            <a:spAutoFit/>
+          </a:bodyPr>
+          <a:lstStyle/>
+          <a:p>
+            <a:r>
+              <a:rPr lang="en-US" altLang="ko-KR" dirty="0">
+                <a:latin typeface="HY헤드라인M" panose="02030600000101010101" pitchFamily="18" charset="-127"/>
+                <a:ea typeface="HY헤드라인M" panose="02030600000101010101" pitchFamily="18" charset="-127"/>
+              </a:rPr>
+              <a:t>18/18</a:t>
+            </a:r>
+            <a:endParaRPr lang="ko-KR" altLang="en-US" dirty="0">
+              <a:latin typeface="HY헤드라인M" panose="02030600000101010101" pitchFamily="18" charset="-127"/>
+              <a:ea typeface="HY헤드라인M" panose="02030600000101010101" pitchFamily="18" charset="-127"/>
+            </a:endParaRPr>
+          </a:p>
+        </p:txBody>
+      </p:sp>
     </p:spTree>
     <p:extLst>
       <p:ext uri="{BB962C8B-B14F-4D97-AF65-F5344CB8AC3E}">
-        <p14:creationId xmlns:p14="http://schemas.microsoft.com/office/powerpoint/2010/main" val="130463107"/>
+        <p14:creationId xmlns:p14="http://schemas.microsoft.com/office/powerpoint/2010/main" val="2396139971"/>
       </p:ext>
     </p:extLst>
   </p:cSld>
@@ -22173,6 +22408,212 @@
     <p:extLst>
       <p:ext uri="{BB962C8B-B14F-4D97-AF65-F5344CB8AC3E}">
         <p14:creationId xmlns:p14="http://schemas.microsoft.com/office/powerpoint/2010/main" val="1328715291"/>
+      </p:ext>
+    </p:extLst>
+  </p:cSld>
+  <p:clrMapOvr>
+    <a:masterClrMapping/>
+  </p:clrMapOvr>
+</p:sld>
+</file>
+
+<file path=ppt/slides/slide20.xml><?xml version="1.0" encoding="utf-8"?>
+<p:sld xmlns:a="http://schemas.openxmlformats.org/drawingml/2006/main" xmlns:r="http://schemas.openxmlformats.org/officeDocument/2006/relationships" xmlns:p="http://schemas.openxmlformats.org/presentationml/2006/main">
+  <p:cSld>
+    <p:spTree>
+      <p:nvGrpSpPr>
+        <p:cNvPr id="1" name=""/>
+        <p:cNvGrpSpPr/>
+        <p:nvPr/>
+      </p:nvGrpSpPr>
+      <p:grpSpPr>
+        <a:xfrm>
+          <a:off x="0" y="0"/>
+          <a:ext cx="0" cy="0"/>
+          <a:chOff x="0" y="0"/>
+          <a:chExt cx="0" cy="0"/>
+        </a:xfrm>
+      </p:grpSpPr>
+      <p:cxnSp>
+        <p:nvCxnSpPr>
+          <p:cNvPr id="2" name="직선 연결선 1">
+            <a:extLst>
+              <a:ext uri="{FF2B5EF4-FFF2-40B4-BE49-F238E27FC236}">
+                <a16:creationId xmlns:a16="http://schemas.microsoft.com/office/drawing/2014/main" id="{F489D314-C637-4E9E-947D-448763FA3CE1}"/>
+              </a:ext>
+            </a:extLst>
+          </p:cNvPr>
+          <p:cNvCxnSpPr>
+            <a:cxnSpLocks/>
+          </p:cNvCxnSpPr>
+          <p:nvPr/>
+        </p:nvCxnSpPr>
+        <p:spPr>
+          <a:xfrm>
+            <a:off x="1347787" y="2903804"/>
+            <a:ext cx="9496425" cy="19645"/>
+          </a:xfrm>
+          <a:prstGeom prst="line">
+            <a:avLst/>
+          </a:prstGeom>
+          <a:ln w="25400">
+            <a:solidFill>
+              <a:schemeClr val="tx1"/>
+            </a:solidFill>
+          </a:ln>
+        </p:spPr>
+        <p:style>
+          <a:lnRef idx="1">
+            <a:schemeClr val="accent1"/>
+          </a:lnRef>
+          <a:fillRef idx="0">
+            <a:schemeClr val="accent1"/>
+          </a:fillRef>
+          <a:effectRef idx="0">
+            <a:schemeClr val="accent1"/>
+          </a:effectRef>
+          <a:fontRef idx="minor">
+            <a:schemeClr val="tx1"/>
+          </a:fontRef>
+        </p:style>
+      </p:cxnSp>
+      <p:sp>
+        <p:nvSpPr>
+          <p:cNvPr id="4" name="TextBox 3">
+            <a:extLst>
+              <a:ext uri="{FF2B5EF4-FFF2-40B4-BE49-F238E27FC236}">
+                <a16:creationId xmlns:a16="http://schemas.microsoft.com/office/drawing/2014/main" id="{BF07602F-6AE9-44B4-BE0F-55FE2EDFDD1C}"/>
+              </a:ext>
+            </a:extLst>
+          </p:cNvPr>
+          <p:cNvSpPr txBox="1"/>
+          <p:nvPr/>
+        </p:nvSpPr>
+        <p:spPr>
+          <a:xfrm>
+            <a:off x="8671112" y="2480817"/>
+            <a:ext cx="1960793" cy="523220"/>
+          </a:xfrm>
+          <a:prstGeom prst="rect">
+            <a:avLst/>
+          </a:prstGeom>
+          <a:noFill/>
+        </p:spPr>
+        <p:txBody>
+          <a:bodyPr wrap="none" rtlCol="0">
+            <a:spAutoFit/>
+          </a:bodyPr>
+          <a:lstStyle/>
+          <a:p>
+            <a:r>
+              <a:rPr lang="en-US" altLang="ko-KR" sz="2800" dirty="0">
+                <a:latin typeface="HY헤드라인M" panose="02030600000101010101" pitchFamily="18" charset="-127"/>
+                <a:ea typeface="HY헤드라인M" panose="02030600000101010101" pitchFamily="18" charset="-127"/>
+              </a:rPr>
+              <a:t>The Island</a:t>
+            </a:r>
+            <a:endParaRPr lang="ko-KR" altLang="en-US" sz="2800" dirty="0">
+              <a:latin typeface="HY헤드라인M" panose="02030600000101010101" pitchFamily="18" charset="-127"/>
+              <a:ea typeface="HY헤드라인M" panose="02030600000101010101" pitchFamily="18" charset="-127"/>
+            </a:endParaRPr>
+          </a:p>
+        </p:txBody>
+      </p:sp>
+      <p:sp>
+        <p:nvSpPr>
+          <p:cNvPr id="5" name="TextBox 4">
+            <a:extLst>
+              <a:ext uri="{FF2B5EF4-FFF2-40B4-BE49-F238E27FC236}">
+                <a16:creationId xmlns:a16="http://schemas.microsoft.com/office/drawing/2014/main" id="{8B8A36FB-13F6-49E8-A86D-6CF420F297BC}"/>
+              </a:ext>
+            </a:extLst>
+          </p:cNvPr>
+          <p:cNvSpPr txBox="1"/>
+          <p:nvPr/>
+        </p:nvSpPr>
+        <p:spPr>
+          <a:xfrm>
+            <a:off x="4442341" y="2903804"/>
+            <a:ext cx="3307316" cy="769441"/>
+          </a:xfrm>
+          <a:prstGeom prst="rect">
+            <a:avLst/>
+          </a:prstGeom>
+          <a:noFill/>
+        </p:spPr>
+        <p:txBody>
+          <a:bodyPr wrap="none" rtlCol="0">
+            <a:spAutoFit/>
+          </a:bodyPr>
+          <a:lstStyle/>
+          <a:p>
+            <a:r>
+              <a:rPr lang="en-US" altLang="ko-KR" sz="4400" dirty="0">
+                <a:solidFill>
+                  <a:schemeClr val="accent1"/>
+                </a:solidFill>
+                <a:latin typeface="HY헤드라인M" panose="02030600000101010101" pitchFamily="18" charset="-127"/>
+                <a:ea typeface="HY헤드라인M" panose="02030600000101010101" pitchFamily="18" charset="-127"/>
+              </a:rPr>
+              <a:t>THANKS YOU</a:t>
+            </a:r>
+            <a:endParaRPr lang="ko-KR" altLang="en-US" sz="4400" dirty="0">
+              <a:solidFill>
+                <a:schemeClr val="accent1"/>
+              </a:solidFill>
+              <a:latin typeface="HY헤드라인M" panose="02030600000101010101" pitchFamily="18" charset="-127"/>
+              <a:ea typeface="HY헤드라인M" panose="02030600000101010101" pitchFamily="18" charset="-127"/>
+            </a:endParaRPr>
+          </a:p>
+        </p:txBody>
+      </p:sp>
+      <p:cxnSp>
+        <p:nvCxnSpPr>
+          <p:cNvPr id="7" name="직선 연결선 6">
+            <a:extLst>
+              <a:ext uri="{FF2B5EF4-FFF2-40B4-BE49-F238E27FC236}">
+                <a16:creationId xmlns:a16="http://schemas.microsoft.com/office/drawing/2014/main" id="{1213C020-10BD-47FA-8004-EF392DA9F117}"/>
+              </a:ext>
+            </a:extLst>
+          </p:cNvPr>
+          <p:cNvCxnSpPr>
+            <a:cxnSpLocks/>
+          </p:cNvCxnSpPr>
+          <p:nvPr/>
+        </p:nvCxnSpPr>
+        <p:spPr>
+          <a:xfrm>
+            <a:off x="1347787" y="3737611"/>
+            <a:ext cx="9496425" cy="19645"/>
+          </a:xfrm>
+          <a:prstGeom prst="line">
+            <a:avLst/>
+          </a:prstGeom>
+          <a:ln w="25400">
+            <a:solidFill>
+              <a:schemeClr val="tx1"/>
+            </a:solidFill>
+          </a:ln>
+        </p:spPr>
+        <p:style>
+          <a:lnRef idx="1">
+            <a:schemeClr val="accent1"/>
+          </a:lnRef>
+          <a:fillRef idx="0">
+            <a:schemeClr val="accent1"/>
+          </a:fillRef>
+          <a:effectRef idx="0">
+            <a:schemeClr val="accent1"/>
+          </a:effectRef>
+          <a:fontRef idx="minor">
+            <a:schemeClr val="tx1"/>
+          </a:fontRef>
+        </p:style>
+      </p:cxnSp>
+    </p:spTree>
+    <p:extLst>
+      <p:ext uri="{BB962C8B-B14F-4D97-AF65-F5344CB8AC3E}">
+        <p14:creationId xmlns:p14="http://schemas.microsoft.com/office/powerpoint/2010/main" val="130463107"/>
       </p:ext>
     </p:extLst>
   </p:cSld>
@@ -26916,44 +27357,44 @@
 </file>
 
 <file path=ppt/theme/theme1.xml><?xml version="1.0" encoding="utf-8"?>
-<a:theme xmlns:a="http://schemas.openxmlformats.org/drawingml/2006/main" name="Office 테마">
+<a:theme xmlns:r="http://schemas.openxmlformats.org/officeDocument/2006/relationships" xmlns:c="http://schemas.openxmlformats.org/drawingml/2006/chart" xmlns:dgm="http://schemas.openxmlformats.org/drawingml/2006/diagram" xmlns:dsp="http://schemas.microsoft.com/office/drawing/2008/diagram" xmlns:a="http://schemas.openxmlformats.org/drawingml/2006/main" xmlns:pic="http://schemas.openxmlformats.org/drawingml/2006/picture" xmlns:wp="http://schemas.openxmlformats.org/drawingml/2006/wordprocessingDrawing" xmlns:xdr="http://schemas.openxmlformats.org/drawingml/2006/spreadsheetDrawing" xmlns:lc="http://schemas.openxmlformats.org/drawingml/2006/lockedCanvas" xmlns:p="http://schemas.openxmlformats.org/presentationml/2006/main" name="Office 테마">
   <a:themeElements>
     <a:clrScheme name="Office">
       <a:dk1>
         <a:sysClr val="windowText" lastClr="000000"/>
       </a:dk1>
       <a:lt1>
-        <a:sysClr val="window" lastClr="FFFFFF"/>
+        <a:sysClr val="window" lastClr="ffffff"/>
       </a:lt1>
       <a:dk2>
-        <a:srgbClr val="44546A"/>
+        <a:srgbClr val="44546a"/>
       </a:dk2>
       <a:lt2>
-        <a:srgbClr val="E7E6E6"/>
+        <a:srgbClr val="e7e6e6"/>
       </a:lt2>
       <a:accent1>
-        <a:srgbClr val="4472C4"/>
+        <a:srgbClr val="4472c4"/>
       </a:accent1>
       <a:accent2>
-        <a:srgbClr val="ED7D31"/>
+        <a:srgbClr val="ed7d31"/>
       </a:accent2>
       <a:accent3>
-        <a:srgbClr val="A5A5A5"/>
+        <a:srgbClr val="a5a5a5"/>
       </a:accent3>
       <a:accent4>
-        <a:srgbClr val="FFC000"/>
+        <a:srgbClr val="ffc000"/>
       </a:accent4>
       <a:accent5>
-        <a:srgbClr val="5B9BD5"/>
+        <a:srgbClr val="5b9bd5"/>
       </a:accent5>
       <a:accent6>
-        <a:srgbClr val="70AD47"/>
+        <a:srgbClr val="70ad47"/>
       </a:accent6>
       <a:hlink>
-        <a:srgbClr val="0563C1"/>
+        <a:srgbClr val="0563c1"/>
       </a:hlink>
       <a:folHlink>
-        <a:srgbClr val="954F72"/>
+        <a:srgbClr val="954f72"/>
       </a:folHlink>
     </a:clrScheme>
     <a:fontScheme name="Office">
@@ -27200,50 +27641,48 @@
       </a:bgFillStyleLst>
     </a:fmtScheme>
   </a:themeElements>
-  <a:objectDefaults/>
-  <a:extraClrSchemeLst/>
 </a:theme>
 </file>
 
 <file path=ppt/theme/theme2.xml><?xml version="1.0" encoding="utf-8"?>
-<a:theme xmlns:a="http://schemas.openxmlformats.org/drawingml/2006/main" name="Office 테마">
+<a:theme xmlns:r="http://schemas.openxmlformats.org/officeDocument/2006/relationships" xmlns:c="http://schemas.openxmlformats.org/drawingml/2006/chart" xmlns:dgm="http://schemas.openxmlformats.org/drawingml/2006/diagram" xmlns:dsp="http://schemas.microsoft.com/office/drawing/2008/diagram" xmlns:a="http://schemas.openxmlformats.org/drawingml/2006/main" xmlns:pic="http://schemas.openxmlformats.org/drawingml/2006/picture" xmlns:wp="http://schemas.openxmlformats.org/drawingml/2006/wordprocessingDrawing" xmlns:xdr="http://schemas.openxmlformats.org/drawingml/2006/spreadsheetDrawing" xmlns:lc="http://schemas.openxmlformats.org/drawingml/2006/lockedCanvas" xmlns:p="http://schemas.openxmlformats.org/presentationml/2006/main" name="Office 테마">
   <a:themeElements>
     <a:clrScheme name="Office">
       <a:dk1>
         <a:sysClr val="windowText" lastClr="000000"/>
       </a:dk1>
       <a:lt1>
-        <a:sysClr val="window" lastClr="FFFFFF"/>
+        <a:sysClr val="window" lastClr="ffffff"/>
       </a:lt1>
       <a:dk2>
-        <a:srgbClr val="44546A"/>
+        <a:srgbClr val="44546a"/>
       </a:dk2>
       <a:lt2>
-        <a:srgbClr val="E7E6E6"/>
+        <a:srgbClr val="e7e6e6"/>
       </a:lt2>
       <a:accent1>
-        <a:srgbClr val="4472C4"/>
+        <a:srgbClr val="4472c4"/>
       </a:accent1>
       <a:accent2>
-        <a:srgbClr val="ED7D31"/>
+        <a:srgbClr val="ed7d31"/>
       </a:accent2>
       <a:accent3>
-        <a:srgbClr val="A5A5A5"/>
+        <a:srgbClr val="a5a5a5"/>
       </a:accent3>
       <a:accent4>
-        <a:srgbClr val="FFC000"/>
+        <a:srgbClr val="ffc000"/>
       </a:accent4>
       <a:accent5>
-        <a:srgbClr val="5B9BD5"/>
+        <a:srgbClr val="5b9bd5"/>
       </a:accent5>
       <a:accent6>
-        <a:srgbClr val="70AD47"/>
+        <a:srgbClr val="70ad47"/>
       </a:accent6>
       <a:hlink>
-        <a:srgbClr val="0563C1"/>
+        <a:srgbClr val="0563c1"/>
       </a:hlink>
       <a:folHlink>
-        <a:srgbClr val="954F72"/>
+        <a:srgbClr val="954f72"/>
       </a:folHlink>
     </a:clrScheme>
     <a:fontScheme name="Office">
@@ -27490,7 +27929,5 @@
       </a:bgFillStyleLst>
     </a:fmtScheme>
   </a:themeElements>
-  <a:objectDefaults/>
-  <a:extraClrSchemeLst/>
 </a:theme>
 </file>